--- a/Week-8-Time-Series-II-AutoRegression/IS6400 Week 8.pptx
+++ b/Week-8-Time-Series-II-AutoRegression/IS6400 Week 8.pptx
@@ -5,55 +5,58 @@
     <p:sldMasterId id="2147483672" r:id="rId1"/>
   </p:sldMasterIdLst>
   <p:notesMasterIdLst>
-    <p:notesMasterId r:id="rId45"/>
+    <p:notesMasterId r:id="rId48"/>
   </p:notesMasterIdLst>
   <p:handoutMasterIdLst>
-    <p:handoutMasterId r:id="rId46"/>
+    <p:handoutMasterId r:id="rId49"/>
   </p:handoutMasterIdLst>
   <p:sldIdLst>
     <p:sldId id="300" r:id="rId2"/>
-    <p:sldId id="399" r:id="rId3"/>
-    <p:sldId id="405" r:id="rId4"/>
-    <p:sldId id="406" r:id="rId5"/>
-    <p:sldId id="449" r:id="rId6"/>
-    <p:sldId id="451" r:id="rId7"/>
-    <p:sldId id="452" r:id="rId8"/>
-    <p:sldId id="454" r:id="rId9"/>
-    <p:sldId id="453" r:id="rId10"/>
-    <p:sldId id="455" r:id="rId11"/>
-    <p:sldId id="456" r:id="rId12"/>
-    <p:sldId id="457" r:id="rId13"/>
-    <p:sldId id="458" r:id="rId14"/>
-    <p:sldId id="459" r:id="rId15"/>
-    <p:sldId id="460" r:id="rId16"/>
-    <p:sldId id="461" r:id="rId17"/>
-    <p:sldId id="464" r:id="rId18"/>
-    <p:sldId id="465" r:id="rId19"/>
-    <p:sldId id="462" r:id="rId20"/>
-    <p:sldId id="463" r:id="rId21"/>
-    <p:sldId id="466" r:id="rId22"/>
-    <p:sldId id="468" r:id="rId23"/>
-    <p:sldId id="467" r:id="rId24"/>
-    <p:sldId id="469" r:id="rId25"/>
-    <p:sldId id="471" r:id="rId26"/>
-    <p:sldId id="470" r:id="rId27"/>
-    <p:sldId id="472" r:id="rId28"/>
-    <p:sldId id="473" r:id="rId29"/>
-    <p:sldId id="474" r:id="rId30"/>
-    <p:sldId id="475" r:id="rId31"/>
-    <p:sldId id="478" r:id="rId32"/>
-    <p:sldId id="480" r:id="rId33"/>
-    <p:sldId id="479" r:id="rId34"/>
-    <p:sldId id="482" r:id="rId35"/>
-    <p:sldId id="483" r:id="rId36"/>
-    <p:sldId id="484" r:id="rId37"/>
-    <p:sldId id="486" r:id="rId38"/>
-    <p:sldId id="487" r:id="rId39"/>
-    <p:sldId id="488" r:id="rId40"/>
-    <p:sldId id="476" r:id="rId41"/>
-    <p:sldId id="477" r:id="rId42"/>
-    <p:sldId id="450" r:id="rId43"/>
-    <p:sldId id="317" r:id="rId44"/>
+    <p:sldId id="489" r:id="rId3"/>
+    <p:sldId id="399" r:id="rId4"/>
+    <p:sldId id="405" r:id="rId5"/>
+    <p:sldId id="406" r:id="rId6"/>
+    <p:sldId id="449" r:id="rId7"/>
+    <p:sldId id="451" r:id="rId8"/>
+    <p:sldId id="452" r:id="rId9"/>
+    <p:sldId id="454" r:id="rId10"/>
+    <p:sldId id="453" r:id="rId11"/>
+    <p:sldId id="455" r:id="rId12"/>
+    <p:sldId id="456" r:id="rId13"/>
+    <p:sldId id="457" r:id="rId14"/>
+    <p:sldId id="458" r:id="rId15"/>
+    <p:sldId id="491" r:id="rId16"/>
+    <p:sldId id="459" r:id="rId17"/>
+    <p:sldId id="460" r:id="rId18"/>
+    <p:sldId id="461" r:id="rId19"/>
+    <p:sldId id="464" r:id="rId20"/>
+    <p:sldId id="490" r:id="rId21"/>
+    <p:sldId id="465" r:id="rId22"/>
+    <p:sldId id="462" r:id="rId23"/>
+    <p:sldId id="463" r:id="rId24"/>
+    <p:sldId id="466" r:id="rId25"/>
+    <p:sldId id="468" r:id="rId26"/>
+    <p:sldId id="467" r:id="rId27"/>
+    <p:sldId id="469" r:id="rId28"/>
+    <p:sldId id="471" r:id="rId29"/>
+    <p:sldId id="470" r:id="rId30"/>
+    <p:sldId id="472" r:id="rId31"/>
+    <p:sldId id="473" r:id="rId32"/>
+    <p:sldId id="474" r:id="rId33"/>
+    <p:sldId id="475" r:id="rId34"/>
+    <p:sldId id="478" r:id="rId35"/>
+    <p:sldId id="480" r:id="rId36"/>
+    <p:sldId id="479" r:id="rId37"/>
+    <p:sldId id="482" r:id="rId38"/>
+    <p:sldId id="483" r:id="rId39"/>
+    <p:sldId id="484" r:id="rId40"/>
+    <p:sldId id="486" r:id="rId41"/>
+    <p:sldId id="487" r:id="rId42"/>
+    <p:sldId id="488" r:id="rId43"/>
+    <p:sldId id="476" r:id="rId44"/>
+    <p:sldId id="477" r:id="rId45"/>
+    <p:sldId id="450" r:id="rId46"/>
+    <p:sldId id="317" r:id="rId47"/>
   </p:sldIdLst>
   <p:sldSz cx="9144000" cy="6858000" type="screen4x3"/>
   <p:notesSz cx="6797675" cy="9926638"/>
@@ -330,7 +333,7 @@
               <a:pPr>
                 <a:defRPr/>
               </a:pPr>
-              <a:t>2022/3/3</a:t>
+              <a:t>2022/3/7</a:t>
             </a:fld>
             <a:endParaRPr lang="zh-TW" altLang="en-US"/>
           </a:p>
@@ -571,7 +574,7 @@
               <a:pPr>
                 <a:defRPr/>
               </a:pPr>
-              <a:t>3/3/22</a:t>
+              <a:t>3/7/22</a:t>
             </a:fld>
             <a:endParaRPr lang="en-US" dirty="0"/>
           </a:p>
@@ -1306,7 +1309,7 @@
             <a:fld id="{AAAEC759-9F4B-2F46-8026-8930C476A54C}" type="slidenum">
               <a:rPr lang="en-US" altLang="en-US" smtClean="0"/>
               <a:pPr/>
-              <a:t>2</a:t>
+              <a:t>3</a:t>
             </a:fld>
             <a:endParaRPr lang="en-US" altLang="en-US"/>
           </a:p>
@@ -1394,7 +1397,7 @@
             <a:fld id="{AAAEC759-9F4B-2F46-8026-8930C476A54C}" type="slidenum">
               <a:rPr lang="en-US" altLang="en-US" smtClean="0"/>
               <a:pPr/>
-              <a:t>11</a:t>
+              <a:t>12</a:t>
             </a:fld>
             <a:endParaRPr lang="en-US" altLang="en-US"/>
           </a:p>
@@ -1508,7 +1511,7 @@
             <a:fld id="{AAAEC759-9F4B-2F46-8026-8930C476A54C}" type="slidenum">
               <a:rPr lang="en-US" altLang="en-US" smtClean="0"/>
               <a:pPr/>
-              <a:t>32</a:t>
+              <a:t>35</a:t>
             </a:fld>
             <a:endParaRPr lang="en-US" altLang="en-US"/>
           </a:p>
@@ -1802,7 +1805,7 @@
                   <a:spcPct val="0"/>
                 </a:spcBef>
               </a:pPr>
-              <a:t>43</a:t>
+              <a:t>46</a:t>
             </a:fld>
             <a:endParaRPr lang="en-US" altLang="en-US"/>
           </a:p>
@@ -3249,6 +3252,713 @@
           <p:cNvPr id="2" name="Title 1">
             <a:extLst>
               <a:ext uri="{FF2B5EF4-FFF2-40B4-BE49-F238E27FC236}">
+                <a16:creationId xmlns:a16="http://schemas.microsoft.com/office/drawing/2014/main" id="{03A3940D-29D4-9C4E-9587-C8BFDABD6EE4}"/>
+              </a:ext>
+            </a:extLst>
+          </p:cNvPr>
+          <p:cNvSpPr>
+            <a:spLocks noGrp="1"/>
+          </p:cNvSpPr>
+          <p:nvPr>
+            <p:ph type="title"/>
+          </p:nvPr>
+        </p:nvSpPr>
+        <p:spPr/>
+        <p:txBody>
+          <a:bodyPr/>
+          <a:lstStyle/>
+          <a:p>
+            <a:r>
+              <a:rPr lang="en-US" dirty="0"/>
+              <a:t>Partial Autocorrelation</a:t>
+            </a:r>
+          </a:p>
+        </p:txBody>
+      </p:sp>
+      <mc:AlternateContent xmlns:mc="http://schemas.openxmlformats.org/markup-compatibility/2006" xmlns:a14="http://schemas.microsoft.com/office/drawing/2010/main">
+        <mc:Choice Requires="a14">
+          <p:sp>
+            <p:nvSpPr>
+              <p:cNvPr id="3" name="Content Placeholder 2">
+                <a:extLst>
+                  <a:ext uri="{FF2B5EF4-FFF2-40B4-BE49-F238E27FC236}">
+                    <a16:creationId xmlns:a16="http://schemas.microsoft.com/office/drawing/2014/main" id="{35395B1D-F0DE-D445-AD2E-5895093CF429}"/>
+                  </a:ext>
+                </a:extLst>
+              </p:cNvPr>
+              <p:cNvSpPr>
+                <a:spLocks noGrp="1"/>
+              </p:cNvSpPr>
+              <p:nvPr>
+                <p:ph idx="1"/>
+              </p:nvPr>
+            </p:nvSpPr>
+            <p:spPr/>
+            <p:txBody>
+              <a:bodyPr/>
+              <a:lstStyle/>
+              <a:p>
+                <a:r>
+                  <a:rPr lang="en-US" sz="2800" dirty="0"/>
+                  <a:t>Partial autocorrelation of lag </a:t>
+                </a:r>
+                <a14:m>
+                  <m:oMath xmlns:m="http://schemas.openxmlformats.org/officeDocument/2006/math">
+                    <m:r>
+                      <a:rPr lang="en-US" sz="2800" b="0" i="1" smtClean="0">
+                        <a:latin typeface="Cambria Math" panose="02040503050406030204" pitchFamily="18" charset="0"/>
+                      </a:rPr>
+                      <m:t>𝑘</m:t>
+                    </m:r>
+                  </m:oMath>
+                </a14:m>
+                <a:r>
+                  <a:rPr lang="en-US" sz="2800" dirty="0"/>
+                  <a:t>:</a:t>
+                </a:r>
+              </a:p>
+              <a:p>
+                <a:pPr lvl="1"/>
+                <a:r>
+                  <a:rPr lang="en-US" sz="2400" dirty="0"/>
+                  <a:t>Correlation between </a:t>
+                </a:r>
+                <a14:m>
+                  <m:oMath xmlns:m="http://schemas.openxmlformats.org/officeDocument/2006/math">
+                    <m:sSub>
+                      <m:sSubPr>
+                        <m:ctrlPr>
+                          <a:rPr lang="en-US" sz="2400" b="0" i="1" smtClean="0">
+                            <a:latin typeface="Cambria Math" panose="02040503050406030204" pitchFamily="18" charset="0"/>
+                          </a:rPr>
+                        </m:ctrlPr>
+                      </m:sSubPr>
+                      <m:e>
+                        <m:r>
+                          <a:rPr lang="en-US" sz="2400" b="0" i="1" smtClean="0">
+                            <a:latin typeface="Cambria Math" panose="02040503050406030204" pitchFamily="18" charset="0"/>
+                          </a:rPr>
+                          <m:t>𝑦</m:t>
+                        </m:r>
+                      </m:e>
+                      <m:sub>
+                        <m:r>
+                          <a:rPr lang="en-US" sz="2400" b="0" i="1" smtClean="0">
+                            <a:latin typeface="Cambria Math" panose="02040503050406030204" pitchFamily="18" charset="0"/>
+                          </a:rPr>
+                          <m:t>𝑡</m:t>
+                        </m:r>
+                      </m:sub>
+                    </m:sSub>
+                  </m:oMath>
+                </a14:m>
+                <a:r>
+                  <a:rPr lang="en-US" sz="2400" dirty="0"/>
+                  <a:t> and </a:t>
+                </a:r>
+                <a14:m>
+                  <m:oMath xmlns:m="http://schemas.openxmlformats.org/officeDocument/2006/math">
+                    <m:sSub>
+                      <m:sSubPr>
+                        <m:ctrlPr>
+                          <a:rPr lang="en-US" sz="2400" b="0" i="1" smtClean="0">
+                            <a:latin typeface="Cambria Math" panose="02040503050406030204" pitchFamily="18" charset="0"/>
+                          </a:rPr>
+                        </m:ctrlPr>
+                      </m:sSubPr>
+                      <m:e>
+                        <m:r>
+                          <a:rPr lang="en-US" sz="2400" b="0" i="1" smtClean="0">
+                            <a:latin typeface="Cambria Math" panose="02040503050406030204" pitchFamily="18" charset="0"/>
+                          </a:rPr>
+                          <m:t>𝑦</m:t>
+                        </m:r>
+                      </m:e>
+                      <m:sub>
+                        <m:r>
+                          <a:rPr lang="en-US" sz="2400" b="0" i="1" smtClean="0">
+                            <a:latin typeface="Cambria Math" panose="02040503050406030204" pitchFamily="18" charset="0"/>
+                          </a:rPr>
+                          <m:t>𝑡</m:t>
+                        </m:r>
+                        <m:r>
+                          <a:rPr lang="en-US" sz="2400" b="0" i="1" smtClean="0">
+                            <a:latin typeface="Cambria Math" panose="02040503050406030204" pitchFamily="18" charset="0"/>
+                          </a:rPr>
+                          <m:t>−</m:t>
+                        </m:r>
+                        <m:r>
+                          <a:rPr lang="en-US" sz="2400" b="0" i="1" smtClean="0">
+                            <a:latin typeface="Cambria Math" panose="02040503050406030204" pitchFamily="18" charset="0"/>
+                          </a:rPr>
+                          <m:t>𝑘</m:t>
+                        </m:r>
+                      </m:sub>
+                    </m:sSub>
+                  </m:oMath>
+                </a14:m>
+                <a:endParaRPr lang="en-US" sz="2400" dirty="0"/>
+              </a:p>
+              <a:p>
+                <a:pPr lvl="1"/>
+                <a:r>
+                  <a:rPr lang="en-US" sz="2400" dirty="0"/>
+                  <a:t>Controlling for prior correlations </a:t>
+                </a:r>
+              </a:p>
+              <a:p>
+                <a:endParaRPr lang="en-US" sz="2800" dirty="0"/>
+              </a:p>
+              <a:p>
+                <a:r>
+                  <a:rPr lang="en-US" sz="2800" dirty="0"/>
+                  <a:t>Example</a:t>
+                </a:r>
+              </a:p>
+              <a:p>
+                <a:pPr lvl="1"/>
+                <a:r>
+                  <a:rPr lang="en-US" sz="2400" dirty="0"/>
+                  <a:t>Lag-1 partial </a:t>
+                </a:r>
+                <a:r>
+                  <a:rPr lang="en-US" sz="2400" dirty="0" err="1"/>
+                  <a:t>autocorr</a:t>
+                </a:r>
+                <a:r>
+                  <a:rPr lang="en-US" sz="2400" dirty="0"/>
+                  <a:t> is the same as Lag-1 </a:t>
+                </a:r>
+                <a:r>
+                  <a:rPr lang="en-US" sz="2400" dirty="0" err="1"/>
+                  <a:t>autocorr</a:t>
+                </a:r>
+                <a:r>
+                  <a:rPr lang="en-US" sz="2400" dirty="0"/>
+                  <a:t>.</a:t>
+                </a:r>
+              </a:p>
+              <a:p>
+                <a:pPr lvl="1"/>
+                <a:r>
+                  <a:rPr lang="en-US" sz="2400" dirty="0"/>
+                  <a:t>Lag-2 partial </a:t>
+                </a:r>
+                <a:r>
+                  <a:rPr lang="en-US" sz="2400" dirty="0" err="1"/>
+                  <a:t>autocorr</a:t>
+                </a:r>
+                <a:r>
+                  <a:rPr lang="en-US" sz="2400" dirty="0"/>
+                  <a:t> is the correlation between </a:t>
+                </a:r>
+                <a14:m>
+                  <m:oMath xmlns:m="http://schemas.openxmlformats.org/officeDocument/2006/math">
+                    <m:sSub>
+                      <m:sSubPr>
+                        <m:ctrlPr>
+                          <a:rPr lang="en-US" sz="2400" i="1">
+                            <a:latin typeface="Cambria Math" panose="02040503050406030204" pitchFamily="18" charset="0"/>
+                          </a:rPr>
+                        </m:ctrlPr>
+                      </m:sSubPr>
+                      <m:e>
+                        <m:r>
+                          <a:rPr lang="en-US" sz="2400" i="1">
+                            <a:latin typeface="Cambria Math" panose="02040503050406030204" pitchFamily="18" charset="0"/>
+                          </a:rPr>
+                          <m:t>𝑦</m:t>
+                        </m:r>
+                      </m:e>
+                      <m:sub>
+                        <m:r>
+                          <a:rPr lang="en-US" sz="2400" i="1">
+                            <a:latin typeface="Cambria Math" panose="02040503050406030204" pitchFamily="18" charset="0"/>
+                          </a:rPr>
+                          <m:t>𝑡</m:t>
+                        </m:r>
+                      </m:sub>
+                    </m:sSub>
+                  </m:oMath>
+                </a14:m>
+                <a:r>
+                  <a:rPr lang="en-US" sz="2400" dirty="0"/>
+                  <a:t> and </a:t>
+                </a:r>
+                <a14:m>
+                  <m:oMath xmlns:m="http://schemas.openxmlformats.org/officeDocument/2006/math">
+                    <m:sSub>
+                      <m:sSubPr>
+                        <m:ctrlPr>
+                          <a:rPr lang="en-US" sz="2400" b="0" i="1" smtClean="0">
+                            <a:latin typeface="Cambria Math" panose="02040503050406030204" pitchFamily="18" charset="0"/>
+                          </a:rPr>
+                        </m:ctrlPr>
+                      </m:sSubPr>
+                      <m:e>
+                        <m:r>
+                          <a:rPr lang="en-US" sz="2400" b="0" i="1" smtClean="0">
+                            <a:latin typeface="Cambria Math" panose="02040503050406030204" pitchFamily="18" charset="0"/>
+                          </a:rPr>
+                          <m:t>𝑦</m:t>
+                        </m:r>
+                      </m:e>
+                      <m:sub>
+                        <m:r>
+                          <a:rPr lang="en-US" sz="2400" b="0" i="1" smtClean="0">
+                            <a:latin typeface="Cambria Math" panose="02040503050406030204" pitchFamily="18" charset="0"/>
+                          </a:rPr>
+                          <m:t>𝑡</m:t>
+                        </m:r>
+                        <m:r>
+                          <a:rPr lang="en-US" sz="2400" b="0" i="1" smtClean="0">
+                            <a:latin typeface="Cambria Math" panose="02040503050406030204" pitchFamily="18" charset="0"/>
+                          </a:rPr>
+                          <m:t>−2</m:t>
+                        </m:r>
+                      </m:sub>
+                    </m:sSub>
+                  </m:oMath>
+                </a14:m>
+                <a:r>
+                  <a:rPr lang="en-US" sz="2400" dirty="0"/>
+                  <a:t> controlling for </a:t>
+                </a:r>
+                <a:r>
+                  <a:rPr lang="en-US" sz="2400" dirty="0" err="1"/>
+                  <a:t>autocrr</a:t>
+                </a:r>
+                <a:r>
+                  <a:rPr lang="en-US" sz="2400" dirty="0"/>
+                  <a:t> between </a:t>
+                </a:r>
+                <a14:m>
+                  <m:oMath xmlns:m="http://schemas.openxmlformats.org/officeDocument/2006/math">
+                    <m:sSub>
+                      <m:sSubPr>
+                        <m:ctrlPr>
+                          <a:rPr lang="en-US" sz="2400" i="1">
+                            <a:latin typeface="Cambria Math" panose="02040503050406030204" pitchFamily="18" charset="0"/>
+                          </a:rPr>
+                        </m:ctrlPr>
+                      </m:sSubPr>
+                      <m:e>
+                        <m:r>
+                          <a:rPr lang="en-US" sz="2400" i="1">
+                            <a:latin typeface="Cambria Math" panose="02040503050406030204" pitchFamily="18" charset="0"/>
+                          </a:rPr>
+                          <m:t>𝑦</m:t>
+                        </m:r>
+                      </m:e>
+                      <m:sub>
+                        <m:r>
+                          <a:rPr lang="en-US" sz="2400" i="1">
+                            <a:latin typeface="Cambria Math" panose="02040503050406030204" pitchFamily="18" charset="0"/>
+                          </a:rPr>
+                          <m:t>𝑡</m:t>
+                        </m:r>
+                      </m:sub>
+                    </m:sSub>
+                  </m:oMath>
+                </a14:m>
+                <a:r>
+                  <a:rPr lang="en-US" sz="2400" dirty="0"/>
+                  <a:t> and </a:t>
+                </a:r>
+                <a14:m>
+                  <m:oMath xmlns:m="http://schemas.openxmlformats.org/officeDocument/2006/math">
+                    <m:sSub>
+                      <m:sSubPr>
+                        <m:ctrlPr>
+                          <a:rPr lang="en-US" sz="2400" i="1">
+                            <a:latin typeface="Cambria Math" panose="02040503050406030204" pitchFamily="18" charset="0"/>
+                          </a:rPr>
+                        </m:ctrlPr>
+                      </m:sSubPr>
+                      <m:e>
+                        <m:r>
+                          <a:rPr lang="en-US" sz="2400" i="1">
+                            <a:latin typeface="Cambria Math" panose="02040503050406030204" pitchFamily="18" charset="0"/>
+                          </a:rPr>
+                          <m:t>𝑦</m:t>
+                        </m:r>
+                      </m:e>
+                      <m:sub>
+                        <m:r>
+                          <a:rPr lang="en-US" sz="2400" i="1">
+                            <a:latin typeface="Cambria Math" panose="02040503050406030204" pitchFamily="18" charset="0"/>
+                          </a:rPr>
+                          <m:t>𝑡</m:t>
+                        </m:r>
+                        <m:r>
+                          <a:rPr lang="en-US" sz="2400" i="1">
+                            <a:latin typeface="Cambria Math" panose="02040503050406030204" pitchFamily="18" charset="0"/>
+                          </a:rPr>
+                          <m:t>−1</m:t>
+                        </m:r>
+                      </m:sub>
+                    </m:sSub>
+                  </m:oMath>
+                </a14:m>
+                <a:endParaRPr lang="en-US" sz="2400" dirty="0"/>
+              </a:p>
+              <a:p>
+                <a:endParaRPr lang="en-US" sz="2800" dirty="0"/>
+              </a:p>
+            </p:txBody>
+          </p:sp>
+        </mc:Choice>
+        <mc:Fallback xmlns="">
+          <p:sp>
+            <p:nvSpPr>
+              <p:cNvPr id="3" name="Content Placeholder 2">
+                <a:extLst>
+                  <a:ext uri="{FF2B5EF4-FFF2-40B4-BE49-F238E27FC236}">
+                    <a16:creationId xmlns:a16="http://schemas.microsoft.com/office/drawing/2014/main" id="{35395B1D-F0DE-D445-AD2E-5895093CF429}"/>
+                  </a:ext>
+                </a:extLst>
+              </p:cNvPr>
+              <p:cNvSpPr>
+                <a:spLocks noGrp="1" noRot="1" noChangeAspect="1" noMove="1" noResize="1" noEditPoints="1" noAdjustHandles="1" noChangeArrowheads="1" noChangeShapeType="1" noTextEdit="1"/>
+              </p:cNvSpPr>
+              <p:nvPr>
+                <p:ph idx="1"/>
+              </p:nvPr>
+            </p:nvSpPr>
+            <p:spPr>
+              <a:blipFill>
+                <a:blip r:embed="rId2"/>
+                <a:stretch>
+                  <a:fillRect l="-1389" t="-1681"/>
+                </a:stretch>
+              </a:blipFill>
+            </p:spPr>
+            <p:txBody>
+              <a:bodyPr/>
+              <a:lstStyle/>
+              <a:p>
+                <a:r>
+                  <a:rPr lang="en-US">
+                    <a:noFill/>
+                  </a:rPr>
+                  <a:t> </a:t>
+                </a:r>
+              </a:p>
+            </p:txBody>
+          </p:sp>
+        </mc:Fallback>
+      </mc:AlternateContent>
+    </p:spTree>
+    <p:extLst>
+      <p:ext uri="{BB962C8B-B14F-4D97-AF65-F5344CB8AC3E}">
+        <p14:creationId xmlns:p14="http://schemas.microsoft.com/office/powerpoint/2010/main" val="2153474479"/>
+      </p:ext>
+    </p:extLst>
+  </p:cSld>
+  <p:clrMapOvr>
+    <a:masterClrMapping/>
+  </p:clrMapOvr>
+  <p:timing>
+    <p:tnLst>
+      <p:par>
+        <p:cTn id="1" dur="indefinite" restart="never" nodeType="tmRoot">
+          <p:childTnLst>
+            <p:seq concurrent="1" nextAc="seek">
+              <p:cTn id="2" dur="indefinite" nodeType="mainSeq">
+                <p:childTnLst>
+                  <p:par>
+                    <p:cTn id="3" fill="hold">
+                      <p:stCondLst>
+                        <p:cond delay="indefinite"/>
+                        <p:cond evt="onBegin" delay="0">
+                          <p:tn val="2"/>
+                        </p:cond>
+                      </p:stCondLst>
+                      <p:childTnLst>
+                        <p:par>
+                          <p:cTn id="4" fill="hold">
+                            <p:stCondLst>
+                              <p:cond delay="0"/>
+                            </p:stCondLst>
+                            <p:childTnLst>
+                              <p:par>
+                                <p:cTn id="5" presetID="1" presetClass="entr" presetSubtype="0" fill="hold" grpId="0" nodeType="withEffect">
+                                  <p:stCondLst>
+                                    <p:cond delay="0"/>
+                                  </p:stCondLst>
+                                  <p:childTnLst>
+                                    <p:set>
+                                      <p:cBhvr>
+                                        <p:cTn id="6" dur="1" fill="hold">
+                                          <p:stCondLst>
+                                            <p:cond delay="0"/>
+                                          </p:stCondLst>
+                                        </p:cTn>
+                                        <p:tgtEl>
+                                          <p:spTgt spid="3">
+                                            <p:txEl>
+                                              <p:pRg st="0" end="0"/>
+                                            </p:txEl>
+                                          </p:spTgt>
+                                        </p:tgtEl>
+                                        <p:attrNameLst>
+                                          <p:attrName>style.visibility</p:attrName>
+                                        </p:attrNameLst>
+                                      </p:cBhvr>
+                                      <p:to>
+                                        <p:strVal val="visible"/>
+                                      </p:to>
+                                    </p:set>
+                                  </p:childTnLst>
+                                </p:cTn>
+                              </p:par>
+                              <p:par>
+                                <p:cTn id="7" presetID="1" presetClass="entr" presetSubtype="0" fill="hold" grpId="0" nodeType="withEffect">
+                                  <p:stCondLst>
+                                    <p:cond delay="0"/>
+                                  </p:stCondLst>
+                                  <p:childTnLst>
+                                    <p:set>
+                                      <p:cBhvr>
+                                        <p:cTn id="8" dur="1" fill="hold">
+                                          <p:stCondLst>
+                                            <p:cond delay="0"/>
+                                          </p:stCondLst>
+                                        </p:cTn>
+                                        <p:tgtEl>
+                                          <p:spTgt spid="3">
+                                            <p:txEl>
+                                              <p:pRg st="1" end="1"/>
+                                            </p:txEl>
+                                          </p:spTgt>
+                                        </p:tgtEl>
+                                        <p:attrNameLst>
+                                          <p:attrName>style.visibility</p:attrName>
+                                        </p:attrNameLst>
+                                      </p:cBhvr>
+                                      <p:to>
+                                        <p:strVal val="visible"/>
+                                      </p:to>
+                                    </p:set>
+                                  </p:childTnLst>
+                                </p:cTn>
+                              </p:par>
+                            </p:childTnLst>
+                          </p:cTn>
+                        </p:par>
+                      </p:childTnLst>
+                    </p:cTn>
+                  </p:par>
+                  <p:par>
+                    <p:cTn id="9" fill="hold">
+                      <p:stCondLst>
+                        <p:cond delay="indefinite"/>
+                      </p:stCondLst>
+                      <p:childTnLst>
+                        <p:par>
+                          <p:cTn id="10" fill="hold">
+                            <p:stCondLst>
+                              <p:cond delay="0"/>
+                            </p:stCondLst>
+                            <p:childTnLst>
+                              <p:par>
+                                <p:cTn id="11" presetID="1" presetClass="entr" presetSubtype="0" fill="hold" grpId="0" nodeType="clickEffect">
+                                  <p:stCondLst>
+                                    <p:cond delay="0"/>
+                                  </p:stCondLst>
+                                  <p:childTnLst>
+                                    <p:set>
+                                      <p:cBhvr>
+                                        <p:cTn id="12" dur="1" fill="hold">
+                                          <p:stCondLst>
+                                            <p:cond delay="0"/>
+                                          </p:stCondLst>
+                                        </p:cTn>
+                                        <p:tgtEl>
+                                          <p:spTgt spid="3">
+                                            <p:txEl>
+                                              <p:pRg st="2" end="2"/>
+                                            </p:txEl>
+                                          </p:spTgt>
+                                        </p:tgtEl>
+                                        <p:attrNameLst>
+                                          <p:attrName>style.visibility</p:attrName>
+                                        </p:attrNameLst>
+                                      </p:cBhvr>
+                                      <p:to>
+                                        <p:strVal val="visible"/>
+                                      </p:to>
+                                    </p:set>
+                                  </p:childTnLst>
+                                </p:cTn>
+                              </p:par>
+                            </p:childTnLst>
+                          </p:cTn>
+                        </p:par>
+                      </p:childTnLst>
+                    </p:cTn>
+                  </p:par>
+                  <p:par>
+                    <p:cTn id="13" fill="hold">
+                      <p:stCondLst>
+                        <p:cond delay="indefinite"/>
+                      </p:stCondLst>
+                      <p:childTnLst>
+                        <p:par>
+                          <p:cTn id="14" fill="hold">
+                            <p:stCondLst>
+                              <p:cond delay="0"/>
+                            </p:stCondLst>
+                            <p:childTnLst>
+                              <p:par>
+                                <p:cTn id="15" presetID="1" presetClass="entr" presetSubtype="0" fill="hold" grpId="0" nodeType="clickEffect">
+                                  <p:stCondLst>
+                                    <p:cond delay="0"/>
+                                  </p:stCondLst>
+                                  <p:childTnLst>
+                                    <p:set>
+                                      <p:cBhvr>
+                                        <p:cTn id="16" dur="1" fill="hold">
+                                          <p:stCondLst>
+                                            <p:cond delay="0"/>
+                                          </p:stCondLst>
+                                        </p:cTn>
+                                        <p:tgtEl>
+                                          <p:spTgt spid="3">
+                                            <p:txEl>
+                                              <p:pRg st="4" end="4"/>
+                                            </p:txEl>
+                                          </p:spTgt>
+                                        </p:tgtEl>
+                                        <p:attrNameLst>
+                                          <p:attrName>style.visibility</p:attrName>
+                                        </p:attrNameLst>
+                                      </p:cBhvr>
+                                      <p:to>
+                                        <p:strVal val="visible"/>
+                                      </p:to>
+                                    </p:set>
+                                  </p:childTnLst>
+                                </p:cTn>
+                              </p:par>
+                              <p:par>
+                                <p:cTn id="17" presetID="1" presetClass="entr" presetSubtype="0" fill="hold" grpId="0" nodeType="withEffect">
+                                  <p:stCondLst>
+                                    <p:cond delay="0"/>
+                                  </p:stCondLst>
+                                  <p:childTnLst>
+                                    <p:set>
+                                      <p:cBhvr>
+                                        <p:cTn id="18" dur="1" fill="hold">
+                                          <p:stCondLst>
+                                            <p:cond delay="0"/>
+                                          </p:stCondLst>
+                                        </p:cTn>
+                                        <p:tgtEl>
+                                          <p:spTgt spid="3">
+                                            <p:txEl>
+                                              <p:pRg st="5" end="5"/>
+                                            </p:txEl>
+                                          </p:spTgt>
+                                        </p:tgtEl>
+                                        <p:attrNameLst>
+                                          <p:attrName>style.visibility</p:attrName>
+                                        </p:attrNameLst>
+                                      </p:cBhvr>
+                                      <p:to>
+                                        <p:strVal val="visible"/>
+                                      </p:to>
+                                    </p:set>
+                                  </p:childTnLst>
+                                </p:cTn>
+                              </p:par>
+                              <p:par>
+                                <p:cTn id="19" presetID="1" presetClass="entr" presetSubtype="0" fill="hold" grpId="0" nodeType="withEffect">
+                                  <p:stCondLst>
+                                    <p:cond delay="0"/>
+                                  </p:stCondLst>
+                                  <p:childTnLst>
+                                    <p:set>
+                                      <p:cBhvr>
+                                        <p:cTn id="20" dur="1" fill="hold">
+                                          <p:stCondLst>
+                                            <p:cond delay="0"/>
+                                          </p:stCondLst>
+                                        </p:cTn>
+                                        <p:tgtEl>
+                                          <p:spTgt spid="3">
+                                            <p:txEl>
+                                              <p:pRg st="6" end="6"/>
+                                            </p:txEl>
+                                          </p:spTgt>
+                                        </p:tgtEl>
+                                        <p:attrNameLst>
+                                          <p:attrName>style.visibility</p:attrName>
+                                        </p:attrNameLst>
+                                      </p:cBhvr>
+                                      <p:to>
+                                        <p:strVal val="visible"/>
+                                      </p:to>
+                                    </p:set>
+                                  </p:childTnLst>
+                                </p:cTn>
+                              </p:par>
+                            </p:childTnLst>
+                          </p:cTn>
+                        </p:par>
+                      </p:childTnLst>
+                    </p:cTn>
+                  </p:par>
+                </p:childTnLst>
+              </p:cTn>
+              <p:prevCondLst>
+                <p:cond evt="onPrev" delay="0">
+                  <p:tgtEl>
+                    <p:sldTgt/>
+                  </p:tgtEl>
+                </p:cond>
+              </p:prevCondLst>
+              <p:nextCondLst>
+                <p:cond evt="onNext" delay="0">
+                  <p:tgtEl>
+                    <p:sldTgt/>
+                  </p:tgtEl>
+                </p:cond>
+              </p:nextCondLst>
+            </p:seq>
+          </p:childTnLst>
+        </p:cTn>
+      </p:par>
+    </p:tnLst>
+    <p:bldLst>
+      <p:bldP spid="3" grpId="0" uiExpand="1" build="p"/>
+    </p:bldLst>
+  </p:timing>
+</p:sld>
+</file>
+
+<file path=ppt/slides/slide11.xml><?xml version="1.0" encoding="utf-8"?>
+<p:sld xmlns:a="http://schemas.openxmlformats.org/drawingml/2006/main" xmlns:r="http://schemas.openxmlformats.org/officeDocument/2006/relationships" xmlns:p="http://schemas.openxmlformats.org/presentationml/2006/main">
+  <p:cSld>
+    <p:spTree>
+      <p:nvGrpSpPr>
+        <p:cNvPr id="1" name=""/>
+        <p:cNvGrpSpPr/>
+        <p:nvPr/>
+      </p:nvGrpSpPr>
+      <p:grpSpPr>
+        <a:xfrm>
+          <a:off x="0" y="0"/>
+          <a:ext cx="0" cy="0"/>
+          <a:chOff x="0" y="0"/>
+          <a:chExt cx="0" cy="0"/>
+        </a:xfrm>
+      </p:grpSpPr>
+      <p:sp>
+        <p:nvSpPr>
+          <p:cNvPr id="2" name="Title 1">
+            <a:extLst>
+              <a:ext uri="{FF2B5EF4-FFF2-40B4-BE49-F238E27FC236}">
                 <a16:creationId xmlns:a16="http://schemas.microsoft.com/office/drawing/2014/main" id="{3C59DD34-F476-E64F-A458-262E1D9DEAF1}"/>
               </a:ext>
             </a:extLst>
@@ -3322,7 +4032,7 @@
 </p:sld>
 </file>
 
-<file path=ppt/slides/slide11.xml><?xml version="1.0" encoding="utf-8"?>
+<file path=ppt/slides/slide12.xml><?xml version="1.0" encoding="utf-8"?>
 <p:sld xmlns:a="http://schemas.openxmlformats.org/drawingml/2006/main" xmlns:r="http://schemas.openxmlformats.org/officeDocument/2006/relationships" xmlns:p="http://schemas.openxmlformats.org/presentationml/2006/main">
   <p:cSld>
     <p:spTree>
@@ -4070,7 +4780,7 @@
 </p:sld>
 </file>
 
-<file path=ppt/slides/slide12.xml><?xml version="1.0" encoding="utf-8"?>
+<file path=ppt/slides/slide13.xml><?xml version="1.0" encoding="utf-8"?>
 <p:sld xmlns:a="http://schemas.openxmlformats.org/drawingml/2006/main" xmlns:r="http://schemas.openxmlformats.org/officeDocument/2006/relationships" xmlns:p="http://schemas.openxmlformats.org/presentationml/2006/main">
   <p:cSld>
     <p:spTree>
@@ -4247,7 +4957,7 @@
 </p:sld>
 </file>
 
-<file path=ppt/slides/slide13.xml><?xml version="1.0" encoding="utf-8"?>
+<file path=ppt/slides/slide14.xml><?xml version="1.0" encoding="utf-8"?>
 <p:sld xmlns:a="http://schemas.openxmlformats.org/drawingml/2006/main" xmlns:r="http://schemas.openxmlformats.org/officeDocument/2006/relationships" xmlns:p="http://schemas.openxmlformats.org/presentationml/2006/main">
   <p:cSld>
     <p:spTree>
@@ -4701,7 +5411,1031 @@
 </p:sld>
 </file>
 
-<file path=ppt/slides/slide14.xml><?xml version="1.0" encoding="utf-8"?>
+<file path=ppt/slides/slide15.xml><?xml version="1.0" encoding="utf-8"?>
+<p:sld xmlns:a="http://schemas.openxmlformats.org/drawingml/2006/main" xmlns:r="http://schemas.openxmlformats.org/officeDocument/2006/relationships" xmlns:p="http://schemas.openxmlformats.org/presentationml/2006/main">
+  <p:cSld>
+    <p:spTree>
+      <p:nvGrpSpPr>
+        <p:cNvPr id="1" name=""/>
+        <p:cNvGrpSpPr/>
+        <p:nvPr/>
+      </p:nvGrpSpPr>
+      <p:grpSpPr>
+        <a:xfrm>
+          <a:off x="0" y="0"/>
+          <a:ext cx="0" cy="0"/>
+          <a:chOff x="0" y="0"/>
+          <a:chExt cx="0" cy="0"/>
+        </a:xfrm>
+      </p:grpSpPr>
+      <p:sp>
+        <p:nvSpPr>
+          <p:cNvPr id="2" name="Title 1">
+            <a:extLst>
+              <a:ext uri="{FF2B5EF4-FFF2-40B4-BE49-F238E27FC236}">
+                <a16:creationId xmlns:a16="http://schemas.microsoft.com/office/drawing/2014/main" id="{950ADC9E-3D6E-EC43-B8F9-D58B13A6D62B}"/>
+              </a:ext>
+            </a:extLst>
+          </p:cNvPr>
+          <p:cNvSpPr>
+            <a:spLocks noGrp="1"/>
+          </p:cNvSpPr>
+          <p:nvPr>
+            <p:ph type="title"/>
+          </p:nvPr>
+        </p:nvSpPr>
+        <p:spPr/>
+        <p:txBody>
+          <a:bodyPr/>
+          <a:lstStyle/>
+          <a:p>
+            <a:r>
+              <a:rPr lang="en-US" dirty="0"/>
+              <a:t>Intuition for the AR identification</a:t>
+            </a:r>
+          </a:p>
+        </p:txBody>
+      </p:sp>
+      <p:sp>
+        <p:nvSpPr>
+          <p:cNvPr id="3" name="Content Placeholder 2">
+            <a:extLst>
+              <a:ext uri="{FF2B5EF4-FFF2-40B4-BE49-F238E27FC236}">
+                <a16:creationId xmlns:a16="http://schemas.microsoft.com/office/drawing/2014/main" id="{EDE97608-AEFC-3042-83D6-4D1137DA4BE2}"/>
+              </a:ext>
+            </a:extLst>
+          </p:cNvPr>
+          <p:cNvSpPr>
+            <a:spLocks noGrp="1"/>
+          </p:cNvSpPr>
+          <p:nvPr>
+            <p:ph idx="1"/>
+          </p:nvPr>
+        </p:nvSpPr>
+        <p:spPr>
+          <a:xfrm>
+            <a:off x="457200" y="1556792"/>
+            <a:ext cx="8229600" cy="4525963"/>
+          </a:xfrm>
+        </p:spPr>
+        <p:txBody>
+          <a:bodyPr/>
+          <a:lstStyle/>
+          <a:p>
+            <a:r>
+              <a:rPr lang="en-US" sz="2800" dirty="0"/>
+              <a:t>How do we interpret linear regression coefficients?</a:t>
+            </a:r>
+          </a:p>
+          <a:p>
+            <a:endParaRPr lang="en-US" sz="2800" dirty="0"/>
+          </a:p>
+          <a:p>
+            <a:endParaRPr lang="en-US" sz="2800" dirty="0"/>
+          </a:p>
+          <a:p>
+            <a:r>
+              <a:rPr lang="en-US" sz="2800" dirty="0"/>
+              <a:t>Same for the AR model!</a:t>
+            </a:r>
+          </a:p>
+        </p:txBody>
+      </p:sp>
+      <p:pic>
+        <p:nvPicPr>
+          <p:cNvPr id="4" name="Picture 3">
+            <a:extLst>
+              <a:ext uri="{FF2B5EF4-FFF2-40B4-BE49-F238E27FC236}">
+                <a16:creationId xmlns:a16="http://schemas.microsoft.com/office/drawing/2014/main" id="{DAF03973-A523-244C-BDFC-9CE8D05F561D}"/>
+              </a:ext>
+            </a:extLst>
+          </p:cNvPr>
+          <p:cNvPicPr>
+            <a:picLocks noChangeAspect="1"/>
+          </p:cNvPicPr>
+          <p:nvPr/>
+        </p:nvPicPr>
+        <p:blipFill>
+          <a:blip r:embed="rId2"/>
+          <a:stretch>
+            <a:fillRect/>
+          </a:stretch>
+        </p:blipFill>
+        <p:spPr>
+          <a:xfrm>
+            <a:off x="1619672" y="2132856"/>
+            <a:ext cx="6083300" cy="787400"/>
+          </a:xfrm>
+          <a:prstGeom prst="rect">
+            <a:avLst/>
+          </a:prstGeom>
+        </p:spPr>
+      </p:pic>
+      <p:sp>
+        <p:nvSpPr>
+          <p:cNvPr id="5" name="Rounded Rectangular Callout 4">
+            <a:extLst>
+              <a:ext uri="{FF2B5EF4-FFF2-40B4-BE49-F238E27FC236}">
+                <a16:creationId xmlns:a16="http://schemas.microsoft.com/office/drawing/2014/main" id="{8D34C8FD-78B1-B84D-8739-679A58338B5D}"/>
+              </a:ext>
+            </a:extLst>
+          </p:cNvPr>
+          <p:cNvSpPr/>
+          <p:nvPr/>
+        </p:nvSpPr>
+        <p:spPr>
+          <a:xfrm>
+            <a:off x="5580112" y="2621870"/>
+            <a:ext cx="3384376" cy="1143000"/>
+          </a:xfrm>
+          <a:prstGeom prst="wedgeRoundRectCallout">
+            <a:avLst>
+              <a:gd name="adj1" fmla="val -55163"/>
+              <a:gd name="adj2" fmla="val -55052"/>
+              <a:gd name="adj3" fmla="val 16667"/>
+            </a:avLst>
+          </a:prstGeom>
+          <a:solidFill>
+            <a:schemeClr val="accent6">
+              <a:lumMod val="60000"/>
+              <a:lumOff val="40000"/>
+            </a:schemeClr>
+          </a:solidFill>
+          <a:ln>
+            <a:noFill/>
+          </a:ln>
+        </p:spPr>
+        <p:style>
+          <a:lnRef idx="2">
+            <a:schemeClr val="accent1">
+              <a:shade val="50000"/>
+            </a:schemeClr>
+          </a:lnRef>
+          <a:fillRef idx="1">
+            <a:schemeClr val="accent1"/>
+          </a:fillRef>
+          <a:effectRef idx="0">
+            <a:schemeClr val="accent1"/>
+          </a:effectRef>
+          <a:fontRef idx="minor">
+            <a:schemeClr val="lt1"/>
+          </a:fontRef>
+        </p:style>
+        <p:txBody>
+          <a:bodyPr rtlCol="0" anchor="ctr"/>
+          <a:lstStyle/>
+          <a:p>
+            <a:r>
+              <a:rPr lang="en-US" dirty="0">
+                <a:solidFill>
+                  <a:schemeClr val="bg1"/>
+                </a:solidFill>
+                <a:latin typeface="Calibri Light" panose="020F0302020204030204" pitchFamily="34" charset="0"/>
+                <a:cs typeface="Calibri Light" panose="020F0302020204030204" pitchFamily="34" charset="0"/>
+              </a:rPr>
+              <a:t>Every one unit increase in “</a:t>
+            </a:r>
+            <a:r>
+              <a:rPr lang="en-US" dirty="0" err="1">
+                <a:solidFill>
+                  <a:schemeClr val="bg1"/>
+                </a:solidFill>
+                <a:latin typeface="Calibri Light" panose="020F0302020204030204" pitchFamily="34" charset="0"/>
+                <a:cs typeface="Calibri Light" panose="020F0302020204030204" pitchFamily="34" charset="0"/>
+              </a:rPr>
+              <a:t>MomIQ</a:t>
+            </a:r>
+            <a:r>
+              <a:rPr lang="en-US" dirty="0">
+                <a:solidFill>
+                  <a:schemeClr val="bg1"/>
+                </a:solidFill>
+                <a:latin typeface="Calibri Light" panose="020F0302020204030204" pitchFamily="34" charset="0"/>
+                <a:cs typeface="Calibri Light" panose="020F0302020204030204" pitchFamily="34" charset="0"/>
+              </a:rPr>
+              <a:t>” is correlated with 0.56 unit increase in “IQ” controlling for “</a:t>
+            </a:r>
+            <a:r>
+              <a:rPr lang="en-US" dirty="0" err="1">
+                <a:solidFill>
+                  <a:schemeClr val="bg1"/>
+                </a:solidFill>
+                <a:latin typeface="Calibri Light" panose="020F0302020204030204" pitchFamily="34" charset="0"/>
+                <a:cs typeface="Calibri Light" panose="020F0302020204030204" pitchFamily="34" charset="0"/>
+              </a:rPr>
+              <a:t>MonHighSchool</a:t>
+            </a:r>
+            <a:r>
+              <a:rPr lang="en-US" dirty="0">
+                <a:solidFill>
+                  <a:schemeClr val="bg1"/>
+                </a:solidFill>
+                <a:latin typeface="Calibri Light" panose="020F0302020204030204" pitchFamily="34" charset="0"/>
+                <a:cs typeface="Calibri Light" panose="020F0302020204030204" pitchFamily="34" charset="0"/>
+              </a:rPr>
+              <a:t>”</a:t>
+            </a:r>
+          </a:p>
+        </p:txBody>
+      </p:sp>
+      <p:pic>
+        <p:nvPicPr>
+          <p:cNvPr id="6" name="Content Placeholder 3">
+            <a:extLst>
+              <a:ext uri="{FF2B5EF4-FFF2-40B4-BE49-F238E27FC236}">
+                <a16:creationId xmlns:a16="http://schemas.microsoft.com/office/drawing/2014/main" id="{BC14F338-3A13-C747-A69F-7BA77AA4029F}"/>
+              </a:ext>
+            </a:extLst>
+          </p:cNvPr>
+          <p:cNvPicPr>
+            <a:picLocks noChangeAspect="1"/>
+          </p:cNvPicPr>
+          <p:nvPr/>
+        </p:nvPicPr>
+        <p:blipFill rotWithShape="1">
+          <a:blip r:embed="rId3"/>
+          <a:srcRect b="67507"/>
+          <a:stretch/>
+        </p:blipFill>
+        <p:spPr bwMode="auto">
+          <a:xfrm>
+            <a:off x="971600" y="3729274"/>
+            <a:ext cx="5915918" cy="416942"/>
+          </a:xfrm>
+          <a:prstGeom prst="rect">
+            <a:avLst/>
+          </a:prstGeom>
+          <a:noFill/>
+          <a:ln>
+            <a:noFill/>
+          </a:ln>
+          <a:extLst>
+            <a:ext uri="{909E8E84-426E-40DD-AFC4-6F175D3DCCD1}">
+              <a14:hiddenFill xmlns:a14="http://schemas.microsoft.com/office/drawing/2010/main">
+                <a:solidFill>
+                  <a:srgbClr val="FFFFFF"/>
+                </a:solidFill>
+              </a14:hiddenFill>
+            </a:ext>
+            <a:ext uri="{91240B29-F687-4F45-9708-019B960494DF}">
+              <a14:hiddenLine xmlns:a14="http://schemas.microsoft.com/office/drawing/2010/main" w="9525">
+                <a:solidFill>
+                  <a:srgbClr val="000000"/>
+                </a:solidFill>
+                <a:miter lim="800000"/>
+                <a:headEnd/>
+                <a:tailEnd/>
+              </a14:hiddenLine>
+            </a:ext>
+          </a:extLst>
+        </p:spPr>
+      </p:pic>
+      <mc:AlternateContent xmlns:mc="http://schemas.openxmlformats.org/markup-compatibility/2006">
+        <mc:Choice xmlns:a14="http://schemas.microsoft.com/office/drawing/2010/main" Requires="a14">
+          <p:sp>
+            <p:nvSpPr>
+              <p:cNvPr id="7" name="Rounded Rectangular Callout 6">
+                <a:extLst>
+                  <a:ext uri="{FF2B5EF4-FFF2-40B4-BE49-F238E27FC236}">
+                    <a16:creationId xmlns:a16="http://schemas.microsoft.com/office/drawing/2014/main" id="{AEED718A-A2C4-E94D-9C4D-1707E63BA799}"/>
+                  </a:ext>
+                </a:extLst>
+              </p:cNvPr>
+              <p:cNvSpPr/>
+              <p:nvPr/>
+            </p:nvSpPr>
+            <p:spPr>
+              <a:xfrm>
+                <a:off x="3503142" y="4510119"/>
+                <a:ext cx="3384376" cy="1711790"/>
+              </a:xfrm>
+              <a:prstGeom prst="wedgeRoundRectCallout">
+                <a:avLst>
+                  <a:gd name="adj1" fmla="val 10599"/>
+                  <a:gd name="adj2" fmla="val -83074"/>
+                  <a:gd name="adj3" fmla="val 16667"/>
+                </a:avLst>
+              </a:prstGeom>
+              <a:solidFill>
+                <a:schemeClr val="accent6">
+                  <a:lumMod val="60000"/>
+                  <a:lumOff val="40000"/>
+                </a:schemeClr>
+              </a:solidFill>
+              <a:ln>
+                <a:noFill/>
+              </a:ln>
+            </p:spPr>
+            <p:style>
+              <a:lnRef idx="2">
+                <a:schemeClr val="accent1">
+                  <a:shade val="50000"/>
+                </a:schemeClr>
+              </a:lnRef>
+              <a:fillRef idx="1">
+                <a:schemeClr val="accent1"/>
+              </a:fillRef>
+              <a:effectRef idx="0">
+                <a:schemeClr val="accent1"/>
+              </a:effectRef>
+              <a:fontRef idx="minor">
+                <a:schemeClr val="lt1"/>
+              </a:fontRef>
+            </p:style>
+            <p:txBody>
+              <a:bodyPr rtlCol="0" anchor="ctr"/>
+              <a:lstStyle/>
+              <a:p>
+                <a:r>
+                  <a:rPr lang="en-US" dirty="0">
+                    <a:solidFill>
+                      <a:schemeClr val="bg1"/>
+                    </a:solidFill>
+                    <a:latin typeface="Calibri Light" panose="020F0302020204030204" pitchFamily="34" charset="0"/>
+                    <a:cs typeface="Calibri Light" panose="020F0302020204030204" pitchFamily="34" charset="0"/>
+                  </a:rPr>
+                  <a:t>Correlation between lag-p time series </a:t>
+                </a:r>
+                <a14:m>
+                  <m:oMath xmlns:m="http://schemas.openxmlformats.org/officeDocument/2006/math">
+                    <m:sSub>
+                      <m:sSubPr>
+                        <m:ctrlPr>
+                          <a:rPr lang="en-US" i="1">
+                            <a:solidFill>
+                              <a:schemeClr val="bg1"/>
+                            </a:solidFill>
+                            <a:latin typeface="Cambria Math" panose="02040503050406030204" pitchFamily="18" charset="0"/>
+                            <a:cs typeface="Calibri Light" panose="020F0302020204030204" pitchFamily="34" charset="0"/>
+                          </a:rPr>
+                        </m:ctrlPr>
+                      </m:sSubPr>
+                      <m:e>
+                        <m:r>
+                          <a:rPr lang="en-US" i="1">
+                            <a:solidFill>
+                              <a:schemeClr val="bg1"/>
+                            </a:solidFill>
+                            <a:latin typeface="Cambria Math" panose="02040503050406030204" pitchFamily="18" charset="0"/>
+                            <a:cs typeface="Calibri Light" panose="020F0302020204030204" pitchFamily="34" charset="0"/>
+                          </a:rPr>
+                          <m:t>𝑦</m:t>
+                        </m:r>
+                      </m:e>
+                      <m:sub>
+                        <m:r>
+                          <a:rPr lang="en-US" i="1">
+                            <a:solidFill>
+                              <a:schemeClr val="bg1"/>
+                            </a:solidFill>
+                            <a:latin typeface="Cambria Math" panose="02040503050406030204" pitchFamily="18" charset="0"/>
+                            <a:cs typeface="Calibri Light" panose="020F0302020204030204" pitchFamily="34" charset="0"/>
+                          </a:rPr>
+                          <m:t>𝑡</m:t>
+                        </m:r>
+                        <m:r>
+                          <a:rPr lang="en-US" b="0" i="1" smtClean="0">
+                            <a:solidFill>
+                              <a:schemeClr val="bg1"/>
+                            </a:solidFill>
+                            <a:latin typeface="Cambria Math" panose="02040503050406030204" pitchFamily="18" charset="0"/>
+                            <a:cs typeface="Calibri Light" panose="020F0302020204030204" pitchFamily="34" charset="0"/>
+                          </a:rPr>
+                          <m:t>−</m:t>
+                        </m:r>
+                        <m:r>
+                          <a:rPr lang="en-US" b="0" i="1" smtClean="0">
+                            <a:solidFill>
+                              <a:schemeClr val="bg1"/>
+                            </a:solidFill>
+                            <a:latin typeface="Cambria Math" panose="02040503050406030204" pitchFamily="18" charset="0"/>
+                            <a:cs typeface="Calibri Light" panose="020F0302020204030204" pitchFamily="34" charset="0"/>
+                          </a:rPr>
+                          <m:t>𝑝</m:t>
+                        </m:r>
+                      </m:sub>
+                    </m:sSub>
+                  </m:oMath>
+                </a14:m>
+                <a:r>
+                  <a:rPr lang="en-US" dirty="0">
+                    <a:solidFill>
+                      <a:schemeClr val="bg1"/>
+                    </a:solidFill>
+                    <a:latin typeface="Calibri Light" panose="020F0302020204030204" pitchFamily="34" charset="0"/>
+                    <a:cs typeface="Calibri Light" panose="020F0302020204030204" pitchFamily="34" charset="0"/>
+                  </a:rPr>
+                  <a:t> and the time series value </a:t>
+                </a:r>
+                <a14:m>
+                  <m:oMath xmlns:m="http://schemas.openxmlformats.org/officeDocument/2006/math">
+                    <m:sSub>
+                      <m:sSubPr>
+                        <m:ctrlPr>
+                          <a:rPr lang="en-US" b="0" i="1" smtClean="0">
+                            <a:solidFill>
+                              <a:schemeClr val="bg1"/>
+                            </a:solidFill>
+                            <a:latin typeface="Cambria Math" panose="02040503050406030204" pitchFamily="18" charset="0"/>
+                            <a:cs typeface="Calibri Light" panose="020F0302020204030204" pitchFamily="34" charset="0"/>
+                          </a:rPr>
+                        </m:ctrlPr>
+                      </m:sSubPr>
+                      <m:e>
+                        <m:r>
+                          <a:rPr lang="en-US" b="0" i="1" smtClean="0">
+                            <a:solidFill>
+                              <a:schemeClr val="bg1"/>
+                            </a:solidFill>
+                            <a:latin typeface="Cambria Math" panose="02040503050406030204" pitchFamily="18" charset="0"/>
+                            <a:cs typeface="Calibri Light" panose="020F0302020204030204" pitchFamily="34" charset="0"/>
+                          </a:rPr>
+                          <m:t>𝑦</m:t>
+                        </m:r>
+                      </m:e>
+                      <m:sub>
+                        <m:r>
+                          <a:rPr lang="en-US" b="0" i="1" smtClean="0">
+                            <a:solidFill>
+                              <a:schemeClr val="bg1"/>
+                            </a:solidFill>
+                            <a:latin typeface="Cambria Math" panose="02040503050406030204" pitchFamily="18" charset="0"/>
+                            <a:cs typeface="Calibri Light" panose="020F0302020204030204" pitchFamily="34" charset="0"/>
+                          </a:rPr>
+                          <m:t>𝑡</m:t>
+                        </m:r>
+                      </m:sub>
+                    </m:sSub>
+                  </m:oMath>
+                </a14:m>
+                <a:r>
+                  <a:rPr lang="en-US" dirty="0">
+                    <a:solidFill>
+                      <a:schemeClr val="bg1"/>
+                    </a:solidFill>
+                    <a:latin typeface="Calibri Light" panose="020F0302020204030204" pitchFamily="34" charset="0"/>
+                    <a:cs typeface="Calibri Light" panose="020F0302020204030204" pitchFamily="34" charset="0"/>
+                  </a:rPr>
+                  <a:t> controlling for </a:t>
+                </a:r>
+                <a14:m>
+                  <m:oMath xmlns:m="http://schemas.openxmlformats.org/officeDocument/2006/math">
+                    <m:sSub>
+                      <m:sSubPr>
+                        <m:ctrlPr>
+                          <a:rPr lang="en-US" i="1">
+                            <a:solidFill>
+                              <a:schemeClr val="bg1"/>
+                            </a:solidFill>
+                            <a:latin typeface="Cambria Math" panose="02040503050406030204" pitchFamily="18" charset="0"/>
+                            <a:cs typeface="Calibri Light" panose="020F0302020204030204" pitchFamily="34" charset="0"/>
+                          </a:rPr>
+                        </m:ctrlPr>
+                      </m:sSubPr>
+                      <m:e>
+                        <m:r>
+                          <a:rPr lang="en-US" i="1">
+                            <a:solidFill>
+                              <a:schemeClr val="bg1"/>
+                            </a:solidFill>
+                            <a:latin typeface="Cambria Math" panose="02040503050406030204" pitchFamily="18" charset="0"/>
+                            <a:cs typeface="Calibri Light" panose="020F0302020204030204" pitchFamily="34" charset="0"/>
+                          </a:rPr>
+                          <m:t>𝑦</m:t>
+                        </m:r>
+                      </m:e>
+                      <m:sub>
+                        <m:r>
+                          <a:rPr lang="en-US" i="1">
+                            <a:solidFill>
+                              <a:schemeClr val="bg1"/>
+                            </a:solidFill>
+                            <a:latin typeface="Cambria Math" panose="02040503050406030204" pitchFamily="18" charset="0"/>
+                            <a:cs typeface="Calibri Light" panose="020F0302020204030204" pitchFamily="34" charset="0"/>
+                          </a:rPr>
+                          <m:t>𝑡</m:t>
+                        </m:r>
+                        <m:r>
+                          <a:rPr lang="en-US" b="0" i="1" smtClean="0">
+                            <a:solidFill>
+                              <a:schemeClr val="bg1"/>
+                            </a:solidFill>
+                            <a:latin typeface="Cambria Math" panose="02040503050406030204" pitchFamily="18" charset="0"/>
+                            <a:cs typeface="Calibri Light" panose="020F0302020204030204" pitchFamily="34" charset="0"/>
+                          </a:rPr>
+                          <m:t>−1</m:t>
+                        </m:r>
+                      </m:sub>
+                    </m:sSub>
+                  </m:oMath>
+                </a14:m>
+                <a:r>
+                  <a:rPr lang="en-US" dirty="0">
+                    <a:solidFill>
+                      <a:schemeClr val="bg1"/>
+                    </a:solidFill>
+                    <a:latin typeface="Calibri Light" panose="020F0302020204030204" pitchFamily="34" charset="0"/>
+                    <a:cs typeface="Calibri Light" panose="020F0302020204030204" pitchFamily="34" charset="0"/>
+                  </a:rPr>
+                  <a:t>, </a:t>
+                </a:r>
+                <a14:m>
+                  <m:oMath xmlns:m="http://schemas.openxmlformats.org/officeDocument/2006/math">
+                    <m:sSub>
+                      <m:sSubPr>
+                        <m:ctrlPr>
+                          <a:rPr lang="en-US" i="1">
+                            <a:solidFill>
+                              <a:schemeClr val="bg1"/>
+                            </a:solidFill>
+                            <a:latin typeface="Cambria Math" panose="02040503050406030204" pitchFamily="18" charset="0"/>
+                            <a:cs typeface="Calibri Light" panose="020F0302020204030204" pitchFamily="34" charset="0"/>
+                          </a:rPr>
+                        </m:ctrlPr>
+                      </m:sSubPr>
+                      <m:e>
+                        <m:r>
+                          <a:rPr lang="en-US" i="1">
+                            <a:solidFill>
+                              <a:schemeClr val="bg1"/>
+                            </a:solidFill>
+                            <a:latin typeface="Cambria Math" panose="02040503050406030204" pitchFamily="18" charset="0"/>
+                            <a:cs typeface="Calibri Light" panose="020F0302020204030204" pitchFamily="34" charset="0"/>
+                          </a:rPr>
+                          <m:t>𝑦</m:t>
+                        </m:r>
+                      </m:e>
+                      <m:sub>
+                        <m:r>
+                          <a:rPr lang="en-US" i="1">
+                            <a:solidFill>
+                              <a:schemeClr val="bg1"/>
+                            </a:solidFill>
+                            <a:latin typeface="Cambria Math" panose="02040503050406030204" pitchFamily="18" charset="0"/>
+                            <a:cs typeface="Calibri Light" panose="020F0302020204030204" pitchFamily="34" charset="0"/>
+                          </a:rPr>
+                          <m:t>𝑡</m:t>
+                        </m:r>
+                        <m:r>
+                          <a:rPr lang="en-US" b="0" i="1" smtClean="0">
+                            <a:solidFill>
+                              <a:schemeClr val="bg1"/>
+                            </a:solidFill>
+                            <a:latin typeface="Cambria Math" panose="02040503050406030204" pitchFamily="18" charset="0"/>
+                            <a:cs typeface="Calibri Light" panose="020F0302020204030204" pitchFamily="34" charset="0"/>
+                          </a:rPr>
+                          <m:t>−2</m:t>
+                        </m:r>
+                      </m:sub>
+                    </m:sSub>
+                  </m:oMath>
+                </a14:m>
+                <a:r>
+                  <a:rPr lang="en-US" dirty="0">
+                    <a:solidFill>
+                      <a:schemeClr val="bg1"/>
+                    </a:solidFill>
+                    <a:latin typeface="Calibri Light" panose="020F0302020204030204" pitchFamily="34" charset="0"/>
+                    <a:cs typeface="Calibri Light" panose="020F0302020204030204" pitchFamily="34" charset="0"/>
+                  </a:rPr>
+                  <a:t>, …, which are lower orders of lagged values…</a:t>
+                </a:r>
+              </a:p>
+            </p:txBody>
+          </p:sp>
+        </mc:Choice>
+        <mc:Fallback>
+          <p:sp>
+            <p:nvSpPr>
+              <p:cNvPr id="7" name="Rounded Rectangular Callout 6">
+                <a:extLst>
+                  <a:ext uri="{FF2B5EF4-FFF2-40B4-BE49-F238E27FC236}">
+                    <a16:creationId xmlns:a16="http://schemas.microsoft.com/office/drawing/2014/main" id="{AEED718A-A2C4-E94D-9C4D-1707E63BA799}"/>
+                  </a:ext>
+                </a:extLst>
+              </p:cNvPr>
+              <p:cNvSpPr>
+                <a:spLocks noRot="1" noChangeAspect="1" noMove="1" noResize="1" noEditPoints="1" noAdjustHandles="1" noChangeArrowheads="1" noChangeShapeType="1" noTextEdit="1"/>
+              </p:cNvSpPr>
+              <p:nvPr/>
+            </p:nvSpPr>
+            <p:spPr>
+              <a:xfrm>
+                <a:off x="3503142" y="4510119"/>
+                <a:ext cx="3384376" cy="1711790"/>
+              </a:xfrm>
+              <a:prstGeom prst="wedgeRoundRectCallout">
+                <a:avLst>
+                  <a:gd name="adj1" fmla="val 10599"/>
+                  <a:gd name="adj2" fmla="val -83074"/>
+                  <a:gd name="adj3" fmla="val 16667"/>
+                </a:avLst>
+              </a:prstGeom>
+              <a:blipFill>
+                <a:blip r:embed="rId4"/>
+                <a:stretch>
+                  <a:fillRect/>
+                </a:stretch>
+              </a:blipFill>
+              <a:ln>
+                <a:noFill/>
+              </a:ln>
+            </p:spPr>
+            <p:txBody>
+              <a:bodyPr/>
+              <a:lstStyle/>
+              <a:p>
+                <a:r>
+                  <a:rPr lang="en-US">
+                    <a:noFill/>
+                  </a:rPr>
+                  <a:t> </a:t>
+                </a:r>
+              </a:p>
+            </p:txBody>
+          </p:sp>
+        </mc:Fallback>
+      </mc:AlternateContent>
+      <p:sp>
+        <p:nvSpPr>
+          <p:cNvPr id="9" name="Rounded Rectangular Callout 8">
+            <a:extLst>
+              <a:ext uri="{FF2B5EF4-FFF2-40B4-BE49-F238E27FC236}">
+                <a16:creationId xmlns:a16="http://schemas.microsoft.com/office/drawing/2014/main" id="{62AABB94-9781-E44A-8D13-E08460D77FC3}"/>
+              </a:ext>
+            </a:extLst>
+          </p:cNvPr>
+          <p:cNvSpPr/>
+          <p:nvPr/>
+        </p:nvSpPr>
+        <p:spPr>
+          <a:xfrm>
+            <a:off x="511155" y="4893539"/>
+            <a:ext cx="2555776" cy="1189216"/>
+          </a:xfrm>
+          <a:prstGeom prst="wedgeRoundRectCallout">
+            <a:avLst>
+              <a:gd name="adj1" fmla="val 68072"/>
+              <a:gd name="adj2" fmla="val -67798"/>
+              <a:gd name="adj3" fmla="val 16667"/>
+            </a:avLst>
+          </a:prstGeom>
+          <a:solidFill>
+            <a:schemeClr val="accent6">
+              <a:lumMod val="60000"/>
+              <a:lumOff val="40000"/>
+            </a:schemeClr>
+          </a:solidFill>
+          <a:ln>
+            <a:noFill/>
+          </a:ln>
+        </p:spPr>
+        <p:style>
+          <a:lnRef idx="2">
+            <a:schemeClr val="accent1">
+              <a:shade val="50000"/>
+            </a:schemeClr>
+          </a:lnRef>
+          <a:fillRef idx="1">
+            <a:schemeClr val="accent1"/>
+          </a:fillRef>
+          <a:effectRef idx="0">
+            <a:schemeClr val="accent1"/>
+          </a:effectRef>
+          <a:fontRef idx="minor">
+            <a:schemeClr val="lt1"/>
+          </a:fontRef>
+        </p:style>
+        <p:txBody>
+          <a:bodyPr rtlCol="0" anchor="ctr"/>
+          <a:lstStyle/>
+          <a:p>
+            <a:r>
+              <a:rPr lang="en-US" sz="2400" dirty="0">
+                <a:solidFill>
+                  <a:schemeClr val="bg1"/>
+                </a:solidFill>
+                <a:latin typeface="Calibri Light" panose="020F0302020204030204" pitchFamily="34" charset="0"/>
+                <a:cs typeface="Calibri Light" panose="020F0302020204030204" pitchFamily="34" charset="0"/>
+              </a:rPr>
+              <a:t>This is just the same as PACF for lag-p</a:t>
+            </a:r>
+          </a:p>
+        </p:txBody>
+      </p:sp>
+    </p:spTree>
+    <p:extLst>
+      <p:ext uri="{BB962C8B-B14F-4D97-AF65-F5344CB8AC3E}">
+        <p14:creationId xmlns:p14="http://schemas.microsoft.com/office/powerpoint/2010/main" val="1952758138"/>
+      </p:ext>
+    </p:extLst>
+  </p:cSld>
+  <p:clrMapOvr>
+    <a:masterClrMapping/>
+  </p:clrMapOvr>
+  <p:timing>
+    <p:tnLst>
+      <p:par>
+        <p:cTn id="1" dur="indefinite" restart="never" nodeType="tmRoot">
+          <p:childTnLst>
+            <p:seq concurrent="1" nextAc="seek">
+              <p:cTn id="2" dur="indefinite" nodeType="mainSeq">
+                <p:childTnLst>
+                  <p:par>
+                    <p:cTn id="3" fill="hold">
+                      <p:stCondLst>
+                        <p:cond delay="indefinite"/>
+                        <p:cond evt="onBegin" delay="0">
+                          <p:tn val="2"/>
+                        </p:cond>
+                      </p:stCondLst>
+                      <p:childTnLst>
+                        <p:par>
+                          <p:cTn id="4" fill="hold">
+                            <p:stCondLst>
+                              <p:cond delay="0"/>
+                            </p:stCondLst>
+                            <p:childTnLst>
+                              <p:par>
+                                <p:cTn id="5" presetID="1" presetClass="entr" presetSubtype="0" fill="hold" grpId="0" nodeType="withEffect">
+                                  <p:stCondLst>
+                                    <p:cond delay="0"/>
+                                  </p:stCondLst>
+                                  <p:childTnLst>
+                                    <p:set>
+                                      <p:cBhvr>
+                                        <p:cTn id="6" dur="1" fill="hold">
+                                          <p:stCondLst>
+                                            <p:cond delay="0"/>
+                                          </p:stCondLst>
+                                        </p:cTn>
+                                        <p:tgtEl>
+                                          <p:spTgt spid="3">
+                                            <p:txEl>
+                                              <p:pRg st="0" end="0"/>
+                                            </p:txEl>
+                                          </p:spTgt>
+                                        </p:tgtEl>
+                                        <p:attrNameLst>
+                                          <p:attrName>style.visibility</p:attrName>
+                                        </p:attrNameLst>
+                                      </p:cBhvr>
+                                      <p:to>
+                                        <p:strVal val="visible"/>
+                                      </p:to>
+                                    </p:set>
+                                  </p:childTnLst>
+                                </p:cTn>
+                              </p:par>
+                            </p:childTnLst>
+                          </p:cTn>
+                        </p:par>
+                      </p:childTnLst>
+                    </p:cTn>
+                  </p:par>
+                  <p:par>
+                    <p:cTn id="7" fill="hold">
+                      <p:stCondLst>
+                        <p:cond delay="indefinite"/>
+                      </p:stCondLst>
+                      <p:childTnLst>
+                        <p:par>
+                          <p:cTn id="8" fill="hold">
+                            <p:stCondLst>
+                              <p:cond delay="0"/>
+                            </p:stCondLst>
+                            <p:childTnLst>
+                              <p:par>
+                                <p:cTn id="9" presetID="1" presetClass="entr" presetSubtype="0" fill="hold" grpId="0" nodeType="clickEffect">
+                                  <p:stCondLst>
+                                    <p:cond delay="0"/>
+                                  </p:stCondLst>
+                                  <p:childTnLst>
+                                    <p:set>
+                                      <p:cBhvr>
+                                        <p:cTn id="10" dur="1" fill="hold">
+                                          <p:stCondLst>
+                                            <p:cond delay="0"/>
+                                          </p:stCondLst>
+                                        </p:cTn>
+                                        <p:tgtEl>
+                                          <p:spTgt spid="5"/>
+                                        </p:tgtEl>
+                                        <p:attrNameLst>
+                                          <p:attrName>style.visibility</p:attrName>
+                                        </p:attrNameLst>
+                                      </p:cBhvr>
+                                      <p:to>
+                                        <p:strVal val="visible"/>
+                                      </p:to>
+                                    </p:set>
+                                  </p:childTnLst>
+                                </p:cTn>
+                              </p:par>
+                            </p:childTnLst>
+                          </p:cTn>
+                        </p:par>
+                      </p:childTnLst>
+                    </p:cTn>
+                  </p:par>
+                  <p:par>
+                    <p:cTn id="11" fill="hold">
+                      <p:stCondLst>
+                        <p:cond delay="indefinite"/>
+                      </p:stCondLst>
+                      <p:childTnLst>
+                        <p:par>
+                          <p:cTn id="12" fill="hold">
+                            <p:stCondLst>
+                              <p:cond delay="0"/>
+                            </p:stCondLst>
+                            <p:childTnLst>
+                              <p:par>
+                                <p:cTn id="13" presetID="1" presetClass="entr" presetSubtype="0" fill="hold" grpId="0" nodeType="clickEffect">
+                                  <p:stCondLst>
+                                    <p:cond delay="0"/>
+                                  </p:stCondLst>
+                                  <p:childTnLst>
+                                    <p:set>
+                                      <p:cBhvr>
+                                        <p:cTn id="14" dur="1" fill="hold">
+                                          <p:stCondLst>
+                                            <p:cond delay="0"/>
+                                          </p:stCondLst>
+                                        </p:cTn>
+                                        <p:tgtEl>
+                                          <p:spTgt spid="3">
+                                            <p:txEl>
+                                              <p:pRg st="3" end="3"/>
+                                            </p:txEl>
+                                          </p:spTgt>
+                                        </p:tgtEl>
+                                        <p:attrNameLst>
+                                          <p:attrName>style.visibility</p:attrName>
+                                        </p:attrNameLst>
+                                      </p:cBhvr>
+                                      <p:to>
+                                        <p:strVal val="visible"/>
+                                      </p:to>
+                                    </p:set>
+                                  </p:childTnLst>
+                                </p:cTn>
+                              </p:par>
+                              <p:par>
+                                <p:cTn id="15" presetID="1" presetClass="entr" presetSubtype="0" fill="hold" nodeType="withEffect">
+                                  <p:stCondLst>
+                                    <p:cond delay="0"/>
+                                  </p:stCondLst>
+                                  <p:childTnLst>
+                                    <p:set>
+                                      <p:cBhvr>
+                                        <p:cTn id="16" dur="1" fill="hold">
+                                          <p:stCondLst>
+                                            <p:cond delay="0"/>
+                                          </p:stCondLst>
+                                        </p:cTn>
+                                        <p:tgtEl>
+                                          <p:spTgt spid="6"/>
+                                        </p:tgtEl>
+                                        <p:attrNameLst>
+                                          <p:attrName>style.visibility</p:attrName>
+                                        </p:attrNameLst>
+                                      </p:cBhvr>
+                                      <p:to>
+                                        <p:strVal val="visible"/>
+                                      </p:to>
+                                    </p:set>
+                                  </p:childTnLst>
+                                </p:cTn>
+                              </p:par>
+                            </p:childTnLst>
+                          </p:cTn>
+                        </p:par>
+                      </p:childTnLst>
+                    </p:cTn>
+                  </p:par>
+                  <p:par>
+                    <p:cTn id="17" fill="hold">
+                      <p:stCondLst>
+                        <p:cond delay="indefinite"/>
+                      </p:stCondLst>
+                      <p:childTnLst>
+                        <p:par>
+                          <p:cTn id="18" fill="hold">
+                            <p:stCondLst>
+                              <p:cond delay="0"/>
+                            </p:stCondLst>
+                            <p:childTnLst>
+                              <p:par>
+                                <p:cTn id="19" presetID="1" presetClass="entr" presetSubtype="0" fill="hold" grpId="0" nodeType="clickEffect">
+                                  <p:stCondLst>
+                                    <p:cond delay="0"/>
+                                  </p:stCondLst>
+                                  <p:childTnLst>
+                                    <p:set>
+                                      <p:cBhvr>
+                                        <p:cTn id="20" dur="1" fill="hold">
+                                          <p:stCondLst>
+                                            <p:cond delay="0"/>
+                                          </p:stCondLst>
+                                        </p:cTn>
+                                        <p:tgtEl>
+                                          <p:spTgt spid="7"/>
+                                        </p:tgtEl>
+                                        <p:attrNameLst>
+                                          <p:attrName>style.visibility</p:attrName>
+                                        </p:attrNameLst>
+                                      </p:cBhvr>
+                                      <p:to>
+                                        <p:strVal val="visible"/>
+                                      </p:to>
+                                    </p:set>
+                                  </p:childTnLst>
+                                </p:cTn>
+                              </p:par>
+                            </p:childTnLst>
+                          </p:cTn>
+                        </p:par>
+                      </p:childTnLst>
+                    </p:cTn>
+                  </p:par>
+                  <p:par>
+                    <p:cTn id="21" fill="hold">
+                      <p:stCondLst>
+                        <p:cond delay="indefinite"/>
+                      </p:stCondLst>
+                      <p:childTnLst>
+                        <p:par>
+                          <p:cTn id="22" fill="hold">
+                            <p:stCondLst>
+                              <p:cond delay="0"/>
+                            </p:stCondLst>
+                            <p:childTnLst>
+                              <p:par>
+                                <p:cTn id="23" presetID="1" presetClass="entr" presetSubtype="0" fill="hold" grpId="0" nodeType="clickEffect">
+                                  <p:stCondLst>
+                                    <p:cond delay="0"/>
+                                  </p:stCondLst>
+                                  <p:childTnLst>
+                                    <p:set>
+                                      <p:cBhvr>
+                                        <p:cTn id="24" dur="1" fill="hold">
+                                          <p:stCondLst>
+                                            <p:cond delay="0"/>
+                                          </p:stCondLst>
+                                        </p:cTn>
+                                        <p:tgtEl>
+                                          <p:spTgt spid="9"/>
+                                        </p:tgtEl>
+                                        <p:attrNameLst>
+                                          <p:attrName>style.visibility</p:attrName>
+                                        </p:attrNameLst>
+                                      </p:cBhvr>
+                                      <p:to>
+                                        <p:strVal val="visible"/>
+                                      </p:to>
+                                    </p:set>
+                                  </p:childTnLst>
+                                </p:cTn>
+                              </p:par>
+                            </p:childTnLst>
+                          </p:cTn>
+                        </p:par>
+                      </p:childTnLst>
+                    </p:cTn>
+                  </p:par>
+                </p:childTnLst>
+              </p:cTn>
+              <p:prevCondLst>
+                <p:cond evt="onPrev" delay="0">
+                  <p:tgtEl>
+                    <p:sldTgt/>
+                  </p:tgtEl>
+                </p:cond>
+              </p:prevCondLst>
+              <p:nextCondLst>
+                <p:cond evt="onNext" delay="0">
+                  <p:tgtEl>
+                    <p:sldTgt/>
+                  </p:tgtEl>
+                </p:cond>
+              </p:nextCondLst>
+            </p:seq>
+          </p:childTnLst>
+        </p:cTn>
+      </p:par>
+    </p:tnLst>
+    <p:bldLst>
+      <p:bldP spid="3" grpId="0" uiExpand="1" build="p"/>
+      <p:bldP spid="5" grpId="0" animBg="1"/>
+      <p:bldP spid="7" grpId="0" animBg="1"/>
+      <p:bldP spid="9" grpId="0" animBg="1"/>
+    </p:bldLst>
+  </p:timing>
+</p:sld>
+</file>
+
+<file path=ppt/slides/slide16.xml><?xml version="1.0" encoding="utf-8"?>
 <p:sld xmlns:a="http://schemas.openxmlformats.org/drawingml/2006/main" xmlns:r="http://schemas.openxmlformats.org/officeDocument/2006/relationships" xmlns:p="http://schemas.openxmlformats.org/presentationml/2006/main">
   <p:cSld>
     <p:spTree>
@@ -4993,7 +6727,7 @@
 </p:sld>
 </file>
 
-<file path=ppt/slides/slide15.xml><?xml version="1.0" encoding="utf-8"?>
+<file path=ppt/slides/slide17.xml><?xml version="1.0" encoding="utf-8"?>
 <p:sld xmlns:a="http://schemas.openxmlformats.org/drawingml/2006/main" xmlns:r="http://schemas.openxmlformats.org/officeDocument/2006/relationships" xmlns:p="http://schemas.openxmlformats.org/presentationml/2006/main">
   <p:cSld>
     <p:spTree>
@@ -5175,7 +6909,7 @@
 </p:sld>
 </file>
 
-<file path=ppt/slides/slide16.xml><?xml version="1.0" encoding="utf-8"?>
+<file path=ppt/slides/slide18.xml><?xml version="1.0" encoding="utf-8"?>
 <p:sld xmlns:a="http://schemas.openxmlformats.org/drawingml/2006/main" xmlns:r="http://schemas.openxmlformats.org/officeDocument/2006/relationships" xmlns:p="http://schemas.openxmlformats.org/presentationml/2006/main">
   <p:cSld>
     <p:spTree>
@@ -5762,7 +7496,7 @@
 </p:sld>
 </file>
 
-<file path=ppt/slides/slide17.xml><?xml version="1.0" encoding="utf-8"?>
+<file path=ppt/slides/slide19.xml><?xml version="1.0" encoding="utf-8"?>
 <p:sld xmlns:a="http://schemas.openxmlformats.org/drawingml/2006/main" xmlns:r="http://schemas.openxmlformats.org/officeDocument/2006/relationships" xmlns:p="http://schemas.openxmlformats.org/presentationml/2006/main">
   <p:cSld>
     <p:spTree>
@@ -6133,7 +7867,1649 @@
 </p:sld>
 </file>
 
-<file path=ppt/slides/slide18.xml><?xml version="1.0" encoding="utf-8"?>
+<file path=ppt/slides/slide2.xml><?xml version="1.0" encoding="utf-8"?>
+<p:sld xmlns:a="http://schemas.openxmlformats.org/drawingml/2006/main" xmlns:r="http://schemas.openxmlformats.org/officeDocument/2006/relationships" xmlns:p="http://schemas.openxmlformats.org/presentationml/2006/main">
+  <p:cSld>
+    <p:spTree>
+      <p:nvGrpSpPr>
+        <p:cNvPr id="1" name=""/>
+        <p:cNvGrpSpPr/>
+        <p:nvPr/>
+      </p:nvGrpSpPr>
+      <p:grpSpPr>
+        <a:xfrm>
+          <a:off x="0" y="0"/>
+          <a:ext cx="0" cy="0"/>
+          <a:chOff x="0" y="0"/>
+          <a:chExt cx="0" cy="0"/>
+        </a:xfrm>
+      </p:grpSpPr>
+      <p:sp>
+        <p:nvSpPr>
+          <p:cNvPr id="2" name="Title 1">
+            <a:extLst>
+              <a:ext uri="{FF2B5EF4-FFF2-40B4-BE49-F238E27FC236}">
+                <a16:creationId xmlns:a16="http://schemas.microsoft.com/office/drawing/2014/main" id="{65F05B00-86BE-5D45-A8B8-22F84A840EE6}"/>
+              </a:ext>
+            </a:extLst>
+          </p:cNvPr>
+          <p:cNvSpPr>
+            <a:spLocks noGrp="1"/>
+          </p:cNvSpPr>
+          <p:nvPr>
+            <p:ph type="title"/>
+          </p:nvPr>
+        </p:nvSpPr>
+        <p:spPr/>
+        <p:txBody>
+          <a:bodyPr/>
+          <a:lstStyle/>
+          <a:p>
+            <a:r>
+              <a:rPr lang="en-US" dirty="0"/>
+              <a:t>Before class</a:t>
+            </a:r>
+          </a:p>
+        </p:txBody>
+      </p:sp>
+      <p:sp>
+        <p:nvSpPr>
+          <p:cNvPr id="3" name="Content Placeholder 2">
+            <a:extLst>
+              <a:ext uri="{FF2B5EF4-FFF2-40B4-BE49-F238E27FC236}">
+                <a16:creationId xmlns:a16="http://schemas.microsoft.com/office/drawing/2014/main" id="{85595D2A-95C1-714B-B7CA-F0B8296D740E}"/>
+              </a:ext>
+            </a:extLst>
+          </p:cNvPr>
+          <p:cNvSpPr>
+            <a:spLocks noGrp="1"/>
+          </p:cNvSpPr>
+          <p:nvPr>
+            <p:ph idx="1"/>
+          </p:nvPr>
+        </p:nvSpPr>
+        <p:spPr/>
+        <p:txBody>
+          <a:bodyPr/>
+          <a:lstStyle/>
+          <a:p>
+            <a:r>
+              <a:rPr lang="en-US" sz="2800" dirty="0"/>
+              <a:t>Homework is available!</a:t>
+            </a:r>
+          </a:p>
+          <a:p>
+            <a:endParaRPr lang="en-US" sz="2800" dirty="0"/>
+          </a:p>
+          <a:p>
+            <a:r>
+              <a:rPr lang="en-US" sz="2800" dirty="0"/>
+              <a:t>Week 6 redo:	</a:t>
+            </a:r>
+          </a:p>
+          <a:p>
+            <a:pPr lvl="1"/>
+            <a:r>
+              <a:rPr lang="en-US" sz="2400" dirty="0"/>
+              <a:t>Same materials but with slides</a:t>
+            </a:r>
+          </a:p>
+          <a:p>
+            <a:pPr lvl="1"/>
+            <a:r>
+              <a:rPr lang="en-US" sz="2400" dirty="0"/>
+              <a:t>Recordings are available</a:t>
+            </a:r>
+          </a:p>
+          <a:p>
+            <a:pPr lvl="1"/>
+            <a:endParaRPr lang="en-US" sz="2400" dirty="0"/>
+          </a:p>
+          <a:p>
+            <a:r>
+              <a:rPr lang="en-US" sz="2800" dirty="0"/>
+              <a:t>When using Google </a:t>
+            </a:r>
+            <a:r>
+              <a:rPr lang="en-US" sz="2800" dirty="0" err="1"/>
+              <a:t>Colab</a:t>
+            </a:r>
+            <a:r>
+              <a:rPr lang="en-US" sz="2800" dirty="0"/>
+              <a:t>, we need to update “</a:t>
+            </a:r>
+            <a:r>
+              <a:rPr lang="en-US" sz="2800" dirty="0" err="1"/>
+              <a:t>statsmodels</a:t>
+            </a:r>
+            <a:r>
+              <a:rPr lang="en-US" sz="2800" dirty="0"/>
+              <a:t>” (code included in the notebook):</a:t>
+            </a:r>
+          </a:p>
+        </p:txBody>
+      </p:sp>
+      <p:pic>
+        <p:nvPicPr>
+          <p:cNvPr id="4" name="Picture 3">
+            <a:extLst>
+              <a:ext uri="{FF2B5EF4-FFF2-40B4-BE49-F238E27FC236}">
+                <a16:creationId xmlns:a16="http://schemas.microsoft.com/office/drawing/2014/main" id="{626E5072-22AE-0549-8CE5-753738F4E1C3}"/>
+              </a:ext>
+            </a:extLst>
+          </p:cNvPr>
+          <p:cNvPicPr>
+            <a:picLocks noChangeAspect="1"/>
+          </p:cNvPicPr>
+          <p:nvPr/>
+        </p:nvPicPr>
+        <p:blipFill>
+          <a:blip r:embed="rId2"/>
+          <a:stretch>
+            <a:fillRect/>
+          </a:stretch>
+        </p:blipFill>
+        <p:spPr>
+          <a:xfrm>
+            <a:off x="0" y="5445224"/>
+            <a:ext cx="9144000" cy="972967"/>
+          </a:xfrm>
+          <a:prstGeom prst="rect">
+            <a:avLst/>
+          </a:prstGeom>
+        </p:spPr>
+      </p:pic>
+    </p:spTree>
+    <p:extLst>
+      <p:ext uri="{BB962C8B-B14F-4D97-AF65-F5344CB8AC3E}">
+        <p14:creationId xmlns:p14="http://schemas.microsoft.com/office/powerpoint/2010/main" val="1813254501"/>
+      </p:ext>
+    </p:extLst>
+  </p:cSld>
+  <p:clrMapOvr>
+    <a:masterClrMapping/>
+  </p:clrMapOvr>
+</p:sld>
+</file>
+
+<file path=ppt/slides/slide20.xml><?xml version="1.0" encoding="utf-8"?>
+<p:sld xmlns:a="http://schemas.openxmlformats.org/drawingml/2006/main" xmlns:r="http://schemas.openxmlformats.org/officeDocument/2006/relationships" xmlns:p="http://schemas.openxmlformats.org/presentationml/2006/main">
+  <p:cSld>
+    <p:spTree>
+      <p:nvGrpSpPr>
+        <p:cNvPr id="1" name=""/>
+        <p:cNvGrpSpPr/>
+        <p:nvPr/>
+      </p:nvGrpSpPr>
+      <p:grpSpPr>
+        <a:xfrm>
+          <a:off x="0" y="0"/>
+          <a:ext cx="0" cy="0"/>
+          <a:chOff x="0" y="0"/>
+          <a:chExt cx="0" cy="0"/>
+        </a:xfrm>
+      </p:grpSpPr>
+      <p:sp>
+        <p:nvSpPr>
+          <p:cNvPr id="2" name="Title 1">
+            <a:extLst>
+              <a:ext uri="{FF2B5EF4-FFF2-40B4-BE49-F238E27FC236}">
+                <a16:creationId xmlns:a16="http://schemas.microsoft.com/office/drawing/2014/main" id="{E2823279-B893-CA4D-B20B-F2E632751BE5}"/>
+              </a:ext>
+            </a:extLst>
+          </p:cNvPr>
+          <p:cNvSpPr>
+            <a:spLocks noGrp="1"/>
+          </p:cNvSpPr>
+          <p:nvPr>
+            <p:ph type="title"/>
+          </p:nvPr>
+        </p:nvSpPr>
+        <p:spPr/>
+        <p:txBody>
+          <a:bodyPr/>
+          <a:lstStyle/>
+          <a:p>
+            <a:r>
+              <a:rPr lang="en-US" dirty="0"/>
+              <a:t>Intuition for MA identification</a:t>
+            </a:r>
+          </a:p>
+        </p:txBody>
+      </p:sp>
+      <mc:AlternateContent xmlns:mc="http://schemas.openxmlformats.org/markup-compatibility/2006">
+        <mc:Choice xmlns:a14="http://schemas.microsoft.com/office/drawing/2010/main" Requires="a14">
+          <p:sp>
+            <p:nvSpPr>
+              <p:cNvPr id="4" name="TextBox 3">
+                <a:extLst>
+                  <a:ext uri="{FF2B5EF4-FFF2-40B4-BE49-F238E27FC236}">
+                    <a16:creationId xmlns:a16="http://schemas.microsoft.com/office/drawing/2014/main" id="{89E6D045-7EFA-EA4A-AC96-CBBE8AB52F9C}"/>
+                  </a:ext>
+                </a:extLst>
+              </p:cNvPr>
+              <p:cNvSpPr txBox="1"/>
+              <p:nvPr/>
+            </p:nvSpPr>
+            <p:spPr>
+              <a:xfrm>
+                <a:off x="1692429" y="1916832"/>
+                <a:ext cx="5759141" cy="331437"/>
+              </a:xfrm>
+              <a:prstGeom prst="rect">
+                <a:avLst/>
+              </a:prstGeom>
+              <a:noFill/>
+            </p:spPr>
+            <p:txBody>
+              <a:bodyPr wrap="none" lIns="0" tIns="0" rIns="0" bIns="0" rtlCol="0">
+                <a:spAutoFit/>
+              </a:bodyPr>
+              <a:lstStyle/>
+              <a:p>
+                <a14:m>
+                  <m:oMathPara xmlns:m="http://schemas.openxmlformats.org/officeDocument/2006/math">
+                    <m:oMathParaPr>
+                      <m:jc m:val="centerGroup"/>
+                    </m:oMathParaPr>
+                    <m:oMath xmlns:m="http://schemas.openxmlformats.org/officeDocument/2006/math">
+                      <m:sSub>
+                        <m:sSubPr>
+                          <m:ctrlPr>
+                            <a:rPr lang="en-US" sz="2000" b="0" i="1" smtClean="0">
+                              <a:latin typeface="Cambria Math" panose="02040503050406030204" pitchFamily="18" charset="0"/>
+                            </a:rPr>
+                          </m:ctrlPr>
+                        </m:sSubPr>
+                        <m:e>
+                          <m:r>
+                            <a:rPr lang="en-US" sz="2000" b="0" i="1" smtClean="0">
+                              <a:latin typeface="Cambria Math" panose="02040503050406030204" pitchFamily="18" charset="0"/>
+                            </a:rPr>
+                            <m:t>𝑦</m:t>
+                          </m:r>
+                        </m:e>
+                        <m:sub>
+                          <m:r>
+                            <a:rPr lang="en-US" sz="2000" b="0" i="1" smtClean="0">
+                              <a:latin typeface="Cambria Math" panose="02040503050406030204" pitchFamily="18" charset="0"/>
+                            </a:rPr>
+                            <m:t>𝑡</m:t>
+                          </m:r>
+                        </m:sub>
+                      </m:sSub>
+                      <m:r>
+                        <a:rPr lang="en-US" sz="2000" b="0" i="1" smtClean="0">
+                          <a:latin typeface="Cambria Math" panose="02040503050406030204" pitchFamily="18" charset="0"/>
+                        </a:rPr>
+                        <m:t>=</m:t>
+                      </m:r>
+                      <m:r>
+                        <a:rPr lang="en-US" sz="2000" b="0" i="1" smtClean="0">
+                          <a:latin typeface="Cambria Math" panose="02040503050406030204" pitchFamily="18" charset="0"/>
+                        </a:rPr>
+                        <m:t>𝑐𝑜𝑛𝑠𝑡</m:t>
+                      </m:r>
+                      <m:r>
+                        <a:rPr lang="en-US" sz="2000" b="0" i="1" smtClean="0">
+                          <a:latin typeface="Cambria Math" panose="02040503050406030204" pitchFamily="18" charset="0"/>
+                        </a:rPr>
+                        <m:t>+</m:t>
+                      </m:r>
+                      <m:sSub>
+                        <m:sSubPr>
+                          <m:ctrlPr>
+                            <a:rPr lang="en-US" sz="2000" b="0" i="1" smtClean="0">
+                              <a:latin typeface="Cambria Math" panose="02040503050406030204" pitchFamily="18" charset="0"/>
+                            </a:rPr>
+                          </m:ctrlPr>
+                        </m:sSubPr>
+                        <m:e>
+                          <m:r>
+                            <a:rPr lang="en-US" sz="2000" b="0" i="1" smtClean="0">
+                              <a:latin typeface="Cambria Math" panose="02040503050406030204" pitchFamily="18" charset="0"/>
+                            </a:rPr>
+                            <m:t>𝜃</m:t>
+                          </m:r>
+                        </m:e>
+                        <m:sub>
+                          <m:r>
+                            <a:rPr lang="en-US" sz="2000" b="0" i="1" smtClean="0">
+                              <a:latin typeface="Cambria Math" panose="02040503050406030204" pitchFamily="18" charset="0"/>
+                            </a:rPr>
+                            <m:t>1</m:t>
+                          </m:r>
+                        </m:sub>
+                      </m:sSub>
+                      <m:sSub>
+                        <m:sSubPr>
+                          <m:ctrlPr>
+                            <a:rPr lang="en-US" sz="2000" b="0" i="1" smtClean="0">
+                              <a:latin typeface="Cambria Math" panose="02040503050406030204" pitchFamily="18" charset="0"/>
+                            </a:rPr>
+                          </m:ctrlPr>
+                        </m:sSubPr>
+                        <m:e>
+                          <m:r>
+                            <a:rPr lang="en-US" sz="2000" b="0" i="1" smtClean="0">
+                              <a:latin typeface="Cambria Math" panose="02040503050406030204" pitchFamily="18" charset="0"/>
+                            </a:rPr>
+                            <m:t>𝜖</m:t>
+                          </m:r>
+                        </m:e>
+                        <m:sub>
+                          <m:r>
+                            <a:rPr lang="en-US" sz="2000" b="0" i="1" smtClean="0">
+                              <a:latin typeface="Cambria Math" panose="02040503050406030204" pitchFamily="18" charset="0"/>
+                            </a:rPr>
+                            <m:t>𝑡</m:t>
+                          </m:r>
+                          <m:r>
+                            <a:rPr lang="en-US" sz="2000" b="0" i="1" smtClean="0">
+                              <a:latin typeface="Cambria Math" panose="02040503050406030204" pitchFamily="18" charset="0"/>
+                            </a:rPr>
+                            <m:t>−1</m:t>
+                          </m:r>
+                        </m:sub>
+                      </m:sSub>
+                      <m:r>
+                        <a:rPr lang="en-US" sz="2000" b="0" i="1" smtClean="0">
+                          <a:latin typeface="Cambria Math" panose="02040503050406030204" pitchFamily="18" charset="0"/>
+                        </a:rPr>
+                        <m:t>+</m:t>
+                      </m:r>
+                      <m:sSub>
+                        <m:sSubPr>
+                          <m:ctrlPr>
+                            <a:rPr lang="en-US" sz="2000" i="1">
+                              <a:latin typeface="Cambria Math" panose="02040503050406030204" pitchFamily="18" charset="0"/>
+                            </a:rPr>
+                          </m:ctrlPr>
+                        </m:sSubPr>
+                        <m:e>
+                          <m:r>
+                            <a:rPr lang="en-US" sz="2000" i="1">
+                              <a:latin typeface="Cambria Math" panose="02040503050406030204" pitchFamily="18" charset="0"/>
+                            </a:rPr>
+                            <m:t>𝜃</m:t>
+                          </m:r>
+                        </m:e>
+                        <m:sub>
+                          <m:r>
+                            <a:rPr lang="en-US" sz="2000" b="0" i="1" smtClean="0">
+                              <a:latin typeface="Cambria Math" panose="02040503050406030204" pitchFamily="18" charset="0"/>
+                            </a:rPr>
+                            <m:t>2</m:t>
+                          </m:r>
+                        </m:sub>
+                      </m:sSub>
+                      <m:sSub>
+                        <m:sSubPr>
+                          <m:ctrlPr>
+                            <a:rPr lang="en-US" sz="2000" i="1">
+                              <a:latin typeface="Cambria Math" panose="02040503050406030204" pitchFamily="18" charset="0"/>
+                            </a:rPr>
+                          </m:ctrlPr>
+                        </m:sSubPr>
+                        <m:e>
+                          <m:r>
+                            <a:rPr lang="en-US" sz="2000" i="1">
+                              <a:latin typeface="Cambria Math" panose="02040503050406030204" pitchFamily="18" charset="0"/>
+                            </a:rPr>
+                            <m:t>𝜖</m:t>
+                          </m:r>
+                        </m:e>
+                        <m:sub>
+                          <m:r>
+                            <a:rPr lang="en-US" sz="2000" i="1">
+                              <a:latin typeface="Cambria Math" panose="02040503050406030204" pitchFamily="18" charset="0"/>
+                            </a:rPr>
+                            <m:t>𝑡</m:t>
+                          </m:r>
+                          <m:r>
+                            <a:rPr lang="en-US" sz="2000" i="1">
+                              <a:latin typeface="Cambria Math" panose="02040503050406030204" pitchFamily="18" charset="0"/>
+                            </a:rPr>
+                            <m:t>−2</m:t>
+                          </m:r>
+                        </m:sub>
+                      </m:sSub>
+                      <m:r>
+                        <a:rPr lang="en-US" sz="2000" b="0" i="1" smtClean="0">
+                          <a:latin typeface="Cambria Math" panose="02040503050406030204" pitchFamily="18" charset="0"/>
+                        </a:rPr>
+                        <m:t>+</m:t>
+                      </m:r>
+                      <m:sSub>
+                        <m:sSubPr>
+                          <m:ctrlPr>
+                            <a:rPr lang="en-US" sz="2000" b="0" i="1" smtClean="0">
+                              <a:latin typeface="Cambria Math" panose="02040503050406030204" pitchFamily="18" charset="0"/>
+                            </a:rPr>
+                          </m:ctrlPr>
+                        </m:sSubPr>
+                        <m:e>
+                          <m:r>
+                            <a:rPr lang="en-US" sz="2000" b="0" i="1" smtClean="0">
+                              <a:latin typeface="Cambria Math" panose="02040503050406030204" pitchFamily="18" charset="0"/>
+                            </a:rPr>
+                            <m:t>𝜃</m:t>
+                          </m:r>
+                        </m:e>
+                        <m:sub>
+                          <m:r>
+                            <a:rPr lang="en-US" sz="2000" b="0" i="1" smtClean="0">
+                              <a:latin typeface="Cambria Math" panose="02040503050406030204" pitchFamily="18" charset="0"/>
+                            </a:rPr>
+                            <m:t>3</m:t>
+                          </m:r>
+                        </m:sub>
+                      </m:sSub>
+                      <m:sSub>
+                        <m:sSubPr>
+                          <m:ctrlPr>
+                            <a:rPr lang="en-US" sz="2000" b="0" i="1" smtClean="0">
+                              <a:latin typeface="Cambria Math" panose="02040503050406030204" pitchFamily="18" charset="0"/>
+                            </a:rPr>
+                          </m:ctrlPr>
+                        </m:sSubPr>
+                        <m:e>
+                          <m:r>
+                            <a:rPr lang="en-US" sz="2000" b="0" i="1" smtClean="0">
+                              <a:latin typeface="Cambria Math" panose="02040503050406030204" pitchFamily="18" charset="0"/>
+                            </a:rPr>
+                            <m:t>𝜖</m:t>
+                          </m:r>
+                        </m:e>
+                        <m:sub>
+                          <m:r>
+                            <a:rPr lang="en-US" sz="2000" b="0" i="1" smtClean="0">
+                              <a:latin typeface="Cambria Math" panose="02040503050406030204" pitchFamily="18" charset="0"/>
+                            </a:rPr>
+                            <m:t>𝑡</m:t>
+                          </m:r>
+                          <m:r>
+                            <a:rPr lang="en-US" sz="2000" b="0" i="1" smtClean="0">
+                              <a:latin typeface="Cambria Math" panose="02040503050406030204" pitchFamily="18" charset="0"/>
+                            </a:rPr>
+                            <m:t>−3</m:t>
+                          </m:r>
+                        </m:sub>
+                      </m:sSub>
+                      <m:r>
+                        <a:rPr lang="en-US" sz="2000" b="0" i="1" smtClean="0">
+                          <a:latin typeface="Cambria Math" panose="02040503050406030204" pitchFamily="18" charset="0"/>
+                        </a:rPr>
+                        <m:t>+…+</m:t>
+                      </m:r>
+                      <m:sSub>
+                        <m:sSubPr>
+                          <m:ctrlPr>
+                            <a:rPr lang="en-US" sz="2000" b="0" i="1" smtClean="0">
+                              <a:latin typeface="Cambria Math" panose="02040503050406030204" pitchFamily="18" charset="0"/>
+                            </a:rPr>
+                          </m:ctrlPr>
+                        </m:sSubPr>
+                        <m:e>
+                          <m:r>
+                            <a:rPr lang="en-US" sz="2000" b="0" i="1" smtClean="0">
+                              <a:latin typeface="Cambria Math" panose="02040503050406030204" pitchFamily="18" charset="0"/>
+                            </a:rPr>
+                            <m:t>𝜃</m:t>
+                          </m:r>
+                        </m:e>
+                        <m:sub>
+                          <m:r>
+                            <a:rPr lang="en-US" sz="2000" b="0" i="1" smtClean="0">
+                              <a:latin typeface="Cambria Math" panose="02040503050406030204" pitchFamily="18" charset="0"/>
+                            </a:rPr>
+                            <m:t>𝑞</m:t>
+                          </m:r>
+                        </m:sub>
+                      </m:sSub>
+                      <m:sSub>
+                        <m:sSubPr>
+                          <m:ctrlPr>
+                            <a:rPr lang="en-US" sz="2000" b="0" i="1" smtClean="0">
+                              <a:latin typeface="Cambria Math" panose="02040503050406030204" pitchFamily="18" charset="0"/>
+                            </a:rPr>
+                          </m:ctrlPr>
+                        </m:sSubPr>
+                        <m:e>
+                          <m:r>
+                            <a:rPr lang="en-US" sz="2000" b="0" i="1" smtClean="0">
+                              <a:latin typeface="Cambria Math" panose="02040503050406030204" pitchFamily="18" charset="0"/>
+                            </a:rPr>
+                            <m:t>𝜖</m:t>
+                          </m:r>
+                        </m:e>
+                        <m:sub>
+                          <m:r>
+                            <a:rPr lang="en-US" sz="2000" b="0" i="1" smtClean="0">
+                              <a:latin typeface="Cambria Math" panose="02040503050406030204" pitchFamily="18" charset="0"/>
+                            </a:rPr>
+                            <m:t>𝑞</m:t>
+                          </m:r>
+                        </m:sub>
+                      </m:sSub>
+                    </m:oMath>
+                  </m:oMathPara>
+                </a14:m>
+                <a:endParaRPr lang="en-US" sz="2000" dirty="0"/>
+              </a:p>
+            </p:txBody>
+          </p:sp>
+        </mc:Choice>
+        <mc:Fallback>
+          <p:sp>
+            <p:nvSpPr>
+              <p:cNvPr id="4" name="TextBox 3">
+                <a:extLst>
+                  <a:ext uri="{FF2B5EF4-FFF2-40B4-BE49-F238E27FC236}">
+                    <a16:creationId xmlns:a16="http://schemas.microsoft.com/office/drawing/2014/main" id="{89E6D045-7EFA-EA4A-AC96-CBBE8AB52F9C}"/>
+                  </a:ext>
+                </a:extLst>
+              </p:cNvPr>
+              <p:cNvSpPr txBox="1">
+                <a:spLocks noRot="1" noChangeAspect="1" noMove="1" noResize="1" noEditPoints="1" noAdjustHandles="1" noChangeArrowheads="1" noChangeShapeType="1" noTextEdit="1"/>
+              </p:cNvSpPr>
+              <p:nvPr/>
+            </p:nvSpPr>
+            <p:spPr>
+              <a:xfrm>
+                <a:off x="1692429" y="1916832"/>
+                <a:ext cx="5759141" cy="331437"/>
+              </a:xfrm>
+              <a:prstGeom prst="rect">
+                <a:avLst/>
+              </a:prstGeom>
+              <a:blipFill>
+                <a:blip r:embed="rId2"/>
+                <a:stretch>
+                  <a:fillRect b="-17857"/>
+                </a:stretch>
+              </a:blipFill>
+            </p:spPr>
+            <p:txBody>
+              <a:bodyPr/>
+              <a:lstStyle/>
+              <a:p>
+                <a:r>
+                  <a:rPr lang="en-US">
+                    <a:noFill/>
+                  </a:rPr>
+                  <a:t> </a:t>
+                </a:r>
+              </a:p>
+            </p:txBody>
+          </p:sp>
+        </mc:Fallback>
+      </mc:AlternateContent>
+      <mc:AlternateContent xmlns:mc="http://schemas.openxmlformats.org/markup-compatibility/2006">
+        <mc:Choice xmlns:a14="http://schemas.microsoft.com/office/drawing/2010/main" Requires="a14">
+          <p:sp>
+            <p:nvSpPr>
+              <p:cNvPr id="5" name="TextBox 4">
+                <a:extLst>
+                  <a:ext uri="{FF2B5EF4-FFF2-40B4-BE49-F238E27FC236}">
+                    <a16:creationId xmlns:a16="http://schemas.microsoft.com/office/drawing/2014/main" id="{30AF549B-3CD0-954C-8CC1-29C999025861}"/>
+                  </a:ext>
+                </a:extLst>
+              </p:cNvPr>
+              <p:cNvSpPr txBox="1"/>
+              <p:nvPr/>
+            </p:nvSpPr>
+            <p:spPr>
+              <a:xfrm>
+                <a:off x="6152645" y="2492896"/>
+                <a:ext cx="2534155" cy="328295"/>
+              </a:xfrm>
+              <a:prstGeom prst="rect">
+                <a:avLst/>
+              </a:prstGeom>
+              <a:noFill/>
+            </p:spPr>
+            <p:txBody>
+              <a:bodyPr wrap="none" lIns="0" tIns="0" rIns="0" bIns="0" rtlCol="0">
+                <a:spAutoFit/>
+              </a:bodyPr>
+              <a:lstStyle/>
+              <a:p>
+                <a14:m>
+                  <m:oMathPara xmlns:m="http://schemas.openxmlformats.org/officeDocument/2006/math">
+                    <m:oMathParaPr>
+                      <m:jc m:val="centerGroup"/>
+                    </m:oMathParaPr>
+                    <m:oMath xmlns:m="http://schemas.openxmlformats.org/officeDocument/2006/math">
+                      <m:sSub>
+                        <m:sSubPr>
+                          <m:ctrlPr>
+                            <a:rPr lang="en-US" b="0" i="1" smtClean="0">
+                              <a:latin typeface="Cambria Math" panose="02040503050406030204" pitchFamily="18" charset="0"/>
+                            </a:rPr>
+                          </m:ctrlPr>
+                        </m:sSubPr>
+                        <m:e>
+                          <m:r>
+                            <a:rPr lang="en-US" b="0" i="1" smtClean="0">
+                              <a:latin typeface="Cambria Math" panose="02040503050406030204" pitchFamily="18" charset="0"/>
+                            </a:rPr>
+                            <m:t>𝜖</m:t>
+                          </m:r>
+                        </m:e>
+                        <m:sub>
+                          <m:r>
+                            <a:rPr lang="en-US" b="0" i="1" smtClean="0">
+                              <a:latin typeface="Cambria Math" panose="02040503050406030204" pitchFamily="18" charset="0"/>
+                            </a:rPr>
+                            <m:t>𝑗</m:t>
+                          </m:r>
+                        </m:sub>
+                      </m:sSub>
+                      <m:r>
+                        <a:rPr lang="en-US" b="0" i="1" smtClean="0">
+                          <a:latin typeface="Cambria Math" panose="02040503050406030204" pitchFamily="18" charset="0"/>
+                        </a:rPr>
+                        <m:t>~</m:t>
+                      </m:r>
+                      <m:r>
+                        <a:rPr lang="en-US" b="0" i="1" smtClean="0">
+                          <a:latin typeface="Cambria Math" panose="02040503050406030204" pitchFamily="18" charset="0"/>
+                        </a:rPr>
+                        <m:t>𝑁</m:t>
+                      </m:r>
+                      <m:d>
+                        <m:dPr>
+                          <m:ctrlPr>
+                            <a:rPr lang="en-US" b="0" i="1" smtClean="0">
+                              <a:latin typeface="Cambria Math" panose="02040503050406030204" pitchFamily="18" charset="0"/>
+                            </a:rPr>
+                          </m:ctrlPr>
+                        </m:dPr>
+                        <m:e>
+                          <m:r>
+                            <a:rPr lang="en-US" b="0" i="1" smtClean="0">
+                              <a:latin typeface="Cambria Math" panose="02040503050406030204" pitchFamily="18" charset="0"/>
+                            </a:rPr>
+                            <m:t>0,</m:t>
+                          </m:r>
+                          <m:sSubSup>
+                            <m:sSubSupPr>
+                              <m:ctrlPr>
+                                <a:rPr lang="en-US" b="0" i="1" smtClean="0">
+                                  <a:latin typeface="Cambria Math" panose="02040503050406030204" pitchFamily="18" charset="0"/>
+                                </a:rPr>
+                              </m:ctrlPr>
+                            </m:sSubSupPr>
+                            <m:e>
+                              <m:r>
+                                <a:rPr lang="en-US" b="0" i="1" smtClean="0">
+                                  <a:latin typeface="Cambria Math" panose="02040503050406030204" pitchFamily="18" charset="0"/>
+                                </a:rPr>
+                                <m:t>𝜎</m:t>
+                              </m:r>
+                            </m:e>
+                            <m:sub>
+                              <m:r>
+                                <a:rPr lang="en-US" b="0" i="1" smtClean="0">
+                                  <a:latin typeface="Cambria Math" panose="02040503050406030204" pitchFamily="18" charset="0"/>
+                                </a:rPr>
+                                <m:t>𝑗</m:t>
+                              </m:r>
+                            </m:sub>
+                            <m:sup>
+                              <m:r>
+                                <a:rPr lang="en-US" b="0" i="1" smtClean="0">
+                                  <a:latin typeface="Cambria Math" panose="02040503050406030204" pitchFamily="18" charset="0"/>
+                                </a:rPr>
+                                <m:t>2</m:t>
+                              </m:r>
+                            </m:sup>
+                          </m:sSubSup>
+                        </m:e>
+                      </m:d>
+                      <m:r>
+                        <a:rPr lang="en-US" b="0" i="1" smtClean="0">
+                          <a:latin typeface="Cambria Math" panose="02040503050406030204" pitchFamily="18" charset="0"/>
+                        </a:rPr>
+                        <m:t>;</m:t>
+                      </m:r>
+                      <m:r>
+                        <a:rPr lang="en-US" b="0" i="1" smtClean="0">
+                          <a:latin typeface="Cambria Math" panose="02040503050406030204" pitchFamily="18" charset="0"/>
+                        </a:rPr>
+                        <m:t>𝑗</m:t>
+                      </m:r>
+                      <m:r>
+                        <a:rPr lang="en-US" b="0" i="1" smtClean="0">
+                          <a:latin typeface="Cambria Math" panose="02040503050406030204" pitchFamily="18" charset="0"/>
+                        </a:rPr>
+                        <m:t>∈{1,…,</m:t>
+                      </m:r>
+                      <m:r>
+                        <a:rPr lang="en-US" b="0" i="1" smtClean="0">
+                          <a:latin typeface="Cambria Math" panose="02040503050406030204" pitchFamily="18" charset="0"/>
+                        </a:rPr>
+                        <m:t>𝑞</m:t>
+                      </m:r>
+                      <m:r>
+                        <a:rPr lang="en-US" b="0" i="1" smtClean="0">
+                          <a:latin typeface="Cambria Math" panose="02040503050406030204" pitchFamily="18" charset="0"/>
+                        </a:rPr>
+                        <m:t>}</m:t>
+                      </m:r>
+                    </m:oMath>
+                  </m:oMathPara>
+                </a14:m>
+                <a:endParaRPr lang="en-US" dirty="0"/>
+              </a:p>
+            </p:txBody>
+          </p:sp>
+        </mc:Choice>
+        <mc:Fallback>
+          <p:sp>
+            <p:nvSpPr>
+              <p:cNvPr id="5" name="TextBox 4">
+                <a:extLst>
+                  <a:ext uri="{FF2B5EF4-FFF2-40B4-BE49-F238E27FC236}">
+                    <a16:creationId xmlns:a16="http://schemas.microsoft.com/office/drawing/2014/main" id="{30AF549B-3CD0-954C-8CC1-29C999025861}"/>
+                  </a:ext>
+                </a:extLst>
+              </p:cNvPr>
+              <p:cNvSpPr txBox="1">
+                <a:spLocks noRot="1" noChangeAspect="1" noMove="1" noResize="1" noEditPoints="1" noAdjustHandles="1" noChangeArrowheads="1" noChangeShapeType="1" noTextEdit="1"/>
+              </p:cNvSpPr>
+              <p:nvPr/>
+            </p:nvSpPr>
+            <p:spPr>
+              <a:xfrm>
+                <a:off x="6152645" y="2492896"/>
+                <a:ext cx="2534155" cy="328295"/>
+              </a:xfrm>
+              <a:prstGeom prst="rect">
+                <a:avLst/>
+              </a:prstGeom>
+              <a:blipFill>
+                <a:blip r:embed="rId3"/>
+                <a:stretch>
+                  <a:fillRect l="-1000" r="-3000" b="-22222"/>
+                </a:stretch>
+              </a:blipFill>
+            </p:spPr>
+            <p:txBody>
+              <a:bodyPr/>
+              <a:lstStyle/>
+              <a:p>
+                <a:r>
+                  <a:rPr lang="en-US">
+                    <a:noFill/>
+                  </a:rPr>
+                  <a:t> </a:t>
+                </a:r>
+              </a:p>
+            </p:txBody>
+          </p:sp>
+        </mc:Fallback>
+      </mc:AlternateContent>
+      <p:sp>
+        <p:nvSpPr>
+          <p:cNvPr id="6" name="Rounded Rectangular Callout 5">
+            <a:extLst>
+              <a:ext uri="{FF2B5EF4-FFF2-40B4-BE49-F238E27FC236}">
+                <a16:creationId xmlns:a16="http://schemas.microsoft.com/office/drawing/2014/main" id="{BADD734B-A8C0-DF46-8685-EE57721C01A4}"/>
+              </a:ext>
+            </a:extLst>
+          </p:cNvPr>
+          <p:cNvSpPr/>
+          <p:nvPr/>
+        </p:nvSpPr>
+        <p:spPr>
+          <a:xfrm>
+            <a:off x="3347864" y="2747463"/>
+            <a:ext cx="2678171" cy="753545"/>
+          </a:xfrm>
+          <a:prstGeom prst="wedgeRoundRectCallout">
+            <a:avLst>
+              <a:gd name="adj1" fmla="val 57438"/>
+              <a:gd name="adj2" fmla="val -75833"/>
+              <a:gd name="adj3" fmla="val 16667"/>
+            </a:avLst>
+          </a:prstGeom>
+          <a:solidFill>
+            <a:schemeClr val="accent6">
+              <a:lumMod val="60000"/>
+              <a:lumOff val="40000"/>
+            </a:schemeClr>
+          </a:solidFill>
+          <a:ln>
+            <a:noFill/>
+          </a:ln>
+        </p:spPr>
+        <p:style>
+          <a:lnRef idx="2">
+            <a:schemeClr val="accent1">
+              <a:shade val="50000"/>
+            </a:schemeClr>
+          </a:lnRef>
+          <a:fillRef idx="1">
+            <a:schemeClr val="accent1"/>
+          </a:fillRef>
+          <a:effectRef idx="0">
+            <a:schemeClr val="accent1"/>
+          </a:effectRef>
+          <a:fontRef idx="minor">
+            <a:schemeClr val="lt1"/>
+          </a:fontRef>
+        </p:style>
+        <p:txBody>
+          <a:bodyPr rtlCol="0" anchor="ctr"/>
+          <a:lstStyle/>
+          <a:p>
+            <a:r>
+              <a:rPr lang="en-US" sz="1600" dirty="0">
+                <a:solidFill>
+                  <a:schemeClr val="bg1"/>
+                </a:solidFill>
+                <a:latin typeface="Calibri Light" panose="020F0302020204030204" pitchFamily="34" charset="0"/>
+                <a:cs typeface="Calibri Light" panose="020F0302020204030204" pitchFamily="34" charset="0"/>
+              </a:rPr>
+              <a:t>This tells us that the predictors in this MA model are independent!</a:t>
+            </a:r>
+          </a:p>
+        </p:txBody>
+      </p:sp>
+      <mc:AlternateContent xmlns:mc="http://schemas.openxmlformats.org/markup-compatibility/2006">
+        <mc:Choice xmlns:a14="http://schemas.microsoft.com/office/drawing/2010/main" Requires="a14">
+          <p:sp>
+            <p:nvSpPr>
+              <p:cNvPr id="7" name="TextBox 6">
+                <a:extLst>
+                  <a:ext uri="{FF2B5EF4-FFF2-40B4-BE49-F238E27FC236}">
+                    <a16:creationId xmlns:a16="http://schemas.microsoft.com/office/drawing/2014/main" id="{58A5AA1C-AB1F-E344-9700-F40F772267F2}"/>
+                  </a:ext>
+                </a:extLst>
+              </p:cNvPr>
+              <p:cNvSpPr txBox="1"/>
+              <p:nvPr/>
+            </p:nvSpPr>
+            <p:spPr>
+              <a:xfrm>
+                <a:off x="3963178" y="3789040"/>
+                <a:ext cx="1217641" cy="299313"/>
+              </a:xfrm>
+              <a:prstGeom prst="rect">
+                <a:avLst/>
+              </a:prstGeom>
+              <a:noFill/>
+            </p:spPr>
+            <p:txBody>
+              <a:bodyPr wrap="none" lIns="0" tIns="0" rIns="0" bIns="0" rtlCol="0">
+                <a:spAutoFit/>
+              </a:bodyPr>
+              <a:lstStyle/>
+              <a:p>
+                <a14:m>
+                  <m:oMathPara xmlns:m="http://schemas.openxmlformats.org/officeDocument/2006/math">
+                    <m:oMathParaPr>
+                      <m:jc m:val="centerGroup"/>
+                    </m:oMathParaPr>
+                    <m:oMath xmlns:m="http://schemas.openxmlformats.org/officeDocument/2006/math">
+                      <m:sSub>
+                        <m:sSubPr>
+                          <m:ctrlPr>
+                            <a:rPr lang="en-US" b="0" i="1" smtClean="0">
+                              <a:latin typeface="Cambria Math" panose="02040503050406030204" pitchFamily="18" charset="0"/>
+                            </a:rPr>
+                          </m:ctrlPr>
+                        </m:sSubPr>
+                        <m:e>
+                          <m:r>
+                            <a:rPr lang="en-US" b="0" i="1" smtClean="0">
+                              <a:latin typeface="Cambria Math" panose="02040503050406030204" pitchFamily="18" charset="0"/>
+                            </a:rPr>
+                            <m:t>𝜖</m:t>
+                          </m:r>
+                        </m:e>
+                        <m:sub>
+                          <m:r>
+                            <a:rPr lang="en-US" b="0" i="1" smtClean="0">
+                              <a:latin typeface="Cambria Math" panose="02040503050406030204" pitchFamily="18" charset="0"/>
+                            </a:rPr>
+                            <m:t>𝑗</m:t>
+                          </m:r>
+                        </m:sub>
+                      </m:sSub>
+                      <m:r>
+                        <a:rPr lang="en-US" b="0" i="1" smtClean="0">
+                          <a:latin typeface="Cambria Math" panose="02040503050406030204" pitchFamily="18" charset="0"/>
+                        </a:rPr>
+                        <m:t>=</m:t>
+                      </m:r>
+                      <m:sSub>
+                        <m:sSubPr>
+                          <m:ctrlPr>
+                            <a:rPr lang="en-US" b="0" i="1" smtClean="0">
+                              <a:latin typeface="Cambria Math" panose="02040503050406030204" pitchFamily="18" charset="0"/>
+                            </a:rPr>
+                          </m:ctrlPr>
+                        </m:sSubPr>
+                        <m:e>
+                          <m:r>
+                            <a:rPr lang="en-US" b="0" i="1" smtClean="0">
+                              <a:latin typeface="Cambria Math" panose="02040503050406030204" pitchFamily="18" charset="0"/>
+                            </a:rPr>
+                            <m:t>𝑦</m:t>
+                          </m:r>
+                        </m:e>
+                        <m:sub>
+                          <m:r>
+                            <a:rPr lang="en-US" b="0" i="1" smtClean="0">
+                              <a:latin typeface="Cambria Math" panose="02040503050406030204" pitchFamily="18" charset="0"/>
+                            </a:rPr>
+                            <m:t>𝑗</m:t>
+                          </m:r>
+                        </m:sub>
+                      </m:sSub>
+                      <m:r>
+                        <a:rPr lang="en-US" b="0" i="1" smtClean="0">
+                          <a:latin typeface="Cambria Math" panose="02040503050406030204" pitchFamily="18" charset="0"/>
+                        </a:rPr>
+                        <m:t>−</m:t>
+                      </m:r>
+                      <m:acc>
+                        <m:accPr>
+                          <m:chr m:val="̂"/>
+                          <m:ctrlPr>
+                            <a:rPr lang="en-US" b="0" i="1" smtClean="0">
+                              <a:latin typeface="Cambria Math" panose="02040503050406030204" pitchFamily="18" charset="0"/>
+                            </a:rPr>
+                          </m:ctrlPr>
+                        </m:accPr>
+                        <m:e>
+                          <m:sSub>
+                            <m:sSubPr>
+                              <m:ctrlPr>
+                                <a:rPr lang="en-US" b="0" i="1" smtClean="0">
+                                  <a:latin typeface="Cambria Math" panose="02040503050406030204" pitchFamily="18" charset="0"/>
+                                </a:rPr>
+                              </m:ctrlPr>
+                            </m:sSubPr>
+                            <m:e>
+                              <m:r>
+                                <a:rPr lang="en-US" b="0" i="1" smtClean="0">
+                                  <a:latin typeface="Cambria Math" panose="02040503050406030204" pitchFamily="18" charset="0"/>
+                                </a:rPr>
+                                <m:t>𝑦</m:t>
+                              </m:r>
+                            </m:e>
+                            <m:sub>
+                              <m:r>
+                                <a:rPr lang="en-US" b="0" i="1" smtClean="0">
+                                  <a:latin typeface="Cambria Math" panose="02040503050406030204" pitchFamily="18" charset="0"/>
+                                </a:rPr>
+                                <m:t>𝑗</m:t>
+                              </m:r>
+                            </m:sub>
+                          </m:sSub>
+                        </m:e>
+                      </m:acc>
+                    </m:oMath>
+                  </m:oMathPara>
+                </a14:m>
+                <a:endParaRPr lang="en-US" dirty="0"/>
+              </a:p>
+            </p:txBody>
+          </p:sp>
+        </mc:Choice>
+        <mc:Fallback>
+          <p:sp>
+            <p:nvSpPr>
+              <p:cNvPr id="7" name="TextBox 6">
+                <a:extLst>
+                  <a:ext uri="{FF2B5EF4-FFF2-40B4-BE49-F238E27FC236}">
+                    <a16:creationId xmlns:a16="http://schemas.microsoft.com/office/drawing/2014/main" id="{58A5AA1C-AB1F-E344-9700-F40F772267F2}"/>
+                  </a:ext>
+                </a:extLst>
+              </p:cNvPr>
+              <p:cNvSpPr txBox="1">
+                <a:spLocks noRot="1" noChangeAspect="1" noMove="1" noResize="1" noEditPoints="1" noAdjustHandles="1" noChangeArrowheads="1" noChangeShapeType="1" noTextEdit="1"/>
+              </p:cNvSpPr>
+              <p:nvPr/>
+            </p:nvSpPr>
+            <p:spPr>
+              <a:xfrm>
+                <a:off x="3963178" y="3789040"/>
+                <a:ext cx="1217641" cy="299313"/>
+              </a:xfrm>
+              <a:prstGeom prst="rect">
+                <a:avLst/>
+              </a:prstGeom>
+              <a:blipFill>
+                <a:blip r:embed="rId4"/>
+                <a:stretch>
+                  <a:fillRect l="-2062" t="-12000" r="-2062" b="-24000"/>
+                </a:stretch>
+              </a:blipFill>
+            </p:spPr>
+            <p:txBody>
+              <a:bodyPr/>
+              <a:lstStyle/>
+              <a:p>
+                <a:r>
+                  <a:rPr lang="en-US">
+                    <a:noFill/>
+                  </a:rPr>
+                  <a:t> </a:t>
+                </a:r>
+              </a:p>
+            </p:txBody>
+          </p:sp>
+        </mc:Fallback>
+      </mc:AlternateContent>
+      <mc:AlternateContent xmlns:mc="http://schemas.openxmlformats.org/markup-compatibility/2006">
+        <mc:Choice xmlns:a14="http://schemas.microsoft.com/office/drawing/2010/main" Requires="a14">
+          <p:sp>
+            <p:nvSpPr>
+              <p:cNvPr id="8" name="TextBox 7">
+                <a:extLst>
+                  <a:ext uri="{FF2B5EF4-FFF2-40B4-BE49-F238E27FC236}">
+                    <a16:creationId xmlns:a16="http://schemas.microsoft.com/office/drawing/2014/main" id="{72ACDB26-7361-D343-98BE-E6A726050730}"/>
+                  </a:ext>
+                </a:extLst>
+              </p:cNvPr>
+              <p:cNvSpPr txBox="1"/>
+              <p:nvPr/>
+            </p:nvSpPr>
+            <p:spPr>
+              <a:xfrm>
+                <a:off x="2105015" y="4307174"/>
+                <a:ext cx="1230273" cy="299313"/>
+              </a:xfrm>
+              <a:prstGeom prst="rect">
+                <a:avLst/>
+              </a:prstGeom>
+              <a:noFill/>
+            </p:spPr>
+            <p:txBody>
+              <a:bodyPr wrap="none" lIns="0" tIns="0" rIns="0" bIns="0" rtlCol="0">
+                <a:spAutoFit/>
+              </a:bodyPr>
+              <a:lstStyle/>
+              <a:p>
+                <a14:m>
+                  <m:oMathPara xmlns:m="http://schemas.openxmlformats.org/officeDocument/2006/math">
+                    <m:oMathParaPr>
+                      <m:jc m:val="centerGroup"/>
+                    </m:oMathParaPr>
+                    <m:oMath xmlns:m="http://schemas.openxmlformats.org/officeDocument/2006/math">
+                      <m:r>
+                        <a:rPr lang="en-US" b="0" i="1" smtClean="0">
+                          <a:latin typeface="Cambria Math" panose="02040503050406030204" pitchFamily="18" charset="0"/>
+                        </a:rPr>
+                        <m:t>𝐶𝑜𝑟𝑟</m:t>
+                      </m:r>
+                      <m:r>
+                        <a:rPr lang="en-US" b="0" i="1" smtClean="0">
+                          <a:latin typeface="Cambria Math" panose="02040503050406030204" pitchFamily="18" charset="0"/>
+                        </a:rPr>
+                        <m:t>(</m:t>
+                      </m:r>
+                      <m:sSub>
+                        <m:sSubPr>
+                          <m:ctrlPr>
+                            <a:rPr lang="en-US" b="0" i="1" smtClean="0">
+                              <a:latin typeface="Cambria Math" panose="02040503050406030204" pitchFamily="18" charset="0"/>
+                            </a:rPr>
+                          </m:ctrlPr>
+                        </m:sSubPr>
+                        <m:e>
+                          <m:r>
+                            <a:rPr lang="en-US" b="0" i="1" smtClean="0">
+                              <a:latin typeface="Cambria Math" panose="02040503050406030204" pitchFamily="18" charset="0"/>
+                            </a:rPr>
+                            <m:t>𝑦</m:t>
+                          </m:r>
+                        </m:e>
+                        <m:sub>
+                          <m:r>
+                            <a:rPr lang="en-US" b="0" i="1" smtClean="0">
+                              <a:latin typeface="Cambria Math" panose="02040503050406030204" pitchFamily="18" charset="0"/>
+                            </a:rPr>
+                            <m:t>𝑡</m:t>
+                          </m:r>
+                        </m:sub>
+                      </m:sSub>
+                      <m:r>
+                        <a:rPr lang="en-US" b="0" i="1" smtClean="0">
+                          <a:latin typeface="Cambria Math" panose="02040503050406030204" pitchFamily="18" charset="0"/>
+                        </a:rPr>
+                        <m:t>,</m:t>
+                      </m:r>
+                      <m:sSub>
+                        <m:sSubPr>
+                          <m:ctrlPr>
+                            <a:rPr lang="en-US" b="0" i="1" smtClean="0">
+                              <a:latin typeface="Cambria Math" panose="02040503050406030204" pitchFamily="18" charset="0"/>
+                            </a:rPr>
+                          </m:ctrlPr>
+                        </m:sSubPr>
+                        <m:e>
+                          <m:r>
+                            <a:rPr lang="en-US" b="0" i="1" smtClean="0">
+                              <a:latin typeface="Cambria Math" panose="02040503050406030204" pitchFamily="18" charset="0"/>
+                            </a:rPr>
+                            <m:t>𝑦</m:t>
+                          </m:r>
+                        </m:e>
+                        <m:sub>
+                          <m:r>
+                            <a:rPr lang="en-US" b="0" i="1" smtClean="0">
+                              <a:latin typeface="Cambria Math" panose="02040503050406030204" pitchFamily="18" charset="0"/>
+                            </a:rPr>
+                            <m:t>𝑗</m:t>
+                          </m:r>
+                        </m:sub>
+                      </m:sSub>
+                      <m:r>
+                        <a:rPr lang="en-US" b="0" i="1" smtClean="0">
+                          <a:latin typeface="Cambria Math" panose="02040503050406030204" pitchFamily="18" charset="0"/>
+                        </a:rPr>
+                        <m:t>)</m:t>
+                      </m:r>
+                    </m:oMath>
+                  </m:oMathPara>
+                </a14:m>
+                <a:endParaRPr lang="en-US" dirty="0"/>
+              </a:p>
+            </p:txBody>
+          </p:sp>
+        </mc:Choice>
+        <mc:Fallback>
+          <p:sp>
+            <p:nvSpPr>
+              <p:cNvPr id="8" name="TextBox 7">
+                <a:extLst>
+                  <a:ext uri="{FF2B5EF4-FFF2-40B4-BE49-F238E27FC236}">
+                    <a16:creationId xmlns:a16="http://schemas.microsoft.com/office/drawing/2014/main" id="{72ACDB26-7361-D343-98BE-E6A726050730}"/>
+                  </a:ext>
+                </a:extLst>
+              </p:cNvPr>
+              <p:cNvSpPr txBox="1">
+                <a:spLocks noRot="1" noChangeAspect="1" noMove="1" noResize="1" noEditPoints="1" noAdjustHandles="1" noChangeArrowheads="1" noChangeShapeType="1" noTextEdit="1"/>
+              </p:cNvSpPr>
+              <p:nvPr/>
+            </p:nvSpPr>
+            <p:spPr>
+              <a:xfrm>
+                <a:off x="2105015" y="4307174"/>
+                <a:ext cx="1230273" cy="299313"/>
+              </a:xfrm>
+              <a:prstGeom prst="rect">
+                <a:avLst/>
+              </a:prstGeom>
+              <a:blipFill>
+                <a:blip r:embed="rId5"/>
+                <a:stretch>
+                  <a:fillRect l="-4082" t="-4167" r="-6122" b="-29167"/>
+                </a:stretch>
+              </a:blipFill>
+            </p:spPr>
+            <p:txBody>
+              <a:bodyPr/>
+              <a:lstStyle/>
+              <a:p>
+                <a:r>
+                  <a:rPr lang="en-US">
+                    <a:noFill/>
+                  </a:rPr>
+                  <a:t> </a:t>
+                </a:r>
+              </a:p>
+            </p:txBody>
+          </p:sp>
+        </mc:Fallback>
+      </mc:AlternateContent>
+      <p:cxnSp>
+        <p:nvCxnSpPr>
+          <p:cNvPr id="10" name="Straight Arrow Connector 9">
+            <a:extLst>
+              <a:ext uri="{FF2B5EF4-FFF2-40B4-BE49-F238E27FC236}">
+                <a16:creationId xmlns:a16="http://schemas.microsoft.com/office/drawing/2014/main" id="{4DBA4EC6-7989-DA45-9177-FFC3ADE8F484}"/>
+              </a:ext>
+            </a:extLst>
+          </p:cNvPr>
+          <p:cNvCxnSpPr>
+            <a:endCxn id="8" idx="0"/>
+          </p:cNvCxnSpPr>
+          <p:nvPr/>
+        </p:nvCxnSpPr>
+        <p:spPr>
+          <a:xfrm>
+            <a:off x="1907704" y="2204864"/>
+            <a:ext cx="812448" cy="2102310"/>
+          </a:xfrm>
+          <a:prstGeom prst="straightConnector1">
+            <a:avLst/>
+          </a:prstGeom>
+          <a:ln w="19050">
+            <a:solidFill>
+              <a:srgbClr val="FF0000"/>
+            </a:solidFill>
+            <a:tailEnd type="stealth" w="lg" len="lg"/>
+          </a:ln>
+        </p:spPr>
+        <p:style>
+          <a:lnRef idx="1">
+            <a:schemeClr val="accent1"/>
+          </a:lnRef>
+          <a:fillRef idx="0">
+            <a:schemeClr val="accent1"/>
+          </a:fillRef>
+          <a:effectRef idx="0">
+            <a:schemeClr val="accent1"/>
+          </a:effectRef>
+          <a:fontRef idx="minor">
+            <a:schemeClr val="tx1"/>
+          </a:fontRef>
+        </p:style>
+      </p:cxnSp>
+      <p:cxnSp>
+        <p:nvCxnSpPr>
+          <p:cNvPr id="11" name="Straight Arrow Connector 10">
+            <a:extLst>
+              <a:ext uri="{FF2B5EF4-FFF2-40B4-BE49-F238E27FC236}">
+                <a16:creationId xmlns:a16="http://schemas.microsoft.com/office/drawing/2014/main" id="{CC2CD17C-5E9A-B244-8DF2-2D413CB7F7EA}"/>
+              </a:ext>
+            </a:extLst>
+          </p:cNvPr>
+          <p:cNvCxnSpPr>
+            <a:cxnSpLocks/>
+            <a:stCxn id="7" idx="1"/>
+            <a:endCxn id="8" idx="0"/>
+          </p:cNvCxnSpPr>
+          <p:nvPr/>
+        </p:nvCxnSpPr>
+        <p:spPr>
+          <a:xfrm flipH="1">
+            <a:off x="2720152" y="3938697"/>
+            <a:ext cx="1243026" cy="368477"/>
+          </a:xfrm>
+          <a:prstGeom prst="straightConnector1">
+            <a:avLst/>
+          </a:prstGeom>
+          <a:ln w="19050">
+            <a:solidFill>
+              <a:srgbClr val="FF0000"/>
+            </a:solidFill>
+            <a:tailEnd type="stealth" w="lg" len="lg"/>
+          </a:ln>
+        </p:spPr>
+        <p:style>
+          <a:lnRef idx="1">
+            <a:schemeClr val="accent1"/>
+          </a:lnRef>
+          <a:fillRef idx="0">
+            <a:schemeClr val="accent1"/>
+          </a:fillRef>
+          <a:effectRef idx="0">
+            <a:schemeClr val="accent1"/>
+          </a:effectRef>
+          <a:fontRef idx="minor">
+            <a:schemeClr val="tx1"/>
+          </a:fontRef>
+        </p:style>
+      </p:cxnSp>
+      <p:sp>
+        <p:nvSpPr>
+          <p:cNvPr id="14" name="Rounded Rectangular Callout 13">
+            <a:extLst>
+              <a:ext uri="{FF2B5EF4-FFF2-40B4-BE49-F238E27FC236}">
+                <a16:creationId xmlns:a16="http://schemas.microsoft.com/office/drawing/2014/main" id="{6BAD7619-89E3-C745-9455-0A0DF7C538C7}"/>
+              </a:ext>
+            </a:extLst>
+          </p:cNvPr>
+          <p:cNvSpPr/>
+          <p:nvPr/>
+        </p:nvSpPr>
+        <p:spPr>
+          <a:xfrm>
+            <a:off x="2303987" y="4744863"/>
+            <a:ext cx="3420141" cy="1033918"/>
+          </a:xfrm>
+          <a:prstGeom prst="wedgeRoundRectCallout">
+            <a:avLst>
+              <a:gd name="adj1" fmla="val -22975"/>
+              <a:gd name="adj2" fmla="val -64901"/>
+              <a:gd name="adj3" fmla="val 16667"/>
+            </a:avLst>
+          </a:prstGeom>
+          <a:solidFill>
+            <a:schemeClr val="accent6">
+              <a:lumMod val="60000"/>
+              <a:lumOff val="40000"/>
+            </a:schemeClr>
+          </a:solidFill>
+          <a:ln>
+            <a:noFill/>
+          </a:ln>
+        </p:spPr>
+        <p:style>
+          <a:lnRef idx="2">
+            <a:schemeClr val="accent1">
+              <a:shade val="50000"/>
+            </a:schemeClr>
+          </a:lnRef>
+          <a:fillRef idx="1">
+            <a:schemeClr val="accent1"/>
+          </a:fillRef>
+          <a:effectRef idx="0">
+            <a:schemeClr val="accent1"/>
+          </a:effectRef>
+          <a:fontRef idx="minor">
+            <a:schemeClr val="lt1"/>
+          </a:fontRef>
+        </p:style>
+        <p:txBody>
+          <a:bodyPr rtlCol="0" anchor="ctr"/>
+          <a:lstStyle/>
+          <a:p>
+            <a:r>
+              <a:rPr lang="en-US" sz="1600" dirty="0">
+                <a:solidFill>
+                  <a:schemeClr val="bg1"/>
+                </a:solidFill>
+                <a:latin typeface="Calibri Light" panose="020F0302020204030204" pitchFamily="34" charset="0"/>
+                <a:cs typeface="Calibri Light" panose="020F0302020204030204" pitchFamily="34" charset="0"/>
+              </a:rPr>
+              <a:t>The coefficient is essentially the correlation between these two lagged series, which is therefore ACF!</a:t>
+            </a:r>
+          </a:p>
+        </p:txBody>
+      </p:sp>
+    </p:spTree>
+    <p:extLst>
+      <p:ext uri="{BB962C8B-B14F-4D97-AF65-F5344CB8AC3E}">
+        <p14:creationId xmlns:p14="http://schemas.microsoft.com/office/powerpoint/2010/main" val="3988899719"/>
+      </p:ext>
+    </p:extLst>
+  </p:cSld>
+  <p:clrMapOvr>
+    <a:masterClrMapping/>
+  </p:clrMapOvr>
+  <p:timing>
+    <p:tnLst>
+      <p:par>
+        <p:cTn id="1" dur="indefinite" restart="never" nodeType="tmRoot">
+          <p:childTnLst>
+            <p:seq concurrent="1" nextAc="seek">
+              <p:cTn id="2" dur="indefinite" nodeType="mainSeq">
+                <p:childTnLst>
+                  <p:par>
+                    <p:cTn id="3" fill="hold">
+                      <p:stCondLst>
+                        <p:cond delay="indefinite"/>
+                      </p:stCondLst>
+                      <p:childTnLst>
+                        <p:par>
+                          <p:cTn id="4" fill="hold">
+                            <p:stCondLst>
+                              <p:cond delay="0"/>
+                            </p:stCondLst>
+                            <p:childTnLst>
+                              <p:par>
+                                <p:cTn id="5" presetID="1" presetClass="entr" presetSubtype="0" fill="hold" grpId="0" nodeType="clickEffect">
+                                  <p:stCondLst>
+                                    <p:cond delay="0"/>
+                                  </p:stCondLst>
+                                  <p:childTnLst>
+                                    <p:set>
+                                      <p:cBhvr>
+                                        <p:cTn id="6" dur="1" fill="hold">
+                                          <p:stCondLst>
+                                            <p:cond delay="0"/>
+                                          </p:stCondLst>
+                                        </p:cTn>
+                                        <p:tgtEl>
+                                          <p:spTgt spid="6"/>
+                                        </p:tgtEl>
+                                        <p:attrNameLst>
+                                          <p:attrName>style.visibility</p:attrName>
+                                        </p:attrNameLst>
+                                      </p:cBhvr>
+                                      <p:to>
+                                        <p:strVal val="visible"/>
+                                      </p:to>
+                                    </p:set>
+                                  </p:childTnLst>
+                                </p:cTn>
+                              </p:par>
+                            </p:childTnLst>
+                          </p:cTn>
+                        </p:par>
+                      </p:childTnLst>
+                    </p:cTn>
+                  </p:par>
+                  <p:par>
+                    <p:cTn id="7" fill="hold">
+                      <p:stCondLst>
+                        <p:cond delay="indefinite"/>
+                      </p:stCondLst>
+                      <p:childTnLst>
+                        <p:par>
+                          <p:cTn id="8" fill="hold">
+                            <p:stCondLst>
+                              <p:cond delay="0"/>
+                            </p:stCondLst>
+                            <p:childTnLst>
+                              <p:par>
+                                <p:cTn id="9" presetID="1" presetClass="entr" presetSubtype="0" fill="hold" grpId="0" nodeType="clickEffect">
+                                  <p:stCondLst>
+                                    <p:cond delay="0"/>
+                                  </p:stCondLst>
+                                  <p:childTnLst>
+                                    <p:set>
+                                      <p:cBhvr>
+                                        <p:cTn id="10" dur="1" fill="hold">
+                                          <p:stCondLst>
+                                            <p:cond delay="0"/>
+                                          </p:stCondLst>
+                                        </p:cTn>
+                                        <p:tgtEl>
+                                          <p:spTgt spid="7"/>
+                                        </p:tgtEl>
+                                        <p:attrNameLst>
+                                          <p:attrName>style.visibility</p:attrName>
+                                        </p:attrNameLst>
+                                      </p:cBhvr>
+                                      <p:to>
+                                        <p:strVal val="visible"/>
+                                      </p:to>
+                                    </p:set>
+                                  </p:childTnLst>
+                                </p:cTn>
+                              </p:par>
+                            </p:childTnLst>
+                          </p:cTn>
+                        </p:par>
+                      </p:childTnLst>
+                    </p:cTn>
+                  </p:par>
+                  <p:par>
+                    <p:cTn id="11" fill="hold">
+                      <p:stCondLst>
+                        <p:cond delay="indefinite"/>
+                      </p:stCondLst>
+                      <p:childTnLst>
+                        <p:par>
+                          <p:cTn id="12" fill="hold">
+                            <p:stCondLst>
+                              <p:cond delay="0"/>
+                            </p:stCondLst>
+                            <p:childTnLst>
+                              <p:par>
+                                <p:cTn id="13" presetID="1" presetClass="entr" presetSubtype="0" fill="hold" nodeType="clickEffect">
+                                  <p:stCondLst>
+                                    <p:cond delay="0"/>
+                                  </p:stCondLst>
+                                  <p:childTnLst>
+                                    <p:set>
+                                      <p:cBhvr>
+                                        <p:cTn id="14" dur="1" fill="hold">
+                                          <p:stCondLst>
+                                            <p:cond delay="0"/>
+                                          </p:stCondLst>
+                                        </p:cTn>
+                                        <p:tgtEl>
+                                          <p:spTgt spid="10"/>
+                                        </p:tgtEl>
+                                        <p:attrNameLst>
+                                          <p:attrName>style.visibility</p:attrName>
+                                        </p:attrNameLst>
+                                      </p:cBhvr>
+                                      <p:to>
+                                        <p:strVal val="visible"/>
+                                      </p:to>
+                                    </p:set>
+                                  </p:childTnLst>
+                                </p:cTn>
+                              </p:par>
+                              <p:par>
+                                <p:cTn id="15" presetID="1" presetClass="entr" presetSubtype="0" fill="hold" nodeType="withEffect">
+                                  <p:stCondLst>
+                                    <p:cond delay="0"/>
+                                  </p:stCondLst>
+                                  <p:childTnLst>
+                                    <p:set>
+                                      <p:cBhvr>
+                                        <p:cTn id="16" dur="1" fill="hold">
+                                          <p:stCondLst>
+                                            <p:cond delay="0"/>
+                                          </p:stCondLst>
+                                        </p:cTn>
+                                        <p:tgtEl>
+                                          <p:spTgt spid="11"/>
+                                        </p:tgtEl>
+                                        <p:attrNameLst>
+                                          <p:attrName>style.visibility</p:attrName>
+                                        </p:attrNameLst>
+                                      </p:cBhvr>
+                                      <p:to>
+                                        <p:strVal val="visible"/>
+                                      </p:to>
+                                    </p:set>
+                                  </p:childTnLst>
+                                </p:cTn>
+                              </p:par>
+                              <p:par>
+                                <p:cTn id="17" presetID="1" presetClass="entr" presetSubtype="0" fill="hold" grpId="0" nodeType="withEffect">
+                                  <p:stCondLst>
+                                    <p:cond delay="0"/>
+                                  </p:stCondLst>
+                                  <p:childTnLst>
+                                    <p:set>
+                                      <p:cBhvr>
+                                        <p:cTn id="18" dur="1" fill="hold">
+                                          <p:stCondLst>
+                                            <p:cond delay="0"/>
+                                          </p:stCondLst>
+                                        </p:cTn>
+                                        <p:tgtEl>
+                                          <p:spTgt spid="8"/>
+                                        </p:tgtEl>
+                                        <p:attrNameLst>
+                                          <p:attrName>style.visibility</p:attrName>
+                                        </p:attrNameLst>
+                                      </p:cBhvr>
+                                      <p:to>
+                                        <p:strVal val="visible"/>
+                                      </p:to>
+                                    </p:set>
+                                  </p:childTnLst>
+                                </p:cTn>
+                              </p:par>
+                            </p:childTnLst>
+                          </p:cTn>
+                        </p:par>
+                      </p:childTnLst>
+                    </p:cTn>
+                  </p:par>
+                  <p:par>
+                    <p:cTn id="19" fill="hold">
+                      <p:stCondLst>
+                        <p:cond delay="indefinite"/>
+                      </p:stCondLst>
+                      <p:childTnLst>
+                        <p:par>
+                          <p:cTn id="20" fill="hold">
+                            <p:stCondLst>
+                              <p:cond delay="0"/>
+                            </p:stCondLst>
+                            <p:childTnLst>
+                              <p:par>
+                                <p:cTn id="21" presetID="1" presetClass="entr" presetSubtype="0" fill="hold" grpId="0" nodeType="clickEffect">
+                                  <p:stCondLst>
+                                    <p:cond delay="0"/>
+                                  </p:stCondLst>
+                                  <p:childTnLst>
+                                    <p:set>
+                                      <p:cBhvr>
+                                        <p:cTn id="22" dur="1" fill="hold">
+                                          <p:stCondLst>
+                                            <p:cond delay="0"/>
+                                          </p:stCondLst>
+                                        </p:cTn>
+                                        <p:tgtEl>
+                                          <p:spTgt spid="14"/>
+                                        </p:tgtEl>
+                                        <p:attrNameLst>
+                                          <p:attrName>style.visibility</p:attrName>
+                                        </p:attrNameLst>
+                                      </p:cBhvr>
+                                      <p:to>
+                                        <p:strVal val="visible"/>
+                                      </p:to>
+                                    </p:set>
+                                  </p:childTnLst>
+                                </p:cTn>
+                              </p:par>
+                            </p:childTnLst>
+                          </p:cTn>
+                        </p:par>
+                      </p:childTnLst>
+                    </p:cTn>
+                  </p:par>
+                </p:childTnLst>
+              </p:cTn>
+              <p:prevCondLst>
+                <p:cond evt="onPrev" delay="0">
+                  <p:tgtEl>
+                    <p:sldTgt/>
+                  </p:tgtEl>
+                </p:cond>
+              </p:prevCondLst>
+              <p:nextCondLst>
+                <p:cond evt="onNext" delay="0">
+                  <p:tgtEl>
+                    <p:sldTgt/>
+                  </p:tgtEl>
+                </p:cond>
+              </p:nextCondLst>
+            </p:seq>
+          </p:childTnLst>
+        </p:cTn>
+      </p:par>
+    </p:tnLst>
+    <p:bldLst>
+      <p:bldP spid="6" grpId="0" animBg="1"/>
+      <p:bldP spid="7" grpId="0"/>
+      <p:bldP spid="8" grpId="0"/>
+      <p:bldP spid="14" grpId="0" animBg="1"/>
+    </p:bldLst>
+  </p:timing>
+</p:sld>
+</file>
+
+<file path=ppt/slides/slide21.xml><?xml version="1.0" encoding="utf-8"?>
 <p:sld xmlns:a="http://schemas.openxmlformats.org/drawingml/2006/main" xmlns:r="http://schemas.openxmlformats.org/officeDocument/2006/relationships" xmlns:p="http://schemas.openxmlformats.org/presentationml/2006/main">
   <p:cSld>
     <p:spTree>
@@ -6451,7 +9827,7 @@
 </p:sld>
 </file>
 
-<file path=ppt/slides/slide19.xml><?xml version="1.0" encoding="utf-8"?>
+<file path=ppt/slides/slide22.xml><?xml version="1.0" encoding="utf-8"?>
 <p:sld xmlns:a="http://schemas.openxmlformats.org/drawingml/2006/main" xmlns:r="http://schemas.openxmlformats.org/officeDocument/2006/relationships" xmlns:p="http://schemas.openxmlformats.org/presentationml/2006/main">
   <p:cSld>
     <p:spTree>
@@ -6675,206 +10051,7 @@
 </p:sld>
 </file>
 
-<file path=ppt/slides/slide2.xml><?xml version="1.0" encoding="utf-8"?>
-<p:sld xmlns:a="http://schemas.openxmlformats.org/drawingml/2006/main" xmlns:r="http://schemas.openxmlformats.org/officeDocument/2006/relationships" xmlns:p="http://schemas.openxmlformats.org/presentationml/2006/main">
-  <p:cSld>
-    <p:spTree>
-      <p:nvGrpSpPr>
-        <p:cNvPr id="1" name=""/>
-        <p:cNvGrpSpPr/>
-        <p:nvPr/>
-      </p:nvGrpSpPr>
-      <p:grpSpPr>
-        <a:xfrm>
-          <a:off x="0" y="0"/>
-          <a:ext cx="0" cy="0"/>
-          <a:chOff x="0" y="0"/>
-          <a:chExt cx="0" cy="0"/>
-        </a:xfrm>
-      </p:grpSpPr>
-      <p:sp>
-        <p:nvSpPr>
-          <p:cNvPr id="2" name="Title 1">
-            <a:extLst>
-              <a:ext uri="{FF2B5EF4-FFF2-40B4-BE49-F238E27FC236}">
-                <a16:creationId xmlns:a16="http://schemas.microsoft.com/office/drawing/2014/main" id="{554B61D7-38BB-7947-B1E5-6B56D0B1ECBD}"/>
-              </a:ext>
-            </a:extLst>
-          </p:cNvPr>
-          <p:cNvSpPr>
-            <a:spLocks noGrp="1"/>
-          </p:cNvSpPr>
-          <p:nvPr>
-            <p:ph type="title"/>
-          </p:nvPr>
-        </p:nvSpPr>
-        <p:spPr/>
-        <p:txBody>
-          <a:bodyPr/>
-          <a:lstStyle/>
-          <a:p>
-            <a:r>
-              <a:rPr lang="en-US" dirty="0"/>
-              <a:t>Forecasting</a:t>
-            </a:r>
-          </a:p>
-        </p:txBody>
-      </p:sp>
-      <p:sp>
-        <p:nvSpPr>
-          <p:cNvPr id="6" name="AutoShape 6">
-            <a:extLst>
-              <a:ext uri="{FF2B5EF4-FFF2-40B4-BE49-F238E27FC236}">
-                <a16:creationId xmlns:a16="http://schemas.microsoft.com/office/drawing/2014/main" id="{A6105A14-9A91-5942-AA4F-076BFCF193CE}"/>
-              </a:ext>
-            </a:extLst>
-          </p:cNvPr>
-          <p:cNvSpPr>
-            <a:spLocks noChangeAspect="1" noChangeArrowheads="1"/>
-          </p:cNvSpPr>
-          <p:nvPr/>
-        </p:nvSpPr>
-        <p:spPr bwMode="auto">
-          <a:xfrm>
-            <a:off x="4419600" y="3276600"/>
-            <a:ext cx="304800" cy="304800"/>
-          </a:xfrm>
-          <a:prstGeom prst="rect">
-            <a:avLst/>
-          </a:prstGeom>
-          <a:noFill/>
-          <a:extLst>
-            <a:ext uri="{909E8E84-426E-40DD-AFC4-6F175D3DCCD1}">
-              <a14:hiddenFill xmlns:a14="http://schemas.microsoft.com/office/drawing/2010/main">
-                <a:solidFill>
-                  <a:srgbClr val="FFFFFF"/>
-                </a:solidFill>
-              </a14:hiddenFill>
-            </a:ext>
-          </a:extLst>
-        </p:spPr>
-        <p:txBody>
-          <a:bodyPr vert="horz" wrap="square" lIns="91440" tIns="45720" rIns="91440" bIns="45720" numCol="1" anchor="t" anchorCtr="0" compatLnSpc="1">
-            <a:prstTxWarp prst="textNoShape">
-              <a:avLst/>
-            </a:prstTxWarp>
-          </a:bodyPr>
-          <a:lstStyle/>
-          <a:p>
-            <a:endParaRPr lang="en-US"/>
-          </a:p>
-        </p:txBody>
-      </p:sp>
-      <p:pic>
-        <p:nvPicPr>
-          <p:cNvPr id="1032" name="Picture 8">
-            <a:extLst>
-              <a:ext uri="{FF2B5EF4-FFF2-40B4-BE49-F238E27FC236}">
-                <a16:creationId xmlns:a16="http://schemas.microsoft.com/office/drawing/2014/main" id="{A8170890-F48B-994B-9832-4BE13508E62F}"/>
-              </a:ext>
-            </a:extLst>
-          </p:cNvPr>
-          <p:cNvPicPr>
-            <a:picLocks noGrp="1" noChangeAspect="1" noChangeArrowheads="1"/>
-          </p:cNvPicPr>
-          <p:nvPr>
-            <p:ph idx="1"/>
-          </p:nvPr>
-        </p:nvPicPr>
-        <p:blipFill>
-          <a:blip r:embed="rId3" cstate="screen">
-            <a:extLst>
-              <a:ext uri="{28A0092B-C50C-407E-A947-70E740481C1C}">
-                <a14:useLocalDpi xmlns:a14="http://schemas.microsoft.com/office/drawing/2010/main"/>
-              </a:ext>
-            </a:extLst>
-          </a:blip>
-          <a:srcRect/>
-          <a:stretch>
-            <a:fillRect/>
-          </a:stretch>
-        </p:blipFill>
-        <p:spPr bwMode="auto">
-          <a:xfrm>
-            <a:off x="179512" y="1628800"/>
-            <a:ext cx="6775198" cy="2545992"/>
-          </a:xfrm>
-          <a:prstGeom prst="rect">
-            <a:avLst/>
-          </a:prstGeom>
-          <a:noFill/>
-          <a:extLst>
-            <a:ext uri="{909E8E84-426E-40DD-AFC4-6F175D3DCCD1}">
-              <a14:hiddenFill xmlns:a14="http://schemas.microsoft.com/office/drawing/2010/main">
-                <a:solidFill>
-                  <a:srgbClr val="FFFFFF"/>
-                </a:solidFill>
-              </a14:hiddenFill>
-            </a:ext>
-          </a:extLst>
-        </p:spPr>
-      </p:pic>
-      <p:pic>
-        <p:nvPicPr>
-          <p:cNvPr id="1034" name="Picture 10">
-            <a:extLst>
-              <a:ext uri="{FF2B5EF4-FFF2-40B4-BE49-F238E27FC236}">
-                <a16:creationId xmlns:a16="http://schemas.microsoft.com/office/drawing/2014/main" id="{022C6635-DBF3-FA43-9D93-82C1C2A5334C}"/>
-              </a:ext>
-            </a:extLst>
-          </p:cNvPr>
-          <p:cNvPicPr>
-            <a:picLocks noChangeAspect="1" noChangeArrowheads="1"/>
-          </p:cNvPicPr>
-          <p:nvPr/>
-        </p:nvPicPr>
-        <p:blipFill>
-          <a:blip r:embed="rId4" cstate="screen">
-            <a:extLst>
-              <a:ext uri="{28A0092B-C50C-407E-A947-70E740481C1C}">
-                <a14:useLocalDpi xmlns:a14="http://schemas.microsoft.com/office/drawing/2010/main"/>
-              </a:ext>
-            </a:extLst>
-          </a:blip>
-          <a:srcRect/>
-          <a:stretch>
-            <a:fillRect/>
-          </a:stretch>
-        </p:blipFill>
-        <p:spPr bwMode="auto">
-          <a:xfrm>
-            <a:off x="4724400" y="3525224"/>
-            <a:ext cx="4443701" cy="3332776"/>
-          </a:xfrm>
-          <a:prstGeom prst="rect">
-            <a:avLst/>
-          </a:prstGeom>
-          <a:noFill/>
-          <a:extLst>
-            <a:ext uri="{909E8E84-426E-40DD-AFC4-6F175D3DCCD1}">
-              <a14:hiddenFill xmlns:a14="http://schemas.microsoft.com/office/drawing/2010/main">
-                <a:solidFill>
-                  <a:srgbClr val="FFFFFF"/>
-                </a:solidFill>
-              </a14:hiddenFill>
-            </a:ext>
-          </a:extLst>
-        </p:spPr>
-      </p:pic>
-    </p:spTree>
-    <p:extLst>
-      <p:ext uri="{BB962C8B-B14F-4D97-AF65-F5344CB8AC3E}">
-        <p14:creationId xmlns:p14="http://schemas.microsoft.com/office/powerpoint/2010/main" val="1314010638"/>
-      </p:ext>
-    </p:extLst>
-  </p:cSld>
-  <p:clrMapOvr>
-    <a:masterClrMapping/>
-  </p:clrMapOvr>
-</p:sld>
-</file>
-
-<file path=ppt/slides/slide20.xml><?xml version="1.0" encoding="utf-8"?>
+<file path=ppt/slides/slide23.xml><?xml version="1.0" encoding="utf-8"?>
 <p:sld xmlns:a="http://schemas.openxmlformats.org/drawingml/2006/main" xmlns:r="http://schemas.openxmlformats.org/officeDocument/2006/relationships" xmlns:p="http://schemas.openxmlformats.org/presentationml/2006/main">
   <p:cSld>
     <p:spTree>
@@ -7102,7 +10279,7 @@
 </p:sld>
 </file>
 
-<file path=ppt/slides/slide21.xml><?xml version="1.0" encoding="utf-8"?>
+<file path=ppt/slides/slide24.xml><?xml version="1.0" encoding="utf-8"?>
 <p:sld xmlns:a="http://schemas.openxmlformats.org/drawingml/2006/main" xmlns:r="http://schemas.openxmlformats.org/officeDocument/2006/relationships" xmlns:p="http://schemas.openxmlformats.org/presentationml/2006/main">
   <p:cSld>
     <p:spTree>
@@ -7369,7 +10546,7 @@
 </p:sld>
 </file>
 
-<file path=ppt/slides/slide22.xml><?xml version="1.0" encoding="utf-8"?>
+<file path=ppt/slides/slide25.xml><?xml version="1.0" encoding="utf-8"?>
 <p:sld xmlns:a="http://schemas.openxmlformats.org/drawingml/2006/main" xmlns:r="http://schemas.openxmlformats.org/officeDocument/2006/relationships" xmlns:p="http://schemas.openxmlformats.org/presentationml/2006/main">
   <p:cSld>
     <p:spTree>
@@ -7940,7 +11117,7 @@
 </p:sld>
 </file>
 
-<file path=ppt/slides/slide23.xml><?xml version="1.0" encoding="utf-8"?>
+<file path=ppt/slides/slide26.xml><?xml version="1.0" encoding="utf-8"?>
 <p:sld xmlns:a="http://schemas.openxmlformats.org/drawingml/2006/main" xmlns:r="http://schemas.openxmlformats.org/officeDocument/2006/relationships" xmlns:p="http://schemas.openxmlformats.org/presentationml/2006/main">
   <p:cSld>
     <p:spTree>
@@ -8201,7 +11378,7 @@
 </p:sld>
 </file>
 
-<file path=ppt/slides/slide24.xml><?xml version="1.0" encoding="utf-8"?>
+<file path=ppt/slides/slide27.xml><?xml version="1.0" encoding="utf-8"?>
 <p:sld xmlns:a="http://schemas.openxmlformats.org/drawingml/2006/main" xmlns:r="http://schemas.openxmlformats.org/officeDocument/2006/relationships" xmlns:p="http://schemas.openxmlformats.org/presentationml/2006/main">
   <p:cSld>
     <p:spTree>
@@ -8813,7 +11990,7 @@
 </p:sld>
 </file>
 
-<file path=ppt/slides/slide25.xml><?xml version="1.0" encoding="utf-8"?>
+<file path=ppt/slides/slide28.xml><?xml version="1.0" encoding="utf-8"?>
 <p:sld xmlns:a="http://schemas.openxmlformats.org/drawingml/2006/main" xmlns:r="http://schemas.openxmlformats.org/officeDocument/2006/relationships" xmlns:p="http://schemas.openxmlformats.org/presentationml/2006/main">
   <p:cSld>
     <p:spTree>
@@ -9336,7 +12513,7 @@
 </p:sld>
 </file>
 
-<file path=ppt/slides/slide26.xml><?xml version="1.0" encoding="utf-8"?>
+<file path=ppt/slides/slide29.xml><?xml version="1.0" encoding="utf-8"?>
 <p:sld xmlns:a="http://schemas.openxmlformats.org/drawingml/2006/main" xmlns:r="http://schemas.openxmlformats.org/officeDocument/2006/relationships" xmlns:p="http://schemas.openxmlformats.org/presentationml/2006/main">
   <p:cSld>
     <p:spTree>
@@ -9934,7 +13111,206 @@
 </p:sld>
 </file>
 
-<file path=ppt/slides/slide27.xml><?xml version="1.0" encoding="utf-8"?>
+<file path=ppt/slides/slide3.xml><?xml version="1.0" encoding="utf-8"?>
+<p:sld xmlns:a="http://schemas.openxmlformats.org/drawingml/2006/main" xmlns:r="http://schemas.openxmlformats.org/officeDocument/2006/relationships" xmlns:p="http://schemas.openxmlformats.org/presentationml/2006/main">
+  <p:cSld>
+    <p:spTree>
+      <p:nvGrpSpPr>
+        <p:cNvPr id="1" name=""/>
+        <p:cNvGrpSpPr/>
+        <p:nvPr/>
+      </p:nvGrpSpPr>
+      <p:grpSpPr>
+        <a:xfrm>
+          <a:off x="0" y="0"/>
+          <a:ext cx="0" cy="0"/>
+          <a:chOff x="0" y="0"/>
+          <a:chExt cx="0" cy="0"/>
+        </a:xfrm>
+      </p:grpSpPr>
+      <p:sp>
+        <p:nvSpPr>
+          <p:cNvPr id="2" name="Title 1">
+            <a:extLst>
+              <a:ext uri="{FF2B5EF4-FFF2-40B4-BE49-F238E27FC236}">
+                <a16:creationId xmlns:a16="http://schemas.microsoft.com/office/drawing/2014/main" id="{554B61D7-38BB-7947-B1E5-6B56D0B1ECBD}"/>
+              </a:ext>
+            </a:extLst>
+          </p:cNvPr>
+          <p:cNvSpPr>
+            <a:spLocks noGrp="1"/>
+          </p:cNvSpPr>
+          <p:nvPr>
+            <p:ph type="title"/>
+          </p:nvPr>
+        </p:nvSpPr>
+        <p:spPr/>
+        <p:txBody>
+          <a:bodyPr/>
+          <a:lstStyle/>
+          <a:p>
+            <a:r>
+              <a:rPr lang="en-US" dirty="0"/>
+              <a:t>Forecasting</a:t>
+            </a:r>
+          </a:p>
+        </p:txBody>
+      </p:sp>
+      <p:sp>
+        <p:nvSpPr>
+          <p:cNvPr id="6" name="AutoShape 6">
+            <a:extLst>
+              <a:ext uri="{FF2B5EF4-FFF2-40B4-BE49-F238E27FC236}">
+                <a16:creationId xmlns:a16="http://schemas.microsoft.com/office/drawing/2014/main" id="{A6105A14-9A91-5942-AA4F-076BFCF193CE}"/>
+              </a:ext>
+            </a:extLst>
+          </p:cNvPr>
+          <p:cNvSpPr>
+            <a:spLocks noChangeAspect="1" noChangeArrowheads="1"/>
+          </p:cNvSpPr>
+          <p:nvPr/>
+        </p:nvSpPr>
+        <p:spPr bwMode="auto">
+          <a:xfrm>
+            <a:off x="4419600" y="3276600"/>
+            <a:ext cx="304800" cy="304800"/>
+          </a:xfrm>
+          <a:prstGeom prst="rect">
+            <a:avLst/>
+          </a:prstGeom>
+          <a:noFill/>
+          <a:extLst>
+            <a:ext uri="{909E8E84-426E-40DD-AFC4-6F175D3DCCD1}">
+              <a14:hiddenFill xmlns:a14="http://schemas.microsoft.com/office/drawing/2010/main">
+                <a:solidFill>
+                  <a:srgbClr val="FFFFFF"/>
+                </a:solidFill>
+              </a14:hiddenFill>
+            </a:ext>
+          </a:extLst>
+        </p:spPr>
+        <p:txBody>
+          <a:bodyPr vert="horz" wrap="square" lIns="91440" tIns="45720" rIns="91440" bIns="45720" numCol="1" anchor="t" anchorCtr="0" compatLnSpc="1">
+            <a:prstTxWarp prst="textNoShape">
+              <a:avLst/>
+            </a:prstTxWarp>
+          </a:bodyPr>
+          <a:lstStyle/>
+          <a:p>
+            <a:endParaRPr lang="en-US"/>
+          </a:p>
+        </p:txBody>
+      </p:sp>
+      <p:pic>
+        <p:nvPicPr>
+          <p:cNvPr id="1032" name="Picture 8">
+            <a:extLst>
+              <a:ext uri="{FF2B5EF4-FFF2-40B4-BE49-F238E27FC236}">
+                <a16:creationId xmlns:a16="http://schemas.microsoft.com/office/drawing/2014/main" id="{A8170890-F48B-994B-9832-4BE13508E62F}"/>
+              </a:ext>
+            </a:extLst>
+          </p:cNvPr>
+          <p:cNvPicPr>
+            <a:picLocks noGrp="1" noChangeAspect="1" noChangeArrowheads="1"/>
+          </p:cNvPicPr>
+          <p:nvPr>
+            <p:ph idx="1"/>
+          </p:nvPr>
+        </p:nvPicPr>
+        <p:blipFill>
+          <a:blip r:embed="rId3" cstate="screen">
+            <a:extLst>
+              <a:ext uri="{28A0092B-C50C-407E-A947-70E740481C1C}">
+                <a14:useLocalDpi xmlns:a14="http://schemas.microsoft.com/office/drawing/2010/main"/>
+              </a:ext>
+            </a:extLst>
+          </a:blip>
+          <a:srcRect/>
+          <a:stretch>
+            <a:fillRect/>
+          </a:stretch>
+        </p:blipFill>
+        <p:spPr bwMode="auto">
+          <a:xfrm>
+            <a:off x="179512" y="1628800"/>
+            <a:ext cx="6775198" cy="2545992"/>
+          </a:xfrm>
+          <a:prstGeom prst="rect">
+            <a:avLst/>
+          </a:prstGeom>
+          <a:noFill/>
+          <a:extLst>
+            <a:ext uri="{909E8E84-426E-40DD-AFC4-6F175D3DCCD1}">
+              <a14:hiddenFill xmlns:a14="http://schemas.microsoft.com/office/drawing/2010/main">
+                <a:solidFill>
+                  <a:srgbClr val="FFFFFF"/>
+                </a:solidFill>
+              </a14:hiddenFill>
+            </a:ext>
+          </a:extLst>
+        </p:spPr>
+      </p:pic>
+      <p:pic>
+        <p:nvPicPr>
+          <p:cNvPr id="1034" name="Picture 10">
+            <a:extLst>
+              <a:ext uri="{FF2B5EF4-FFF2-40B4-BE49-F238E27FC236}">
+                <a16:creationId xmlns:a16="http://schemas.microsoft.com/office/drawing/2014/main" id="{022C6635-DBF3-FA43-9D93-82C1C2A5334C}"/>
+              </a:ext>
+            </a:extLst>
+          </p:cNvPr>
+          <p:cNvPicPr>
+            <a:picLocks noChangeAspect="1" noChangeArrowheads="1"/>
+          </p:cNvPicPr>
+          <p:nvPr/>
+        </p:nvPicPr>
+        <p:blipFill>
+          <a:blip r:embed="rId4" cstate="screen">
+            <a:extLst>
+              <a:ext uri="{28A0092B-C50C-407E-A947-70E740481C1C}">
+                <a14:useLocalDpi xmlns:a14="http://schemas.microsoft.com/office/drawing/2010/main"/>
+              </a:ext>
+            </a:extLst>
+          </a:blip>
+          <a:srcRect/>
+          <a:stretch>
+            <a:fillRect/>
+          </a:stretch>
+        </p:blipFill>
+        <p:spPr bwMode="auto">
+          <a:xfrm>
+            <a:off x="4724400" y="3525224"/>
+            <a:ext cx="4443701" cy="3332776"/>
+          </a:xfrm>
+          <a:prstGeom prst="rect">
+            <a:avLst/>
+          </a:prstGeom>
+          <a:noFill/>
+          <a:extLst>
+            <a:ext uri="{909E8E84-426E-40DD-AFC4-6F175D3DCCD1}">
+              <a14:hiddenFill xmlns:a14="http://schemas.microsoft.com/office/drawing/2010/main">
+                <a:solidFill>
+                  <a:srgbClr val="FFFFFF"/>
+                </a:solidFill>
+              </a14:hiddenFill>
+            </a:ext>
+          </a:extLst>
+        </p:spPr>
+      </p:pic>
+    </p:spTree>
+    <p:extLst>
+      <p:ext uri="{BB962C8B-B14F-4D97-AF65-F5344CB8AC3E}">
+        <p14:creationId xmlns:p14="http://schemas.microsoft.com/office/powerpoint/2010/main" val="1314010638"/>
+      </p:ext>
+    </p:extLst>
+  </p:cSld>
+  <p:clrMapOvr>
+    <a:masterClrMapping/>
+  </p:clrMapOvr>
+</p:sld>
+</file>
+
+<file path=ppt/slides/slide30.xml><?xml version="1.0" encoding="utf-8"?>
 <p:sld xmlns:a="http://schemas.openxmlformats.org/drawingml/2006/main" xmlns:r="http://schemas.openxmlformats.org/officeDocument/2006/relationships" xmlns:p="http://schemas.openxmlformats.org/presentationml/2006/main">
   <p:cSld>
     <p:spTree>
@@ -10181,7 +13557,7 @@
 </p:sld>
 </file>
 
-<file path=ppt/slides/slide28.xml><?xml version="1.0" encoding="utf-8"?>
+<file path=ppt/slides/slide31.xml><?xml version="1.0" encoding="utf-8"?>
 <p:sld xmlns:a="http://schemas.openxmlformats.org/drawingml/2006/main" xmlns:r="http://schemas.openxmlformats.org/officeDocument/2006/relationships" xmlns:p="http://schemas.openxmlformats.org/presentationml/2006/main">
   <p:cSld>
     <p:spTree>
@@ -10198,6 +13574,38 @@
           <a:chExt cx="0" cy="0"/>
         </a:xfrm>
       </p:grpSpPr>
+      <p:pic>
+        <p:nvPicPr>
+          <p:cNvPr id="4" name="Content Placeholder 3">
+            <a:extLst>
+              <a:ext uri="{FF2B5EF4-FFF2-40B4-BE49-F238E27FC236}">
+                <a16:creationId xmlns:a16="http://schemas.microsoft.com/office/drawing/2014/main" id="{F6CDCC96-5622-3E45-8B39-020A55DA6B5A}"/>
+              </a:ext>
+            </a:extLst>
+          </p:cNvPr>
+          <p:cNvPicPr>
+            <a:picLocks noGrp="1" noChangeAspect="1"/>
+          </p:cNvPicPr>
+          <p:nvPr>
+            <p:ph idx="1"/>
+          </p:nvPr>
+        </p:nvPicPr>
+        <p:blipFill>
+          <a:blip r:embed="rId2"/>
+          <a:stretch>
+            <a:fillRect/>
+          </a:stretch>
+        </p:blipFill>
+        <p:spPr>
+          <a:xfrm>
+            <a:off x="109761" y="2060848"/>
+            <a:ext cx="8924477" cy="3038332"/>
+          </a:xfrm>
+          <a:prstGeom prst="rect">
+            <a:avLst/>
+          </a:prstGeom>
+        </p:spPr>
+      </p:pic>
       <p:sp>
         <p:nvSpPr>
           <p:cNvPr id="2" name="Title 1">
@@ -10226,37 +13634,6 @@
           </a:p>
         </p:txBody>
       </p:sp>
-      <p:pic>
-        <p:nvPicPr>
-          <p:cNvPr id="6" name="Content Placeholder 5">
-            <a:extLst>
-              <a:ext uri="{FF2B5EF4-FFF2-40B4-BE49-F238E27FC236}">
-                <a16:creationId xmlns:a16="http://schemas.microsoft.com/office/drawing/2014/main" id="{6052B2DD-E600-C54A-B593-2CD64E1824AE}"/>
-              </a:ext>
-            </a:extLst>
-          </p:cNvPr>
-          <p:cNvPicPr>
-            <a:picLocks noGrp="1" noChangeAspect="1"/>
-          </p:cNvPicPr>
-          <p:nvPr>
-            <p:ph idx="1"/>
-          </p:nvPr>
-        </p:nvPicPr>
-        <p:blipFill rotWithShape="1">
-          <a:blip r:embed="rId2"/>
-          <a:srcRect r="1174"/>
-          <a:stretch/>
-        </p:blipFill>
-        <p:spPr>
-          <a:xfrm>
-            <a:off x="0" y="2199899"/>
-            <a:ext cx="9144000" cy="3039081"/>
-          </a:xfrm>
-          <a:prstGeom prst="rect">
-            <a:avLst/>
-          </a:prstGeom>
-        </p:spPr>
-      </p:pic>
       <p:sp>
         <p:nvSpPr>
           <p:cNvPr id="7" name="Rounded Rectangular Callout 6">
@@ -10350,7 +13727,7 @@
         </p:nvSpPr>
         <p:spPr>
           <a:xfrm>
-            <a:off x="1691680" y="3721703"/>
+            <a:off x="1835696" y="4036731"/>
             <a:ext cx="422879" cy="648072"/>
           </a:xfrm>
           <a:prstGeom prst="ellipse">
@@ -10402,8 +13779,8 @@
         </p:nvSpPr>
         <p:spPr>
           <a:xfrm>
-            <a:off x="6444208" y="2852936"/>
-            <a:ext cx="720080" cy="1524762"/>
+            <a:off x="6273357" y="3716632"/>
+            <a:ext cx="504056" cy="948698"/>
           </a:xfrm>
           <a:prstGeom prst="ellipse">
             <a:avLst/>
@@ -10605,7 +13982,7 @@
 </p:sld>
 </file>
 
-<file path=ppt/slides/slide29.xml><?xml version="1.0" encoding="utf-8"?>
+<file path=ppt/slides/slide32.xml><?xml version="1.0" encoding="utf-8"?>
 <p:sld xmlns:a="http://schemas.openxmlformats.org/drawingml/2006/main" xmlns:r="http://schemas.openxmlformats.org/officeDocument/2006/relationships" xmlns:p="http://schemas.openxmlformats.org/presentationml/2006/main">
   <p:cSld>
     <p:spTree>
@@ -10650,37 +14027,6 @@
           </a:p>
         </p:txBody>
       </p:sp>
-      <p:pic>
-        <p:nvPicPr>
-          <p:cNvPr id="4" name="Content Placeholder 3">
-            <a:extLst>
-              <a:ext uri="{FF2B5EF4-FFF2-40B4-BE49-F238E27FC236}">
-                <a16:creationId xmlns:a16="http://schemas.microsoft.com/office/drawing/2014/main" id="{B250697D-E0F4-8442-9264-149791149C6C}"/>
-              </a:ext>
-            </a:extLst>
-          </p:cNvPr>
-          <p:cNvPicPr>
-            <a:picLocks noGrp="1" noChangeAspect="1"/>
-          </p:cNvPicPr>
-          <p:nvPr>
-            <p:ph idx="1"/>
-          </p:nvPr>
-        </p:nvPicPr>
-        <p:blipFill rotWithShape="1">
-          <a:blip r:embed="rId2"/>
-          <a:srcRect r="1121"/>
-          <a:stretch/>
-        </p:blipFill>
-        <p:spPr>
-          <a:xfrm>
-            <a:off x="15283" y="2923230"/>
-            <a:ext cx="9128717" cy="3934770"/>
-          </a:xfrm>
-          <a:prstGeom prst="rect">
-            <a:avLst/>
-          </a:prstGeom>
-        </p:spPr>
-      </p:pic>
       <p:sp>
         <p:nvSpPr>
           <p:cNvPr id="5" name="Rounded Rectangular Callout 4">
@@ -10815,6 +14161,38 @@
           </a:p>
         </p:txBody>
       </p:sp>
+      <p:pic>
+        <p:nvPicPr>
+          <p:cNvPr id="7" name="Content Placeholder 6">
+            <a:extLst>
+              <a:ext uri="{FF2B5EF4-FFF2-40B4-BE49-F238E27FC236}">
+                <a16:creationId xmlns:a16="http://schemas.microsoft.com/office/drawing/2014/main" id="{0D750CA7-DF8B-904A-B781-416F12D07233}"/>
+              </a:ext>
+            </a:extLst>
+          </p:cNvPr>
+          <p:cNvPicPr>
+            <a:picLocks noGrp="1" noChangeAspect="1"/>
+          </p:cNvPicPr>
+          <p:nvPr>
+            <p:ph idx="1"/>
+          </p:nvPr>
+        </p:nvPicPr>
+        <p:blipFill>
+          <a:blip r:embed="rId2"/>
+          <a:stretch>
+            <a:fillRect/>
+          </a:stretch>
+        </p:blipFill>
+        <p:spPr>
+          <a:xfrm>
+            <a:off x="170290" y="3155899"/>
+            <a:ext cx="8803420" cy="3702101"/>
+          </a:xfrm>
+          <a:prstGeom prst="rect">
+            <a:avLst/>
+          </a:prstGeom>
+        </p:spPr>
+      </p:pic>
     </p:spTree>
     <p:extLst>
       <p:ext uri="{BB962C8B-B14F-4D97-AF65-F5344CB8AC3E}">
@@ -10828,336 +14206,7 @@
 </p:sld>
 </file>
 
-<file path=ppt/slides/slide3.xml><?xml version="1.0" encoding="utf-8"?>
-<p:sld xmlns:a="http://schemas.openxmlformats.org/drawingml/2006/main" xmlns:r="http://schemas.openxmlformats.org/officeDocument/2006/relationships" xmlns:p="http://schemas.openxmlformats.org/presentationml/2006/main">
-  <p:cSld>
-    <p:spTree>
-      <p:nvGrpSpPr>
-        <p:cNvPr id="1" name=""/>
-        <p:cNvGrpSpPr/>
-        <p:nvPr/>
-      </p:nvGrpSpPr>
-      <p:grpSpPr>
-        <a:xfrm>
-          <a:off x="0" y="0"/>
-          <a:ext cx="0" cy="0"/>
-          <a:chOff x="0" y="0"/>
-          <a:chExt cx="0" cy="0"/>
-        </a:xfrm>
-      </p:grpSpPr>
-      <p:sp>
-        <p:nvSpPr>
-          <p:cNvPr id="2" name="Title 1">
-            <a:extLst>
-              <a:ext uri="{FF2B5EF4-FFF2-40B4-BE49-F238E27FC236}">
-                <a16:creationId xmlns:a16="http://schemas.microsoft.com/office/drawing/2014/main" id="{DE1A2009-D19E-4D4C-BC4D-A7AD347C6C32}"/>
-              </a:ext>
-            </a:extLst>
-          </p:cNvPr>
-          <p:cNvSpPr>
-            <a:spLocks noGrp="1"/>
-          </p:cNvSpPr>
-          <p:nvPr>
-            <p:ph type="title"/>
-          </p:nvPr>
-        </p:nvSpPr>
-        <p:spPr/>
-        <p:txBody>
-          <a:bodyPr/>
-          <a:lstStyle/>
-          <a:p>
-            <a:r>
-              <a:rPr lang="en-US" dirty="0"/>
-              <a:t>What we will talk about</a:t>
-            </a:r>
-          </a:p>
-        </p:txBody>
-      </p:sp>
-      <p:sp>
-        <p:nvSpPr>
-          <p:cNvPr id="3" name="Content Placeholder 2">
-            <a:extLst>
-              <a:ext uri="{FF2B5EF4-FFF2-40B4-BE49-F238E27FC236}">
-                <a16:creationId xmlns:a16="http://schemas.microsoft.com/office/drawing/2014/main" id="{3CF82C53-0681-C047-B84D-B6E14EE290D8}"/>
-              </a:ext>
-            </a:extLst>
-          </p:cNvPr>
-          <p:cNvSpPr>
-            <a:spLocks noGrp="1"/>
-          </p:cNvSpPr>
-          <p:nvPr>
-            <p:ph idx="1"/>
-          </p:nvPr>
-        </p:nvSpPr>
-        <p:spPr/>
-        <p:txBody>
-          <a:bodyPr/>
-          <a:lstStyle/>
-          <a:p>
-            <a:r>
-              <a:rPr lang="en-US" dirty="0"/>
-              <a:t>Time series features</a:t>
-            </a:r>
-          </a:p>
-          <a:p>
-            <a:endParaRPr lang="en-US" dirty="0"/>
-          </a:p>
-          <a:p>
-            <a:r>
-              <a:rPr lang="en-US" dirty="0"/>
-              <a:t>Exponential Smoothing</a:t>
-            </a:r>
-          </a:p>
-          <a:p>
-            <a:pPr marL="0" indent="0">
-              <a:buNone/>
-            </a:pPr>
-            <a:endParaRPr lang="en-US" dirty="0"/>
-          </a:p>
-          <a:p>
-            <a:r>
-              <a:rPr lang="en-US" dirty="0" err="1"/>
-              <a:t>AutoRegresison</a:t>
-            </a:r>
-            <a:endParaRPr lang="en-US" dirty="0"/>
-          </a:p>
-        </p:txBody>
-      </p:sp>
-      <p:sp>
-        <p:nvSpPr>
-          <p:cNvPr id="4" name="Right Brace 3">
-            <a:extLst>
-              <a:ext uri="{FF2B5EF4-FFF2-40B4-BE49-F238E27FC236}">
-                <a16:creationId xmlns:a16="http://schemas.microsoft.com/office/drawing/2014/main" id="{76880815-63E4-BF45-8231-6E9715C16D16}"/>
-              </a:ext>
-            </a:extLst>
-          </p:cNvPr>
-          <p:cNvSpPr/>
-          <p:nvPr/>
-        </p:nvSpPr>
-        <p:spPr>
-          <a:xfrm>
-            <a:off x="5364088" y="1583323"/>
-            <a:ext cx="360040" cy="2079334"/>
-          </a:xfrm>
-          <a:prstGeom prst="rightBrace">
-            <a:avLst>
-              <a:gd name="adj1" fmla="val 24475"/>
-              <a:gd name="adj2" fmla="val 50000"/>
-            </a:avLst>
-          </a:prstGeom>
-        </p:spPr>
-        <p:style>
-          <a:lnRef idx="1">
-            <a:schemeClr val="dk1"/>
-          </a:lnRef>
-          <a:fillRef idx="0">
-            <a:schemeClr val="dk1"/>
-          </a:fillRef>
-          <a:effectRef idx="0">
-            <a:schemeClr val="dk1"/>
-          </a:effectRef>
-          <a:fontRef idx="minor">
-            <a:schemeClr val="tx1"/>
-          </a:fontRef>
-        </p:style>
-        <p:txBody>
-          <a:bodyPr rtlCol="0" anchor="ctr"/>
-          <a:lstStyle/>
-          <a:p>
-            <a:pPr algn="ctr"/>
-            <a:endParaRPr lang="en-US"/>
-          </a:p>
-        </p:txBody>
-      </p:sp>
-      <p:sp>
-        <p:nvSpPr>
-          <p:cNvPr id="5" name="Right Brace 4">
-            <a:extLst>
-              <a:ext uri="{FF2B5EF4-FFF2-40B4-BE49-F238E27FC236}">
-                <a16:creationId xmlns:a16="http://schemas.microsoft.com/office/drawing/2014/main" id="{0757E437-90C3-044A-B748-ABAB98E4F3D5}"/>
-              </a:ext>
-            </a:extLst>
-          </p:cNvPr>
-          <p:cNvSpPr/>
-          <p:nvPr/>
-        </p:nvSpPr>
-        <p:spPr>
-          <a:xfrm>
-            <a:off x="5364088" y="4097855"/>
-            <a:ext cx="360040" cy="771305"/>
-          </a:xfrm>
-          <a:prstGeom prst="rightBrace">
-            <a:avLst>
-              <a:gd name="adj1" fmla="val 24475"/>
-              <a:gd name="adj2" fmla="val 50000"/>
-            </a:avLst>
-          </a:prstGeom>
-        </p:spPr>
-        <p:style>
-          <a:lnRef idx="1">
-            <a:schemeClr val="dk1"/>
-          </a:lnRef>
-          <a:fillRef idx="0">
-            <a:schemeClr val="dk1"/>
-          </a:fillRef>
-          <a:effectRef idx="0">
-            <a:schemeClr val="dk1"/>
-          </a:effectRef>
-          <a:fontRef idx="minor">
-            <a:schemeClr val="tx1"/>
-          </a:fontRef>
-        </p:style>
-        <p:txBody>
-          <a:bodyPr rtlCol="0" anchor="ctr"/>
-          <a:lstStyle/>
-          <a:p>
-            <a:pPr algn="ctr"/>
-            <a:endParaRPr lang="en-US"/>
-          </a:p>
-        </p:txBody>
-      </p:sp>
-      <p:sp>
-        <p:nvSpPr>
-          <p:cNvPr id="6" name="Rounded Rectangle 5">
-            <a:extLst>
-              <a:ext uri="{FF2B5EF4-FFF2-40B4-BE49-F238E27FC236}">
-                <a16:creationId xmlns:a16="http://schemas.microsoft.com/office/drawing/2014/main" id="{8E6C4FCF-B864-534D-A91C-F434DE5598FE}"/>
-              </a:ext>
-            </a:extLst>
-          </p:cNvPr>
-          <p:cNvSpPr/>
-          <p:nvPr/>
-        </p:nvSpPr>
-        <p:spPr>
-          <a:xfrm>
-            <a:off x="6012160" y="2348880"/>
-            <a:ext cx="2088232" cy="792088"/>
-          </a:xfrm>
-          <a:prstGeom prst="roundRect">
-            <a:avLst/>
-          </a:prstGeom>
-          <a:solidFill>
-            <a:schemeClr val="bg1">
-              <a:lumMod val="65000"/>
-            </a:schemeClr>
-          </a:solidFill>
-          <a:ln>
-            <a:noFill/>
-          </a:ln>
-        </p:spPr>
-        <p:style>
-          <a:lnRef idx="2">
-            <a:schemeClr val="accent1">
-              <a:shade val="50000"/>
-            </a:schemeClr>
-          </a:lnRef>
-          <a:fillRef idx="1">
-            <a:schemeClr val="accent1"/>
-          </a:fillRef>
-          <a:effectRef idx="0">
-            <a:schemeClr val="accent1"/>
-          </a:effectRef>
-          <a:fontRef idx="minor">
-            <a:schemeClr val="lt1"/>
-          </a:fontRef>
-        </p:style>
-        <p:txBody>
-          <a:bodyPr rtlCol="0" anchor="ctr"/>
-          <a:lstStyle/>
-          <a:p>
-            <a:pPr algn="ctr"/>
-            <a:r>
-              <a:rPr lang="en-US" sz="3200" dirty="0">
-                <a:solidFill>
-                  <a:schemeClr val="bg1"/>
-                </a:solidFill>
-                <a:latin typeface="Calibri Light" panose="020F0302020204030204" pitchFamily="34" charset="0"/>
-                <a:cs typeface="Calibri Light" panose="020F0302020204030204" pitchFamily="34" charset="0"/>
-              </a:rPr>
-              <a:t>Week 7</a:t>
-            </a:r>
-          </a:p>
-        </p:txBody>
-      </p:sp>
-      <p:sp>
-        <p:nvSpPr>
-          <p:cNvPr id="7" name="Rounded Rectangle 6">
-            <a:extLst>
-              <a:ext uri="{FF2B5EF4-FFF2-40B4-BE49-F238E27FC236}">
-                <a16:creationId xmlns:a16="http://schemas.microsoft.com/office/drawing/2014/main" id="{AF7A4660-091A-3C4B-9DFE-F4AE945A1A2A}"/>
-              </a:ext>
-            </a:extLst>
-          </p:cNvPr>
-          <p:cNvSpPr/>
-          <p:nvPr/>
-        </p:nvSpPr>
-        <p:spPr>
-          <a:xfrm>
-            <a:off x="6012160" y="3901905"/>
-            <a:ext cx="2088232" cy="792088"/>
-          </a:xfrm>
-          <a:prstGeom prst="roundRect">
-            <a:avLst/>
-          </a:prstGeom>
-          <a:solidFill>
-            <a:schemeClr val="accent6">
-              <a:lumMod val="60000"/>
-              <a:lumOff val="40000"/>
-            </a:schemeClr>
-          </a:solidFill>
-          <a:ln>
-            <a:noFill/>
-          </a:ln>
-        </p:spPr>
-        <p:style>
-          <a:lnRef idx="2">
-            <a:schemeClr val="accent1">
-              <a:shade val="50000"/>
-            </a:schemeClr>
-          </a:lnRef>
-          <a:fillRef idx="1">
-            <a:schemeClr val="accent1"/>
-          </a:fillRef>
-          <a:effectRef idx="0">
-            <a:schemeClr val="accent1"/>
-          </a:effectRef>
-          <a:fontRef idx="minor">
-            <a:schemeClr val="lt1"/>
-          </a:fontRef>
-        </p:style>
-        <p:txBody>
-          <a:bodyPr rtlCol="0" anchor="ctr"/>
-          <a:lstStyle/>
-          <a:p>
-            <a:pPr algn="ctr"/>
-            <a:r>
-              <a:rPr lang="en-US" sz="3200" dirty="0">
-                <a:solidFill>
-                  <a:schemeClr val="bg1"/>
-                </a:solidFill>
-                <a:latin typeface="Calibri Light" panose="020F0302020204030204" pitchFamily="34" charset="0"/>
-                <a:cs typeface="Calibri Light" panose="020F0302020204030204" pitchFamily="34" charset="0"/>
-              </a:rPr>
-              <a:t>Week 8</a:t>
-            </a:r>
-          </a:p>
-        </p:txBody>
-      </p:sp>
-    </p:spTree>
-    <p:extLst>
-      <p:ext uri="{BB962C8B-B14F-4D97-AF65-F5344CB8AC3E}">
-        <p14:creationId xmlns:p14="http://schemas.microsoft.com/office/powerpoint/2010/main" val="4263484980"/>
-      </p:ext>
-    </p:extLst>
-  </p:cSld>
-  <p:clrMapOvr>
-    <a:masterClrMapping/>
-  </p:clrMapOvr>
-</p:sld>
-</file>
-
-<file path=ppt/slides/slide30.xml><?xml version="1.0" encoding="utf-8"?>
+<file path=ppt/slides/slide33.xml><?xml version="1.0" encoding="utf-8"?>
 <p:sld xmlns:a="http://schemas.openxmlformats.org/drawingml/2006/main" xmlns:r="http://schemas.openxmlformats.org/officeDocument/2006/relationships" xmlns:p="http://schemas.openxmlformats.org/presentationml/2006/main">
   <p:cSld>
     <p:spTree>
@@ -11543,7 +14592,7 @@
 </p:sld>
 </file>
 
-<file path=ppt/slides/slide31.xml><?xml version="1.0" encoding="utf-8"?>
+<file path=ppt/slides/slide34.xml><?xml version="1.0" encoding="utf-8"?>
 <p:sld xmlns:a="http://schemas.openxmlformats.org/drawingml/2006/main" xmlns:r="http://schemas.openxmlformats.org/officeDocument/2006/relationships" xmlns:p="http://schemas.openxmlformats.org/presentationml/2006/main">
   <p:cSld>
     <p:spTree>
@@ -12142,7 +15191,7 @@
 </p:sld>
 </file>
 
-<file path=ppt/slides/slide32.xml><?xml version="1.0" encoding="utf-8"?>
+<file path=ppt/slides/slide35.xml><?xml version="1.0" encoding="utf-8"?>
 <p:sld xmlns:a="http://schemas.openxmlformats.org/drawingml/2006/main" xmlns:r="http://schemas.openxmlformats.org/officeDocument/2006/relationships" xmlns:p="http://schemas.openxmlformats.org/presentationml/2006/main">
   <p:cSld>
     <p:spTree>
@@ -12329,7 +15378,7 @@
 </p:sld>
 </file>
 
-<file path=ppt/slides/slide33.xml><?xml version="1.0" encoding="utf-8"?>
+<file path=ppt/slides/slide36.xml><?xml version="1.0" encoding="utf-8"?>
 <p:sld xmlns:a="http://schemas.openxmlformats.org/drawingml/2006/main" xmlns:r="http://schemas.openxmlformats.org/officeDocument/2006/relationships" xmlns:p="http://schemas.openxmlformats.org/presentationml/2006/main">
   <p:cSld>
     <p:spTree>
@@ -12919,7 +15968,7 @@
 </p:sld>
 </file>
 
-<file path=ppt/slides/slide34.xml><?xml version="1.0" encoding="utf-8"?>
+<file path=ppt/slides/slide37.xml><?xml version="1.0" encoding="utf-8"?>
 <p:sld xmlns:a="http://schemas.openxmlformats.org/drawingml/2006/main" xmlns:r="http://schemas.openxmlformats.org/officeDocument/2006/relationships" xmlns:p="http://schemas.openxmlformats.org/presentationml/2006/main">
   <p:cSld>
     <p:spTree>
@@ -13266,7 +16315,7 @@
 </p:sld>
 </file>
 
-<file path=ppt/slides/slide35.xml><?xml version="1.0" encoding="utf-8"?>
+<file path=ppt/slides/slide38.xml><?xml version="1.0" encoding="utf-8"?>
 <p:sld xmlns:a="http://schemas.openxmlformats.org/drawingml/2006/main" xmlns:r="http://schemas.openxmlformats.org/officeDocument/2006/relationships" xmlns:p="http://schemas.openxmlformats.org/presentationml/2006/main">
   <p:cSld>
     <p:spTree>
@@ -13568,7 +16617,7 @@
 </p:sld>
 </file>
 
-<file path=ppt/slides/slide36.xml><?xml version="1.0" encoding="utf-8"?>
+<file path=ppt/slides/slide39.xml><?xml version="1.0" encoding="utf-8"?>
 <p:sld xmlns:a="http://schemas.openxmlformats.org/drawingml/2006/main" xmlns:r="http://schemas.openxmlformats.org/officeDocument/2006/relationships" xmlns:p="http://schemas.openxmlformats.org/presentationml/2006/main">
   <p:cSld>
     <p:spTree>
@@ -13870,7 +16919,336 @@
 </p:sld>
 </file>
 
-<file path=ppt/slides/slide37.xml><?xml version="1.0" encoding="utf-8"?>
+<file path=ppt/slides/slide4.xml><?xml version="1.0" encoding="utf-8"?>
+<p:sld xmlns:a="http://schemas.openxmlformats.org/drawingml/2006/main" xmlns:r="http://schemas.openxmlformats.org/officeDocument/2006/relationships" xmlns:p="http://schemas.openxmlformats.org/presentationml/2006/main">
+  <p:cSld>
+    <p:spTree>
+      <p:nvGrpSpPr>
+        <p:cNvPr id="1" name=""/>
+        <p:cNvGrpSpPr/>
+        <p:nvPr/>
+      </p:nvGrpSpPr>
+      <p:grpSpPr>
+        <a:xfrm>
+          <a:off x="0" y="0"/>
+          <a:ext cx="0" cy="0"/>
+          <a:chOff x="0" y="0"/>
+          <a:chExt cx="0" cy="0"/>
+        </a:xfrm>
+      </p:grpSpPr>
+      <p:sp>
+        <p:nvSpPr>
+          <p:cNvPr id="2" name="Title 1">
+            <a:extLst>
+              <a:ext uri="{FF2B5EF4-FFF2-40B4-BE49-F238E27FC236}">
+                <a16:creationId xmlns:a16="http://schemas.microsoft.com/office/drawing/2014/main" id="{DE1A2009-D19E-4D4C-BC4D-A7AD347C6C32}"/>
+              </a:ext>
+            </a:extLst>
+          </p:cNvPr>
+          <p:cNvSpPr>
+            <a:spLocks noGrp="1"/>
+          </p:cNvSpPr>
+          <p:nvPr>
+            <p:ph type="title"/>
+          </p:nvPr>
+        </p:nvSpPr>
+        <p:spPr/>
+        <p:txBody>
+          <a:bodyPr/>
+          <a:lstStyle/>
+          <a:p>
+            <a:r>
+              <a:rPr lang="en-US" dirty="0"/>
+              <a:t>What we will talk about</a:t>
+            </a:r>
+          </a:p>
+        </p:txBody>
+      </p:sp>
+      <p:sp>
+        <p:nvSpPr>
+          <p:cNvPr id="3" name="Content Placeholder 2">
+            <a:extLst>
+              <a:ext uri="{FF2B5EF4-FFF2-40B4-BE49-F238E27FC236}">
+                <a16:creationId xmlns:a16="http://schemas.microsoft.com/office/drawing/2014/main" id="{3CF82C53-0681-C047-B84D-B6E14EE290D8}"/>
+              </a:ext>
+            </a:extLst>
+          </p:cNvPr>
+          <p:cNvSpPr>
+            <a:spLocks noGrp="1"/>
+          </p:cNvSpPr>
+          <p:nvPr>
+            <p:ph idx="1"/>
+          </p:nvPr>
+        </p:nvSpPr>
+        <p:spPr/>
+        <p:txBody>
+          <a:bodyPr/>
+          <a:lstStyle/>
+          <a:p>
+            <a:r>
+              <a:rPr lang="en-US" dirty="0"/>
+              <a:t>Time series features</a:t>
+            </a:r>
+          </a:p>
+          <a:p>
+            <a:endParaRPr lang="en-US" dirty="0"/>
+          </a:p>
+          <a:p>
+            <a:r>
+              <a:rPr lang="en-US" dirty="0"/>
+              <a:t>Exponential Smoothing</a:t>
+            </a:r>
+          </a:p>
+          <a:p>
+            <a:pPr marL="0" indent="0">
+              <a:buNone/>
+            </a:pPr>
+            <a:endParaRPr lang="en-US" dirty="0"/>
+          </a:p>
+          <a:p>
+            <a:r>
+              <a:rPr lang="en-US" dirty="0" err="1"/>
+              <a:t>AutoRegresison</a:t>
+            </a:r>
+            <a:endParaRPr lang="en-US" dirty="0"/>
+          </a:p>
+        </p:txBody>
+      </p:sp>
+      <p:sp>
+        <p:nvSpPr>
+          <p:cNvPr id="4" name="Right Brace 3">
+            <a:extLst>
+              <a:ext uri="{FF2B5EF4-FFF2-40B4-BE49-F238E27FC236}">
+                <a16:creationId xmlns:a16="http://schemas.microsoft.com/office/drawing/2014/main" id="{76880815-63E4-BF45-8231-6E9715C16D16}"/>
+              </a:ext>
+            </a:extLst>
+          </p:cNvPr>
+          <p:cNvSpPr/>
+          <p:nvPr/>
+        </p:nvSpPr>
+        <p:spPr>
+          <a:xfrm>
+            <a:off x="5364088" y="1583323"/>
+            <a:ext cx="360040" cy="2079334"/>
+          </a:xfrm>
+          <a:prstGeom prst="rightBrace">
+            <a:avLst>
+              <a:gd name="adj1" fmla="val 24475"/>
+              <a:gd name="adj2" fmla="val 50000"/>
+            </a:avLst>
+          </a:prstGeom>
+        </p:spPr>
+        <p:style>
+          <a:lnRef idx="1">
+            <a:schemeClr val="dk1"/>
+          </a:lnRef>
+          <a:fillRef idx="0">
+            <a:schemeClr val="dk1"/>
+          </a:fillRef>
+          <a:effectRef idx="0">
+            <a:schemeClr val="dk1"/>
+          </a:effectRef>
+          <a:fontRef idx="minor">
+            <a:schemeClr val="tx1"/>
+          </a:fontRef>
+        </p:style>
+        <p:txBody>
+          <a:bodyPr rtlCol="0" anchor="ctr"/>
+          <a:lstStyle/>
+          <a:p>
+            <a:pPr algn="ctr"/>
+            <a:endParaRPr lang="en-US"/>
+          </a:p>
+        </p:txBody>
+      </p:sp>
+      <p:sp>
+        <p:nvSpPr>
+          <p:cNvPr id="5" name="Right Brace 4">
+            <a:extLst>
+              <a:ext uri="{FF2B5EF4-FFF2-40B4-BE49-F238E27FC236}">
+                <a16:creationId xmlns:a16="http://schemas.microsoft.com/office/drawing/2014/main" id="{0757E437-90C3-044A-B748-ABAB98E4F3D5}"/>
+              </a:ext>
+            </a:extLst>
+          </p:cNvPr>
+          <p:cNvSpPr/>
+          <p:nvPr/>
+        </p:nvSpPr>
+        <p:spPr>
+          <a:xfrm>
+            <a:off x="5364088" y="4097855"/>
+            <a:ext cx="360040" cy="771305"/>
+          </a:xfrm>
+          <a:prstGeom prst="rightBrace">
+            <a:avLst>
+              <a:gd name="adj1" fmla="val 24475"/>
+              <a:gd name="adj2" fmla="val 50000"/>
+            </a:avLst>
+          </a:prstGeom>
+        </p:spPr>
+        <p:style>
+          <a:lnRef idx="1">
+            <a:schemeClr val="dk1"/>
+          </a:lnRef>
+          <a:fillRef idx="0">
+            <a:schemeClr val="dk1"/>
+          </a:fillRef>
+          <a:effectRef idx="0">
+            <a:schemeClr val="dk1"/>
+          </a:effectRef>
+          <a:fontRef idx="minor">
+            <a:schemeClr val="tx1"/>
+          </a:fontRef>
+        </p:style>
+        <p:txBody>
+          <a:bodyPr rtlCol="0" anchor="ctr"/>
+          <a:lstStyle/>
+          <a:p>
+            <a:pPr algn="ctr"/>
+            <a:endParaRPr lang="en-US"/>
+          </a:p>
+        </p:txBody>
+      </p:sp>
+      <p:sp>
+        <p:nvSpPr>
+          <p:cNvPr id="6" name="Rounded Rectangle 5">
+            <a:extLst>
+              <a:ext uri="{FF2B5EF4-FFF2-40B4-BE49-F238E27FC236}">
+                <a16:creationId xmlns:a16="http://schemas.microsoft.com/office/drawing/2014/main" id="{8E6C4FCF-B864-534D-A91C-F434DE5598FE}"/>
+              </a:ext>
+            </a:extLst>
+          </p:cNvPr>
+          <p:cNvSpPr/>
+          <p:nvPr/>
+        </p:nvSpPr>
+        <p:spPr>
+          <a:xfrm>
+            <a:off x="6012160" y="2348880"/>
+            <a:ext cx="2088232" cy="792088"/>
+          </a:xfrm>
+          <a:prstGeom prst="roundRect">
+            <a:avLst/>
+          </a:prstGeom>
+          <a:solidFill>
+            <a:schemeClr val="bg1">
+              <a:lumMod val="65000"/>
+            </a:schemeClr>
+          </a:solidFill>
+          <a:ln>
+            <a:noFill/>
+          </a:ln>
+        </p:spPr>
+        <p:style>
+          <a:lnRef idx="2">
+            <a:schemeClr val="accent1">
+              <a:shade val="50000"/>
+            </a:schemeClr>
+          </a:lnRef>
+          <a:fillRef idx="1">
+            <a:schemeClr val="accent1"/>
+          </a:fillRef>
+          <a:effectRef idx="0">
+            <a:schemeClr val="accent1"/>
+          </a:effectRef>
+          <a:fontRef idx="minor">
+            <a:schemeClr val="lt1"/>
+          </a:fontRef>
+        </p:style>
+        <p:txBody>
+          <a:bodyPr rtlCol="0" anchor="ctr"/>
+          <a:lstStyle/>
+          <a:p>
+            <a:pPr algn="ctr"/>
+            <a:r>
+              <a:rPr lang="en-US" sz="3200" dirty="0">
+                <a:solidFill>
+                  <a:schemeClr val="bg1"/>
+                </a:solidFill>
+                <a:latin typeface="Calibri Light" panose="020F0302020204030204" pitchFamily="34" charset="0"/>
+                <a:cs typeface="Calibri Light" panose="020F0302020204030204" pitchFamily="34" charset="0"/>
+              </a:rPr>
+              <a:t>Week 7</a:t>
+            </a:r>
+          </a:p>
+        </p:txBody>
+      </p:sp>
+      <p:sp>
+        <p:nvSpPr>
+          <p:cNvPr id="7" name="Rounded Rectangle 6">
+            <a:extLst>
+              <a:ext uri="{FF2B5EF4-FFF2-40B4-BE49-F238E27FC236}">
+                <a16:creationId xmlns:a16="http://schemas.microsoft.com/office/drawing/2014/main" id="{AF7A4660-091A-3C4B-9DFE-F4AE945A1A2A}"/>
+              </a:ext>
+            </a:extLst>
+          </p:cNvPr>
+          <p:cNvSpPr/>
+          <p:nvPr/>
+        </p:nvSpPr>
+        <p:spPr>
+          <a:xfrm>
+            <a:off x="6012160" y="3901905"/>
+            <a:ext cx="2088232" cy="792088"/>
+          </a:xfrm>
+          <a:prstGeom prst="roundRect">
+            <a:avLst/>
+          </a:prstGeom>
+          <a:solidFill>
+            <a:schemeClr val="accent6">
+              <a:lumMod val="60000"/>
+              <a:lumOff val="40000"/>
+            </a:schemeClr>
+          </a:solidFill>
+          <a:ln>
+            <a:noFill/>
+          </a:ln>
+        </p:spPr>
+        <p:style>
+          <a:lnRef idx="2">
+            <a:schemeClr val="accent1">
+              <a:shade val="50000"/>
+            </a:schemeClr>
+          </a:lnRef>
+          <a:fillRef idx="1">
+            <a:schemeClr val="accent1"/>
+          </a:fillRef>
+          <a:effectRef idx="0">
+            <a:schemeClr val="accent1"/>
+          </a:effectRef>
+          <a:fontRef idx="minor">
+            <a:schemeClr val="lt1"/>
+          </a:fontRef>
+        </p:style>
+        <p:txBody>
+          <a:bodyPr rtlCol="0" anchor="ctr"/>
+          <a:lstStyle/>
+          <a:p>
+            <a:pPr algn="ctr"/>
+            <a:r>
+              <a:rPr lang="en-US" sz="3200" dirty="0">
+                <a:solidFill>
+                  <a:schemeClr val="bg1"/>
+                </a:solidFill>
+                <a:latin typeface="Calibri Light" panose="020F0302020204030204" pitchFamily="34" charset="0"/>
+                <a:cs typeface="Calibri Light" panose="020F0302020204030204" pitchFamily="34" charset="0"/>
+              </a:rPr>
+              <a:t>Week 8</a:t>
+            </a:r>
+          </a:p>
+        </p:txBody>
+      </p:sp>
+    </p:spTree>
+    <p:extLst>
+      <p:ext uri="{BB962C8B-B14F-4D97-AF65-F5344CB8AC3E}">
+        <p14:creationId xmlns:p14="http://schemas.microsoft.com/office/powerpoint/2010/main" val="4263484980"/>
+      </p:ext>
+    </p:extLst>
+  </p:cSld>
+  <p:clrMapOvr>
+    <a:masterClrMapping/>
+  </p:clrMapOvr>
+</p:sld>
+</file>
+
+<file path=ppt/slides/slide40.xml><?xml version="1.0" encoding="utf-8"?>
 <p:sld xmlns:a="http://schemas.openxmlformats.org/drawingml/2006/main" xmlns:r="http://schemas.openxmlformats.org/officeDocument/2006/relationships" xmlns:p="http://schemas.openxmlformats.org/presentationml/2006/main">
   <p:cSld>
     <p:spTree>
@@ -15755,7 +19133,7 @@
 </p:sld>
 </file>
 
-<file path=ppt/slides/slide38.xml><?xml version="1.0" encoding="utf-8"?>
+<file path=ppt/slides/slide41.xml><?xml version="1.0" encoding="utf-8"?>
 <p:sld xmlns:a="http://schemas.openxmlformats.org/drawingml/2006/main" xmlns:r="http://schemas.openxmlformats.org/officeDocument/2006/relationships" xmlns:p="http://schemas.openxmlformats.org/presentationml/2006/main">
   <p:cSld>
     <p:spTree>
@@ -16415,7 +19793,7 @@
 </p:sld>
 </file>
 
-<file path=ppt/slides/slide39.xml><?xml version="1.0" encoding="utf-8"?>
+<file path=ppt/slides/slide42.xml><?xml version="1.0" encoding="utf-8"?>
 <p:sld xmlns:a="http://schemas.openxmlformats.org/drawingml/2006/main" xmlns:r="http://schemas.openxmlformats.org/officeDocument/2006/relationships" xmlns:p="http://schemas.openxmlformats.org/presentationml/2006/main">
   <p:cSld>
     <p:spTree>
@@ -16572,123 +19950,7 @@
 </p:sld>
 </file>
 
-<file path=ppt/slides/slide4.xml><?xml version="1.0" encoding="utf-8"?>
-<p:sld xmlns:a="http://schemas.openxmlformats.org/drawingml/2006/main" xmlns:r="http://schemas.openxmlformats.org/officeDocument/2006/relationships" xmlns:p="http://schemas.openxmlformats.org/presentationml/2006/main">
-  <p:cSld>
-    <p:spTree>
-      <p:nvGrpSpPr>
-        <p:cNvPr id="1" name=""/>
-        <p:cNvGrpSpPr/>
-        <p:nvPr/>
-      </p:nvGrpSpPr>
-      <p:grpSpPr>
-        <a:xfrm>
-          <a:off x="0" y="0"/>
-          <a:ext cx="0" cy="0"/>
-          <a:chOff x="0" y="0"/>
-          <a:chExt cx="0" cy="0"/>
-        </a:xfrm>
-      </p:grpSpPr>
-      <p:sp>
-        <p:nvSpPr>
-          <p:cNvPr id="2" name="Title 1">
-            <a:extLst>
-              <a:ext uri="{FF2B5EF4-FFF2-40B4-BE49-F238E27FC236}">
-                <a16:creationId xmlns:a16="http://schemas.microsoft.com/office/drawing/2014/main" id="{E015CFE1-32CE-F14A-B2A8-882754B701FB}"/>
-              </a:ext>
-            </a:extLst>
-          </p:cNvPr>
-          <p:cNvSpPr>
-            <a:spLocks noGrp="1"/>
-          </p:cNvSpPr>
-          <p:nvPr>
-            <p:ph type="title"/>
-          </p:nvPr>
-        </p:nvSpPr>
-        <p:spPr/>
-        <p:txBody>
-          <a:bodyPr/>
-          <a:lstStyle/>
-          <a:p>
-            <a:r>
-              <a:rPr lang="en-US" dirty="0"/>
-              <a:t>Our journey begins with…</a:t>
-            </a:r>
-          </a:p>
-        </p:txBody>
-      </p:sp>
-      <p:sp>
-        <p:nvSpPr>
-          <p:cNvPr id="3" name="Content Placeholder 2">
-            <a:extLst>
-              <a:ext uri="{FF2B5EF4-FFF2-40B4-BE49-F238E27FC236}">
-                <a16:creationId xmlns:a16="http://schemas.microsoft.com/office/drawing/2014/main" id="{A14019F3-ED8E-FB4E-9D6C-EFAE385693B1}"/>
-              </a:ext>
-            </a:extLst>
-          </p:cNvPr>
-          <p:cNvSpPr>
-            <a:spLocks noGrp="1"/>
-          </p:cNvSpPr>
-          <p:nvPr>
-            <p:ph idx="1"/>
-          </p:nvPr>
-        </p:nvSpPr>
-        <p:spPr/>
-        <p:txBody>
-          <a:bodyPr/>
-          <a:lstStyle/>
-          <a:p>
-            <a:r>
-              <a:rPr lang="en-US" dirty="0"/>
-              <a:t>What is time series data?</a:t>
-            </a:r>
-          </a:p>
-        </p:txBody>
-      </p:sp>
-      <p:pic>
-        <p:nvPicPr>
-          <p:cNvPr id="4" name="Picture 3">
-            <a:extLst>
-              <a:ext uri="{FF2B5EF4-FFF2-40B4-BE49-F238E27FC236}">
-                <a16:creationId xmlns:a16="http://schemas.microsoft.com/office/drawing/2014/main" id="{21D0896C-CB30-8F47-AA3E-68427CB057C5}"/>
-              </a:ext>
-            </a:extLst>
-          </p:cNvPr>
-          <p:cNvPicPr>
-            <a:picLocks noChangeAspect="1"/>
-          </p:cNvPicPr>
-          <p:nvPr/>
-        </p:nvPicPr>
-        <p:blipFill>
-          <a:blip r:embed="rId2"/>
-          <a:stretch>
-            <a:fillRect/>
-          </a:stretch>
-        </p:blipFill>
-        <p:spPr>
-          <a:xfrm>
-            <a:off x="881844" y="2449230"/>
-            <a:ext cx="7380312" cy="4398099"/>
-          </a:xfrm>
-          <a:prstGeom prst="rect">
-            <a:avLst/>
-          </a:prstGeom>
-        </p:spPr>
-      </p:pic>
-    </p:spTree>
-    <p:extLst>
-      <p:ext uri="{BB962C8B-B14F-4D97-AF65-F5344CB8AC3E}">
-        <p14:creationId xmlns:p14="http://schemas.microsoft.com/office/powerpoint/2010/main" val="1645798599"/>
-      </p:ext>
-    </p:extLst>
-  </p:cSld>
-  <p:clrMapOvr>
-    <a:masterClrMapping/>
-  </p:clrMapOvr>
-</p:sld>
-</file>
-
-<file path=ppt/slides/slide40.xml><?xml version="1.0" encoding="utf-8"?>
+<file path=ppt/slides/slide43.xml><?xml version="1.0" encoding="utf-8"?>
 <p:sld xmlns:a="http://schemas.openxmlformats.org/drawingml/2006/main" xmlns:r="http://schemas.openxmlformats.org/officeDocument/2006/relationships" xmlns:p="http://schemas.openxmlformats.org/presentationml/2006/main">
   <p:cSld>
     <p:spTree>
@@ -17186,7 +20448,7 @@
 </p:sld>
 </file>
 
-<file path=ppt/slides/slide41.xml><?xml version="1.0" encoding="utf-8"?>
+<file path=ppt/slides/slide44.xml><?xml version="1.0" encoding="utf-8"?>
 <p:sld xmlns:a="http://schemas.openxmlformats.org/drawingml/2006/main" xmlns:r="http://schemas.openxmlformats.org/officeDocument/2006/relationships" xmlns:p="http://schemas.openxmlformats.org/presentationml/2006/main">
   <p:cSld>
     <p:spTree>
@@ -17366,7 +20628,7 @@
 </p:sld>
 </file>
 
-<file path=ppt/slides/slide42.xml><?xml version="1.0" encoding="utf-8"?>
+<file path=ppt/slides/slide45.xml><?xml version="1.0" encoding="utf-8"?>
 <p:sld xmlns:a="http://schemas.openxmlformats.org/drawingml/2006/main" xmlns:r="http://schemas.openxmlformats.org/officeDocument/2006/relationships" xmlns:p="http://schemas.openxmlformats.org/presentationml/2006/main">
   <p:cSld>
     <p:spTree>
@@ -17525,7 +20787,7 @@
 </p:sld>
 </file>
 
-<file path=ppt/slides/slide43.xml><?xml version="1.0" encoding="utf-8"?>
+<file path=ppt/slides/slide46.xml><?xml version="1.0" encoding="utf-8"?>
 <p:sld xmlns:a="http://schemas.openxmlformats.org/drawingml/2006/main" xmlns:r="http://schemas.openxmlformats.org/officeDocument/2006/relationships" xmlns:p="http://schemas.openxmlformats.org/presentationml/2006/main">
   <p:cSld>
     <p:bg>
@@ -17794,6 +21056,122 @@
           <p:cNvPr id="2" name="Title 1">
             <a:extLst>
               <a:ext uri="{FF2B5EF4-FFF2-40B4-BE49-F238E27FC236}">
+                <a16:creationId xmlns:a16="http://schemas.microsoft.com/office/drawing/2014/main" id="{E015CFE1-32CE-F14A-B2A8-882754B701FB}"/>
+              </a:ext>
+            </a:extLst>
+          </p:cNvPr>
+          <p:cNvSpPr>
+            <a:spLocks noGrp="1"/>
+          </p:cNvSpPr>
+          <p:nvPr>
+            <p:ph type="title"/>
+          </p:nvPr>
+        </p:nvSpPr>
+        <p:spPr/>
+        <p:txBody>
+          <a:bodyPr/>
+          <a:lstStyle/>
+          <a:p>
+            <a:r>
+              <a:rPr lang="en-US" dirty="0"/>
+              <a:t>Our journey begins with…</a:t>
+            </a:r>
+          </a:p>
+        </p:txBody>
+      </p:sp>
+      <p:sp>
+        <p:nvSpPr>
+          <p:cNvPr id="3" name="Content Placeholder 2">
+            <a:extLst>
+              <a:ext uri="{FF2B5EF4-FFF2-40B4-BE49-F238E27FC236}">
+                <a16:creationId xmlns:a16="http://schemas.microsoft.com/office/drawing/2014/main" id="{A14019F3-ED8E-FB4E-9D6C-EFAE385693B1}"/>
+              </a:ext>
+            </a:extLst>
+          </p:cNvPr>
+          <p:cNvSpPr>
+            <a:spLocks noGrp="1"/>
+          </p:cNvSpPr>
+          <p:nvPr>
+            <p:ph idx="1"/>
+          </p:nvPr>
+        </p:nvSpPr>
+        <p:spPr/>
+        <p:txBody>
+          <a:bodyPr/>
+          <a:lstStyle/>
+          <a:p>
+            <a:r>
+              <a:rPr lang="en-US" dirty="0"/>
+              <a:t>What is time series data?</a:t>
+            </a:r>
+          </a:p>
+        </p:txBody>
+      </p:sp>
+      <p:pic>
+        <p:nvPicPr>
+          <p:cNvPr id="4" name="Picture 3">
+            <a:extLst>
+              <a:ext uri="{FF2B5EF4-FFF2-40B4-BE49-F238E27FC236}">
+                <a16:creationId xmlns:a16="http://schemas.microsoft.com/office/drawing/2014/main" id="{21D0896C-CB30-8F47-AA3E-68427CB057C5}"/>
+              </a:ext>
+            </a:extLst>
+          </p:cNvPr>
+          <p:cNvPicPr>
+            <a:picLocks noChangeAspect="1"/>
+          </p:cNvPicPr>
+          <p:nvPr/>
+        </p:nvPicPr>
+        <p:blipFill>
+          <a:blip r:embed="rId2"/>
+          <a:stretch>
+            <a:fillRect/>
+          </a:stretch>
+        </p:blipFill>
+        <p:spPr>
+          <a:xfrm>
+            <a:off x="881844" y="2449230"/>
+            <a:ext cx="7380312" cy="4398099"/>
+          </a:xfrm>
+          <a:prstGeom prst="rect">
+            <a:avLst/>
+          </a:prstGeom>
+        </p:spPr>
+      </p:pic>
+    </p:spTree>
+    <p:extLst>
+      <p:ext uri="{BB962C8B-B14F-4D97-AF65-F5344CB8AC3E}">
+        <p14:creationId xmlns:p14="http://schemas.microsoft.com/office/powerpoint/2010/main" val="1645798599"/>
+      </p:ext>
+    </p:extLst>
+  </p:cSld>
+  <p:clrMapOvr>
+    <a:masterClrMapping/>
+  </p:clrMapOvr>
+</p:sld>
+</file>
+
+<file path=ppt/slides/slide6.xml><?xml version="1.0" encoding="utf-8"?>
+<p:sld xmlns:a="http://schemas.openxmlformats.org/drawingml/2006/main" xmlns:r="http://schemas.openxmlformats.org/officeDocument/2006/relationships" xmlns:p="http://schemas.openxmlformats.org/presentationml/2006/main">
+  <p:cSld>
+    <p:spTree>
+      <p:nvGrpSpPr>
+        <p:cNvPr id="1" name=""/>
+        <p:cNvGrpSpPr/>
+        <p:nvPr/>
+      </p:nvGrpSpPr>
+      <p:grpSpPr>
+        <a:xfrm>
+          <a:off x="0" y="0"/>
+          <a:ext cx="0" cy="0"/>
+          <a:chOff x="0" y="0"/>
+          <a:chExt cx="0" cy="0"/>
+        </a:xfrm>
+      </p:grpSpPr>
+      <p:sp>
+        <p:nvSpPr>
+          <p:cNvPr id="2" name="Title 1">
+            <a:extLst>
+              <a:ext uri="{FF2B5EF4-FFF2-40B4-BE49-F238E27FC236}">
                 <a16:creationId xmlns:a16="http://schemas.microsoft.com/office/drawing/2014/main" id="{ACFD83C3-2845-FE4D-B89A-EC712E84AD3F}"/>
               </a:ext>
             </a:extLst>
@@ -17945,7 +21323,7 @@
 </p:sld>
 </file>
 
-<file path=ppt/slides/slide6.xml><?xml version="1.0" encoding="utf-8"?>
+<file path=ppt/slides/slide7.xml><?xml version="1.0" encoding="utf-8"?>
 <p:sld xmlns:a="http://schemas.openxmlformats.org/drawingml/2006/main" xmlns:r="http://schemas.openxmlformats.org/officeDocument/2006/relationships" xmlns:p="http://schemas.openxmlformats.org/presentationml/2006/main">
   <p:cSld>
     <p:spTree>
@@ -18066,7 +21444,7 @@
 </p:sld>
 </file>
 
-<file path=ppt/slides/slide7.xml><?xml version="1.0" encoding="utf-8"?>
+<file path=ppt/slides/slide8.xml><?xml version="1.0" encoding="utf-8"?>
 <p:sld xmlns:a="http://schemas.openxmlformats.org/drawingml/2006/main" xmlns:r="http://schemas.openxmlformats.org/officeDocument/2006/relationships" xmlns:p="http://schemas.openxmlformats.org/presentationml/2006/main">
   <p:cSld>
     <p:spTree>
@@ -18915,7 +22293,7 @@
 </p:sld>
 </file>
 
-<file path=ppt/slides/slide8.xml><?xml version="1.0" encoding="utf-8"?>
+<file path=ppt/slides/slide9.xml><?xml version="1.0" encoding="utf-8"?>
 <p:sld xmlns:a="http://schemas.openxmlformats.org/drawingml/2006/main" xmlns:r="http://schemas.openxmlformats.org/officeDocument/2006/relationships" xmlns:p="http://schemas.openxmlformats.org/presentationml/2006/main">
   <p:cSld>
     <p:spTree>
@@ -19260,713 +22638,6 @@
     <p:bldLst>
       <p:bldP spid="5" grpId="0" animBg="1"/>
       <p:bldP spid="6" grpId="0" animBg="1"/>
-    </p:bldLst>
-  </p:timing>
-</p:sld>
-</file>
-
-<file path=ppt/slides/slide9.xml><?xml version="1.0" encoding="utf-8"?>
-<p:sld xmlns:a="http://schemas.openxmlformats.org/drawingml/2006/main" xmlns:r="http://schemas.openxmlformats.org/officeDocument/2006/relationships" xmlns:p="http://schemas.openxmlformats.org/presentationml/2006/main">
-  <p:cSld>
-    <p:spTree>
-      <p:nvGrpSpPr>
-        <p:cNvPr id="1" name=""/>
-        <p:cNvGrpSpPr/>
-        <p:nvPr/>
-      </p:nvGrpSpPr>
-      <p:grpSpPr>
-        <a:xfrm>
-          <a:off x="0" y="0"/>
-          <a:ext cx="0" cy="0"/>
-          <a:chOff x="0" y="0"/>
-          <a:chExt cx="0" cy="0"/>
-        </a:xfrm>
-      </p:grpSpPr>
-      <p:sp>
-        <p:nvSpPr>
-          <p:cNvPr id="2" name="Title 1">
-            <a:extLst>
-              <a:ext uri="{FF2B5EF4-FFF2-40B4-BE49-F238E27FC236}">
-                <a16:creationId xmlns:a16="http://schemas.microsoft.com/office/drawing/2014/main" id="{03A3940D-29D4-9C4E-9587-C8BFDABD6EE4}"/>
-              </a:ext>
-            </a:extLst>
-          </p:cNvPr>
-          <p:cNvSpPr>
-            <a:spLocks noGrp="1"/>
-          </p:cNvSpPr>
-          <p:nvPr>
-            <p:ph type="title"/>
-          </p:nvPr>
-        </p:nvSpPr>
-        <p:spPr/>
-        <p:txBody>
-          <a:bodyPr/>
-          <a:lstStyle/>
-          <a:p>
-            <a:r>
-              <a:rPr lang="en-US" dirty="0"/>
-              <a:t>Partial Autocorrelation</a:t>
-            </a:r>
-          </a:p>
-        </p:txBody>
-      </p:sp>
-      <mc:AlternateContent xmlns:mc="http://schemas.openxmlformats.org/markup-compatibility/2006" xmlns:a14="http://schemas.microsoft.com/office/drawing/2010/main">
-        <mc:Choice Requires="a14">
-          <p:sp>
-            <p:nvSpPr>
-              <p:cNvPr id="3" name="Content Placeholder 2">
-                <a:extLst>
-                  <a:ext uri="{FF2B5EF4-FFF2-40B4-BE49-F238E27FC236}">
-                    <a16:creationId xmlns:a16="http://schemas.microsoft.com/office/drawing/2014/main" id="{35395B1D-F0DE-D445-AD2E-5895093CF429}"/>
-                  </a:ext>
-                </a:extLst>
-              </p:cNvPr>
-              <p:cNvSpPr>
-                <a:spLocks noGrp="1"/>
-              </p:cNvSpPr>
-              <p:nvPr>
-                <p:ph idx="1"/>
-              </p:nvPr>
-            </p:nvSpPr>
-            <p:spPr/>
-            <p:txBody>
-              <a:bodyPr/>
-              <a:lstStyle/>
-              <a:p>
-                <a:r>
-                  <a:rPr lang="en-US" sz="2800" dirty="0"/>
-                  <a:t>Partial autocorrelation of lag </a:t>
-                </a:r>
-                <a14:m>
-                  <m:oMath xmlns:m="http://schemas.openxmlformats.org/officeDocument/2006/math">
-                    <m:r>
-                      <a:rPr lang="en-US" sz="2800" b="0" i="1" smtClean="0">
-                        <a:latin typeface="Cambria Math" panose="02040503050406030204" pitchFamily="18" charset="0"/>
-                      </a:rPr>
-                      <m:t>𝑘</m:t>
-                    </m:r>
-                  </m:oMath>
-                </a14:m>
-                <a:r>
-                  <a:rPr lang="en-US" sz="2800" dirty="0"/>
-                  <a:t>:</a:t>
-                </a:r>
-              </a:p>
-              <a:p>
-                <a:pPr lvl="1"/>
-                <a:r>
-                  <a:rPr lang="en-US" sz="2400" dirty="0"/>
-                  <a:t>Correlation between </a:t>
-                </a:r>
-                <a14:m>
-                  <m:oMath xmlns:m="http://schemas.openxmlformats.org/officeDocument/2006/math">
-                    <m:sSub>
-                      <m:sSubPr>
-                        <m:ctrlPr>
-                          <a:rPr lang="en-US" sz="2400" b="0" i="1" smtClean="0">
-                            <a:latin typeface="Cambria Math" panose="02040503050406030204" pitchFamily="18" charset="0"/>
-                          </a:rPr>
-                        </m:ctrlPr>
-                      </m:sSubPr>
-                      <m:e>
-                        <m:r>
-                          <a:rPr lang="en-US" sz="2400" b="0" i="1" smtClean="0">
-                            <a:latin typeface="Cambria Math" panose="02040503050406030204" pitchFamily="18" charset="0"/>
-                          </a:rPr>
-                          <m:t>𝑦</m:t>
-                        </m:r>
-                      </m:e>
-                      <m:sub>
-                        <m:r>
-                          <a:rPr lang="en-US" sz="2400" b="0" i="1" smtClean="0">
-                            <a:latin typeface="Cambria Math" panose="02040503050406030204" pitchFamily="18" charset="0"/>
-                          </a:rPr>
-                          <m:t>𝑡</m:t>
-                        </m:r>
-                      </m:sub>
-                    </m:sSub>
-                  </m:oMath>
-                </a14:m>
-                <a:r>
-                  <a:rPr lang="en-US" sz="2400" dirty="0"/>
-                  <a:t> and </a:t>
-                </a:r>
-                <a14:m>
-                  <m:oMath xmlns:m="http://schemas.openxmlformats.org/officeDocument/2006/math">
-                    <m:sSub>
-                      <m:sSubPr>
-                        <m:ctrlPr>
-                          <a:rPr lang="en-US" sz="2400" b="0" i="1" smtClean="0">
-                            <a:latin typeface="Cambria Math" panose="02040503050406030204" pitchFamily="18" charset="0"/>
-                          </a:rPr>
-                        </m:ctrlPr>
-                      </m:sSubPr>
-                      <m:e>
-                        <m:r>
-                          <a:rPr lang="en-US" sz="2400" b="0" i="1" smtClean="0">
-                            <a:latin typeface="Cambria Math" panose="02040503050406030204" pitchFamily="18" charset="0"/>
-                          </a:rPr>
-                          <m:t>𝑦</m:t>
-                        </m:r>
-                      </m:e>
-                      <m:sub>
-                        <m:r>
-                          <a:rPr lang="en-US" sz="2400" b="0" i="1" smtClean="0">
-                            <a:latin typeface="Cambria Math" panose="02040503050406030204" pitchFamily="18" charset="0"/>
-                          </a:rPr>
-                          <m:t>𝑡</m:t>
-                        </m:r>
-                        <m:r>
-                          <a:rPr lang="en-US" sz="2400" b="0" i="1" smtClean="0">
-                            <a:latin typeface="Cambria Math" panose="02040503050406030204" pitchFamily="18" charset="0"/>
-                          </a:rPr>
-                          <m:t>−</m:t>
-                        </m:r>
-                        <m:r>
-                          <a:rPr lang="en-US" sz="2400" b="0" i="1" smtClean="0">
-                            <a:latin typeface="Cambria Math" panose="02040503050406030204" pitchFamily="18" charset="0"/>
-                          </a:rPr>
-                          <m:t>𝑘</m:t>
-                        </m:r>
-                      </m:sub>
-                    </m:sSub>
-                  </m:oMath>
-                </a14:m>
-                <a:endParaRPr lang="en-US" sz="2400" dirty="0"/>
-              </a:p>
-              <a:p>
-                <a:pPr lvl="1"/>
-                <a:r>
-                  <a:rPr lang="en-US" sz="2400" dirty="0"/>
-                  <a:t>Controlling for prior correlations </a:t>
-                </a:r>
-              </a:p>
-              <a:p>
-                <a:endParaRPr lang="en-US" sz="2800" dirty="0"/>
-              </a:p>
-              <a:p>
-                <a:r>
-                  <a:rPr lang="en-US" sz="2800" dirty="0"/>
-                  <a:t>Example</a:t>
-                </a:r>
-              </a:p>
-              <a:p>
-                <a:pPr lvl="1"/>
-                <a:r>
-                  <a:rPr lang="en-US" sz="2400" dirty="0"/>
-                  <a:t>Lag-1 partial </a:t>
-                </a:r>
-                <a:r>
-                  <a:rPr lang="en-US" sz="2400" dirty="0" err="1"/>
-                  <a:t>autocorr</a:t>
-                </a:r>
-                <a:r>
-                  <a:rPr lang="en-US" sz="2400" dirty="0"/>
-                  <a:t> is the same as Lag-1 </a:t>
-                </a:r>
-                <a:r>
-                  <a:rPr lang="en-US" sz="2400" dirty="0" err="1"/>
-                  <a:t>autocorr</a:t>
-                </a:r>
-                <a:r>
-                  <a:rPr lang="en-US" sz="2400" dirty="0"/>
-                  <a:t>.</a:t>
-                </a:r>
-              </a:p>
-              <a:p>
-                <a:pPr lvl="1"/>
-                <a:r>
-                  <a:rPr lang="en-US" sz="2400" dirty="0"/>
-                  <a:t>Lag-2 partial </a:t>
-                </a:r>
-                <a:r>
-                  <a:rPr lang="en-US" sz="2400" dirty="0" err="1"/>
-                  <a:t>autocorr</a:t>
-                </a:r>
-                <a:r>
-                  <a:rPr lang="en-US" sz="2400" dirty="0"/>
-                  <a:t> is the correlation between </a:t>
-                </a:r>
-                <a14:m>
-                  <m:oMath xmlns:m="http://schemas.openxmlformats.org/officeDocument/2006/math">
-                    <m:sSub>
-                      <m:sSubPr>
-                        <m:ctrlPr>
-                          <a:rPr lang="en-US" sz="2400" i="1">
-                            <a:latin typeface="Cambria Math" panose="02040503050406030204" pitchFamily="18" charset="0"/>
-                          </a:rPr>
-                        </m:ctrlPr>
-                      </m:sSubPr>
-                      <m:e>
-                        <m:r>
-                          <a:rPr lang="en-US" sz="2400" i="1">
-                            <a:latin typeface="Cambria Math" panose="02040503050406030204" pitchFamily="18" charset="0"/>
-                          </a:rPr>
-                          <m:t>𝑦</m:t>
-                        </m:r>
-                      </m:e>
-                      <m:sub>
-                        <m:r>
-                          <a:rPr lang="en-US" sz="2400" i="1">
-                            <a:latin typeface="Cambria Math" panose="02040503050406030204" pitchFamily="18" charset="0"/>
-                          </a:rPr>
-                          <m:t>𝑡</m:t>
-                        </m:r>
-                      </m:sub>
-                    </m:sSub>
-                  </m:oMath>
-                </a14:m>
-                <a:r>
-                  <a:rPr lang="en-US" sz="2400" dirty="0"/>
-                  <a:t> and </a:t>
-                </a:r>
-                <a14:m>
-                  <m:oMath xmlns:m="http://schemas.openxmlformats.org/officeDocument/2006/math">
-                    <m:sSub>
-                      <m:sSubPr>
-                        <m:ctrlPr>
-                          <a:rPr lang="en-US" sz="2400" b="0" i="1" smtClean="0">
-                            <a:latin typeface="Cambria Math" panose="02040503050406030204" pitchFamily="18" charset="0"/>
-                          </a:rPr>
-                        </m:ctrlPr>
-                      </m:sSubPr>
-                      <m:e>
-                        <m:r>
-                          <a:rPr lang="en-US" sz="2400" b="0" i="1" smtClean="0">
-                            <a:latin typeface="Cambria Math" panose="02040503050406030204" pitchFamily="18" charset="0"/>
-                          </a:rPr>
-                          <m:t>𝑦</m:t>
-                        </m:r>
-                      </m:e>
-                      <m:sub>
-                        <m:r>
-                          <a:rPr lang="en-US" sz="2400" b="0" i="1" smtClean="0">
-                            <a:latin typeface="Cambria Math" panose="02040503050406030204" pitchFamily="18" charset="0"/>
-                          </a:rPr>
-                          <m:t>𝑡</m:t>
-                        </m:r>
-                        <m:r>
-                          <a:rPr lang="en-US" sz="2400" b="0" i="1" smtClean="0">
-                            <a:latin typeface="Cambria Math" panose="02040503050406030204" pitchFamily="18" charset="0"/>
-                          </a:rPr>
-                          <m:t>−2</m:t>
-                        </m:r>
-                      </m:sub>
-                    </m:sSub>
-                  </m:oMath>
-                </a14:m>
-                <a:r>
-                  <a:rPr lang="en-US" sz="2400" dirty="0"/>
-                  <a:t> controlling for </a:t>
-                </a:r>
-                <a:r>
-                  <a:rPr lang="en-US" sz="2400" dirty="0" err="1"/>
-                  <a:t>autocrr</a:t>
-                </a:r>
-                <a:r>
-                  <a:rPr lang="en-US" sz="2400" dirty="0"/>
-                  <a:t> between </a:t>
-                </a:r>
-                <a14:m>
-                  <m:oMath xmlns:m="http://schemas.openxmlformats.org/officeDocument/2006/math">
-                    <m:sSub>
-                      <m:sSubPr>
-                        <m:ctrlPr>
-                          <a:rPr lang="en-US" sz="2400" i="1">
-                            <a:latin typeface="Cambria Math" panose="02040503050406030204" pitchFamily="18" charset="0"/>
-                          </a:rPr>
-                        </m:ctrlPr>
-                      </m:sSubPr>
-                      <m:e>
-                        <m:r>
-                          <a:rPr lang="en-US" sz="2400" i="1">
-                            <a:latin typeface="Cambria Math" panose="02040503050406030204" pitchFamily="18" charset="0"/>
-                          </a:rPr>
-                          <m:t>𝑦</m:t>
-                        </m:r>
-                      </m:e>
-                      <m:sub>
-                        <m:r>
-                          <a:rPr lang="en-US" sz="2400" i="1">
-                            <a:latin typeface="Cambria Math" panose="02040503050406030204" pitchFamily="18" charset="0"/>
-                          </a:rPr>
-                          <m:t>𝑡</m:t>
-                        </m:r>
-                      </m:sub>
-                    </m:sSub>
-                  </m:oMath>
-                </a14:m>
-                <a:r>
-                  <a:rPr lang="en-US" sz="2400" dirty="0"/>
-                  <a:t> and </a:t>
-                </a:r>
-                <a14:m>
-                  <m:oMath xmlns:m="http://schemas.openxmlformats.org/officeDocument/2006/math">
-                    <m:sSub>
-                      <m:sSubPr>
-                        <m:ctrlPr>
-                          <a:rPr lang="en-US" sz="2400" i="1">
-                            <a:latin typeface="Cambria Math" panose="02040503050406030204" pitchFamily="18" charset="0"/>
-                          </a:rPr>
-                        </m:ctrlPr>
-                      </m:sSubPr>
-                      <m:e>
-                        <m:r>
-                          <a:rPr lang="en-US" sz="2400" i="1">
-                            <a:latin typeface="Cambria Math" panose="02040503050406030204" pitchFamily="18" charset="0"/>
-                          </a:rPr>
-                          <m:t>𝑦</m:t>
-                        </m:r>
-                      </m:e>
-                      <m:sub>
-                        <m:r>
-                          <a:rPr lang="en-US" sz="2400" i="1">
-                            <a:latin typeface="Cambria Math" panose="02040503050406030204" pitchFamily="18" charset="0"/>
-                          </a:rPr>
-                          <m:t>𝑡</m:t>
-                        </m:r>
-                        <m:r>
-                          <a:rPr lang="en-US" sz="2400" i="1">
-                            <a:latin typeface="Cambria Math" panose="02040503050406030204" pitchFamily="18" charset="0"/>
-                          </a:rPr>
-                          <m:t>−1</m:t>
-                        </m:r>
-                      </m:sub>
-                    </m:sSub>
-                  </m:oMath>
-                </a14:m>
-                <a:endParaRPr lang="en-US" sz="2400" dirty="0"/>
-              </a:p>
-              <a:p>
-                <a:endParaRPr lang="en-US" sz="2800" dirty="0"/>
-              </a:p>
-            </p:txBody>
-          </p:sp>
-        </mc:Choice>
-        <mc:Fallback xmlns="">
-          <p:sp>
-            <p:nvSpPr>
-              <p:cNvPr id="3" name="Content Placeholder 2">
-                <a:extLst>
-                  <a:ext uri="{FF2B5EF4-FFF2-40B4-BE49-F238E27FC236}">
-                    <a16:creationId xmlns:a16="http://schemas.microsoft.com/office/drawing/2014/main" id="{35395B1D-F0DE-D445-AD2E-5895093CF429}"/>
-                  </a:ext>
-                </a:extLst>
-              </p:cNvPr>
-              <p:cNvSpPr>
-                <a:spLocks noGrp="1" noRot="1" noChangeAspect="1" noMove="1" noResize="1" noEditPoints="1" noAdjustHandles="1" noChangeArrowheads="1" noChangeShapeType="1" noTextEdit="1"/>
-              </p:cNvSpPr>
-              <p:nvPr>
-                <p:ph idx="1"/>
-              </p:nvPr>
-            </p:nvSpPr>
-            <p:spPr>
-              <a:blipFill>
-                <a:blip r:embed="rId2"/>
-                <a:stretch>
-                  <a:fillRect l="-1389" t="-1681"/>
-                </a:stretch>
-              </a:blipFill>
-            </p:spPr>
-            <p:txBody>
-              <a:bodyPr/>
-              <a:lstStyle/>
-              <a:p>
-                <a:r>
-                  <a:rPr lang="en-US">
-                    <a:noFill/>
-                  </a:rPr>
-                  <a:t> </a:t>
-                </a:r>
-              </a:p>
-            </p:txBody>
-          </p:sp>
-        </mc:Fallback>
-      </mc:AlternateContent>
-    </p:spTree>
-    <p:extLst>
-      <p:ext uri="{BB962C8B-B14F-4D97-AF65-F5344CB8AC3E}">
-        <p14:creationId xmlns:p14="http://schemas.microsoft.com/office/powerpoint/2010/main" val="2153474479"/>
-      </p:ext>
-    </p:extLst>
-  </p:cSld>
-  <p:clrMapOvr>
-    <a:masterClrMapping/>
-  </p:clrMapOvr>
-  <p:timing>
-    <p:tnLst>
-      <p:par>
-        <p:cTn id="1" dur="indefinite" restart="never" nodeType="tmRoot">
-          <p:childTnLst>
-            <p:seq concurrent="1" nextAc="seek">
-              <p:cTn id="2" dur="indefinite" nodeType="mainSeq">
-                <p:childTnLst>
-                  <p:par>
-                    <p:cTn id="3" fill="hold">
-                      <p:stCondLst>
-                        <p:cond delay="indefinite"/>
-                        <p:cond evt="onBegin" delay="0">
-                          <p:tn val="2"/>
-                        </p:cond>
-                      </p:stCondLst>
-                      <p:childTnLst>
-                        <p:par>
-                          <p:cTn id="4" fill="hold">
-                            <p:stCondLst>
-                              <p:cond delay="0"/>
-                            </p:stCondLst>
-                            <p:childTnLst>
-                              <p:par>
-                                <p:cTn id="5" presetID="1" presetClass="entr" presetSubtype="0" fill="hold" grpId="0" nodeType="withEffect">
-                                  <p:stCondLst>
-                                    <p:cond delay="0"/>
-                                  </p:stCondLst>
-                                  <p:childTnLst>
-                                    <p:set>
-                                      <p:cBhvr>
-                                        <p:cTn id="6" dur="1" fill="hold">
-                                          <p:stCondLst>
-                                            <p:cond delay="0"/>
-                                          </p:stCondLst>
-                                        </p:cTn>
-                                        <p:tgtEl>
-                                          <p:spTgt spid="3">
-                                            <p:txEl>
-                                              <p:pRg st="0" end="0"/>
-                                            </p:txEl>
-                                          </p:spTgt>
-                                        </p:tgtEl>
-                                        <p:attrNameLst>
-                                          <p:attrName>style.visibility</p:attrName>
-                                        </p:attrNameLst>
-                                      </p:cBhvr>
-                                      <p:to>
-                                        <p:strVal val="visible"/>
-                                      </p:to>
-                                    </p:set>
-                                  </p:childTnLst>
-                                </p:cTn>
-                              </p:par>
-                              <p:par>
-                                <p:cTn id="7" presetID="1" presetClass="entr" presetSubtype="0" fill="hold" grpId="0" nodeType="withEffect">
-                                  <p:stCondLst>
-                                    <p:cond delay="0"/>
-                                  </p:stCondLst>
-                                  <p:childTnLst>
-                                    <p:set>
-                                      <p:cBhvr>
-                                        <p:cTn id="8" dur="1" fill="hold">
-                                          <p:stCondLst>
-                                            <p:cond delay="0"/>
-                                          </p:stCondLst>
-                                        </p:cTn>
-                                        <p:tgtEl>
-                                          <p:spTgt spid="3">
-                                            <p:txEl>
-                                              <p:pRg st="1" end="1"/>
-                                            </p:txEl>
-                                          </p:spTgt>
-                                        </p:tgtEl>
-                                        <p:attrNameLst>
-                                          <p:attrName>style.visibility</p:attrName>
-                                        </p:attrNameLst>
-                                      </p:cBhvr>
-                                      <p:to>
-                                        <p:strVal val="visible"/>
-                                      </p:to>
-                                    </p:set>
-                                  </p:childTnLst>
-                                </p:cTn>
-                              </p:par>
-                            </p:childTnLst>
-                          </p:cTn>
-                        </p:par>
-                      </p:childTnLst>
-                    </p:cTn>
-                  </p:par>
-                  <p:par>
-                    <p:cTn id="9" fill="hold">
-                      <p:stCondLst>
-                        <p:cond delay="indefinite"/>
-                      </p:stCondLst>
-                      <p:childTnLst>
-                        <p:par>
-                          <p:cTn id="10" fill="hold">
-                            <p:stCondLst>
-                              <p:cond delay="0"/>
-                            </p:stCondLst>
-                            <p:childTnLst>
-                              <p:par>
-                                <p:cTn id="11" presetID="1" presetClass="entr" presetSubtype="0" fill="hold" grpId="0" nodeType="clickEffect">
-                                  <p:stCondLst>
-                                    <p:cond delay="0"/>
-                                  </p:stCondLst>
-                                  <p:childTnLst>
-                                    <p:set>
-                                      <p:cBhvr>
-                                        <p:cTn id="12" dur="1" fill="hold">
-                                          <p:stCondLst>
-                                            <p:cond delay="0"/>
-                                          </p:stCondLst>
-                                        </p:cTn>
-                                        <p:tgtEl>
-                                          <p:spTgt spid="3">
-                                            <p:txEl>
-                                              <p:pRg st="2" end="2"/>
-                                            </p:txEl>
-                                          </p:spTgt>
-                                        </p:tgtEl>
-                                        <p:attrNameLst>
-                                          <p:attrName>style.visibility</p:attrName>
-                                        </p:attrNameLst>
-                                      </p:cBhvr>
-                                      <p:to>
-                                        <p:strVal val="visible"/>
-                                      </p:to>
-                                    </p:set>
-                                  </p:childTnLst>
-                                </p:cTn>
-                              </p:par>
-                            </p:childTnLst>
-                          </p:cTn>
-                        </p:par>
-                      </p:childTnLst>
-                    </p:cTn>
-                  </p:par>
-                  <p:par>
-                    <p:cTn id="13" fill="hold">
-                      <p:stCondLst>
-                        <p:cond delay="indefinite"/>
-                      </p:stCondLst>
-                      <p:childTnLst>
-                        <p:par>
-                          <p:cTn id="14" fill="hold">
-                            <p:stCondLst>
-                              <p:cond delay="0"/>
-                            </p:stCondLst>
-                            <p:childTnLst>
-                              <p:par>
-                                <p:cTn id="15" presetID="1" presetClass="entr" presetSubtype="0" fill="hold" grpId="0" nodeType="clickEffect">
-                                  <p:stCondLst>
-                                    <p:cond delay="0"/>
-                                  </p:stCondLst>
-                                  <p:childTnLst>
-                                    <p:set>
-                                      <p:cBhvr>
-                                        <p:cTn id="16" dur="1" fill="hold">
-                                          <p:stCondLst>
-                                            <p:cond delay="0"/>
-                                          </p:stCondLst>
-                                        </p:cTn>
-                                        <p:tgtEl>
-                                          <p:spTgt spid="3">
-                                            <p:txEl>
-                                              <p:pRg st="4" end="4"/>
-                                            </p:txEl>
-                                          </p:spTgt>
-                                        </p:tgtEl>
-                                        <p:attrNameLst>
-                                          <p:attrName>style.visibility</p:attrName>
-                                        </p:attrNameLst>
-                                      </p:cBhvr>
-                                      <p:to>
-                                        <p:strVal val="visible"/>
-                                      </p:to>
-                                    </p:set>
-                                  </p:childTnLst>
-                                </p:cTn>
-                              </p:par>
-                              <p:par>
-                                <p:cTn id="17" presetID="1" presetClass="entr" presetSubtype="0" fill="hold" grpId="0" nodeType="withEffect">
-                                  <p:stCondLst>
-                                    <p:cond delay="0"/>
-                                  </p:stCondLst>
-                                  <p:childTnLst>
-                                    <p:set>
-                                      <p:cBhvr>
-                                        <p:cTn id="18" dur="1" fill="hold">
-                                          <p:stCondLst>
-                                            <p:cond delay="0"/>
-                                          </p:stCondLst>
-                                        </p:cTn>
-                                        <p:tgtEl>
-                                          <p:spTgt spid="3">
-                                            <p:txEl>
-                                              <p:pRg st="5" end="5"/>
-                                            </p:txEl>
-                                          </p:spTgt>
-                                        </p:tgtEl>
-                                        <p:attrNameLst>
-                                          <p:attrName>style.visibility</p:attrName>
-                                        </p:attrNameLst>
-                                      </p:cBhvr>
-                                      <p:to>
-                                        <p:strVal val="visible"/>
-                                      </p:to>
-                                    </p:set>
-                                  </p:childTnLst>
-                                </p:cTn>
-                              </p:par>
-                              <p:par>
-                                <p:cTn id="19" presetID="1" presetClass="entr" presetSubtype="0" fill="hold" grpId="0" nodeType="withEffect">
-                                  <p:stCondLst>
-                                    <p:cond delay="0"/>
-                                  </p:stCondLst>
-                                  <p:childTnLst>
-                                    <p:set>
-                                      <p:cBhvr>
-                                        <p:cTn id="20" dur="1" fill="hold">
-                                          <p:stCondLst>
-                                            <p:cond delay="0"/>
-                                          </p:stCondLst>
-                                        </p:cTn>
-                                        <p:tgtEl>
-                                          <p:spTgt spid="3">
-                                            <p:txEl>
-                                              <p:pRg st="6" end="6"/>
-                                            </p:txEl>
-                                          </p:spTgt>
-                                        </p:tgtEl>
-                                        <p:attrNameLst>
-                                          <p:attrName>style.visibility</p:attrName>
-                                        </p:attrNameLst>
-                                      </p:cBhvr>
-                                      <p:to>
-                                        <p:strVal val="visible"/>
-                                      </p:to>
-                                    </p:set>
-                                  </p:childTnLst>
-                                </p:cTn>
-                              </p:par>
-                            </p:childTnLst>
-                          </p:cTn>
-                        </p:par>
-                      </p:childTnLst>
-                    </p:cTn>
-                  </p:par>
-                </p:childTnLst>
-              </p:cTn>
-              <p:prevCondLst>
-                <p:cond evt="onPrev" delay="0">
-                  <p:tgtEl>
-                    <p:sldTgt/>
-                  </p:tgtEl>
-                </p:cond>
-              </p:prevCondLst>
-              <p:nextCondLst>
-                <p:cond evt="onNext" delay="0">
-                  <p:tgtEl>
-                    <p:sldTgt/>
-                  </p:tgtEl>
-                </p:cond>
-              </p:nextCondLst>
-            </p:seq>
-          </p:childTnLst>
-        </p:cTn>
-      </p:par>
-    </p:tnLst>
-    <p:bldLst>
-      <p:bldP spid="3" grpId="0" uiExpand="1" build="p"/>
     </p:bldLst>
   </p:timing>
 </p:sld>

--- a/Week-8-Time-Series-II-AutoRegression/IS6400 Week 8.pptx
+++ b/Week-8-Time-Series-II-AutoRegression/IS6400 Week 8.pptx
@@ -333,7 +333,7 @@
               <a:pPr>
                 <a:defRPr/>
               </a:pPr>
-              <a:t>2022/3/7</a:t>
+              <a:t>2022/3/8</a:t>
             </a:fld>
             <a:endParaRPr lang="zh-TW" altLang="en-US"/>
           </a:p>
@@ -574,7 +574,7 @@
               <a:pPr>
                 <a:defRPr/>
               </a:pPr>
-              <a:t>3/7/22</a:t>
+              <a:t>3/8/22</a:t>
             </a:fld>
             <a:endParaRPr lang="en-US" dirty="0"/>
           </a:p>
@@ -3526,7 +3526,7 @@
                 </a:r>
                 <a:r>
                   <a:rPr lang="en-US" sz="2400" dirty="0" err="1"/>
-                  <a:t>autocrr</a:t>
+                  <a:t>autocorr</a:t>
                 </a:r>
                 <a:r>
                   <a:rPr lang="en-US" sz="2400" dirty="0"/>
@@ -5690,8 +5690,8 @@
           </a:extLst>
         </p:spPr>
       </p:pic>
-      <mc:AlternateContent xmlns:mc="http://schemas.openxmlformats.org/markup-compatibility/2006">
-        <mc:Choice xmlns:a14="http://schemas.microsoft.com/office/drawing/2010/main" Requires="a14">
+      <mc:AlternateContent xmlns:mc="http://schemas.openxmlformats.org/markup-compatibility/2006" xmlns:a14="http://schemas.microsoft.com/office/drawing/2010/main">
+        <mc:Choice Requires="a14">
           <p:sp>
             <p:nvSpPr>
               <p:cNvPr id="7" name="Rounded Rectangular Callout 6">
@@ -5706,7 +5706,7 @@
             </p:nvSpPr>
             <p:spPr>
               <a:xfrm>
-                <a:off x="3503142" y="4510119"/>
+                <a:off x="3503142" y="4744627"/>
                 <a:ext cx="3384376" cy="1711790"/>
               </a:xfrm>
               <a:prstGeom prst="wedgeRoundRectCallout">
@@ -6004,7 +6004,7 @@
             </p:txBody>
           </p:sp>
         </mc:Choice>
-        <mc:Fallback>
+        <mc:Fallback xmlns="">
           <p:sp>
             <p:nvSpPr>
               <p:cNvPr id="7" name="Rounded Rectangular Callout 6">
@@ -6021,7 +6021,7 @@
             </p:nvSpPr>
             <p:spPr>
               <a:xfrm>
-                <a:off x="3503142" y="4510119"/>
+                <a:off x="3503142" y="4744627"/>
                 <a:ext cx="3384376" cy="1711790"/>
               </a:xfrm>
               <a:prstGeom prst="wedgeRoundRectCallout">
@@ -8094,7 +8094,7 @@
             <p:spPr>
               <a:xfrm>
                 <a:off x="1692429" y="1916832"/>
-                <a:ext cx="5759141" cy="331437"/>
+                <a:ext cx="6091283" cy="331437"/>
               </a:xfrm>
               <a:prstGeom prst="rect">
                 <a:avLst/>
@@ -8107,6 +8107,7 @@
               </a:bodyPr>
               <a:lstStyle/>
               <a:p>
+                <a:pPr/>
                 <a14:m>
                   <m:oMathPara xmlns:m="http://schemas.openxmlformats.org/officeDocument/2006/math">
                     <m:oMathParaPr>
@@ -8363,6 +8364,18 @@
                             <a:rPr lang="en-US" sz="2000" b="0" i="1" smtClean="0">
                               <a:latin typeface="Cambria Math" panose="02040503050406030204" pitchFamily="18" charset="0"/>
                             </a:rPr>
+                            <m:t>𝑡</m:t>
+                          </m:r>
+                          <m:r>
+                            <a:rPr lang="en-US" sz="2000" b="0" i="1" smtClean="0">
+                              <a:latin typeface="Cambria Math" panose="02040503050406030204" pitchFamily="18" charset="0"/>
+                            </a:rPr>
+                            <m:t>−</m:t>
+                          </m:r>
+                          <m:r>
+                            <a:rPr lang="en-US" sz="2000" b="0" i="1" smtClean="0">
+                              <a:latin typeface="Cambria Math" panose="02040503050406030204" pitchFamily="18" charset="0"/>
+                            </a:rPr>
                             <m:t>𝑞</m:t>
                           </m:r>
                         </m:sub>
@@ -8384,6 +8397,18 @@
                           </m:r>
                         </m:e>
                         <m:sub>
+                          <m:r>
+                            <a:rPr lang="en-US" sz="2000" b="0" i="1" smtClean="0">
+                              <a:latin typeface="Cambria Math" panose="02040503050406030204" pitchFamily="18" charset="0"/>
+                            </a:rPr>
+                            <m:t>𝑡</m:t>
+                          </m:r>
+                          <m:r>
+                            <a:rPr lang="en-US" sz="2000" b="0" i="1" smtClean="0">
+                              <a:latin typeface="Cambria Math" panose="02040503050406030204" pitchFamily="18" charset="0"/>
+                            </a:rPr>
+                            <m:t>−</m:t>
+                          </m:r>
                           <m:r>
                             <a:rPr lang="en-US" sz="2000" b="0" i="1" smtClean="0">
                               <a:latin typeface="Cambria Math" panose="02040503050406030204" pitchFamily="18" charset="0"/>
@@ -8418,7 +8443,7 @@
             <p:spPr>
               <a:xfrm>
                 <a:off x="1692429" y="1916832"/>
-                <a:ext cx="5759141" cy="331437"/>
+                <a:ext cx="6091283" cy="331437"/>
               </a:xfrm>
               <a:prstGeom prst="rect">
                 <a:avLst/>
@@ -8426,7 +8451,7 @@
               <a:blipFill>
                 <a:blip r:embed="rId2"/>
                 <a:stretch>
-                  <a:fillRect b="-17857"/>
+                  <a:fillRect l="-417" b="-17857"/>
                 </a:stretch>
               </a:blipFill>
             </p:spPr>
@@ -8462,7 +8487,7 @@
             <p:spPr>
               <a:xfrm>
                 <a:off x="6152645" y="2492896"/>
-                <a:ext cx="2534155" cy="328295"/>
+                <a:ext cx="1982722" cy="605294"/>
               </a:xfrm>
               <a:prstGeom prst="rect">
                 <a:avLst/>
@@ -8475,6 +8500,7 @@
               </a:bodyPr>
               <a:lstStyle/>
               <a:p>
+                <a:pPr/>
                 <a14:m>
                   <m:oMathPara xmlns:m="http://schemas.openxmlformats.org/officeDocument/2006/math">
                     <m:oMathParaPr>
@@ -8574,6 +8600,21 @@
                         </a:rPr>
                         <m:t>;</m:t>
                       </m:r>
+                    </m:oMath>
+                  </m:oMathPara>
+                </a14:m>
+                <a:endParaRPr lang="en-US" b="0" i="1" dirty="0">
+                  <a:latin typeface="Cambria Math" panose="02040503050406030204" pitchFamily="18" charset="0"/>
+                </a:endParaRPr>
+              </a:p>
+              <a:p>
+                <a:pPr/>
+                <a14:m>
+                  <m:oMathPara xmlns:m="http://schemas.openxmlformats.org/officeDocument/2006/math">
+                    <m:oMathParaPr>
+                      <m:jc m:val="centerGroup"/>
+                    </m:oMathParaPr>
+                    <m:oMath xmlns:m="http://schemas.openxmlformats.org/officeDocument/2006/math">
                       <m:r>
                         <a:rPr lang="en-US" b="0" i="1" smtClean="0">
                           <a:latin typeface="Cambria Math" panose="02040503050406030204" pitchFamily="18" charset="0"/>
@@ -8584,7 +8625,31 @@
                         <a:rPr lang="en-US" b="0" i="1" smtClean="0">
                           <a:latin typeface="Cambria Math" panose="02040503050406030204" pitchFamily="18" charset="0"/>
                         </a:rPr>
-                        <m:t>∈{1,…,</m:t>
+                        <m:t>∈{</m:t>
+                      </m:r>
+                      <m:r>
+                        <a:rPr lang="en-US" b="0" i="1" smtClean="0">
+                          <a:latin typeface="Cambria Math" panose="02040503050406030204" pitchFamily="18" charset="0"/>
+                        </a:rPr>
+                        <m:t>𝑡</m:t>
+                      </m:r>
+                      <m:r>
+                        <a:rPr lang="en-US" b="0" i="1" smtClean="0">
+                          <a:latin typeface="Cambria Math" panose="02040503050406030204" pitchFamily="18" charset="0"/>
+                        </a:rPr>
+                        <m:t>−1,…,</m:t>
+                      </m:r>
+                      <m:r>
+                        <a:rPr lang="en-US" b="0" i="1" smtClean="0">
+                          <a:latin typeface="Cambria Math" panose="02040503050406030204" pitchFamily="18" charset="0"/>
+                        </a:rPr>
+                        <m:t>𝑡</m:t>
+                      </m:r>
+                      <m:r>
+                        <a:rPr lang="en-US" b="0" i="1" smtClean="0">
+                          <a:latin typeface="Cambria Math" panose="02040503050406030204" pitchFamily="18" charset="0"/>
+                        </a:rPr>
+                        <m:t>−</m:t>
                       </m:r>
                       <m:r>
                         <a:rPr lang="en-US" b="0" i="1" smtClean="0">
@@ -8624,7 +8689,7 @@
             <p:spPr>
               <a:xfrm>
                 <a:off x="6152645" y="2492896"/>
-                <a:ext cx="2534155" cy="328295"/>
+                <a:ext cx="1982722" cy="605294"/>
               </a:xfrm>
               <a:prstGeom prst="rect">
                 <a:avLst/>
@@ -8632,7 +8697,7 @@
               <a:blipFill>
                 <a:blip r:embed="rId3"/>
                 <a:stretch>
-                  <a:fillRect l="-1000" r="-3000" b="-22222"/>
+                  <a:fillRect l="-3185" r="-3822" b="-18750"/>
                 </a:stretch>
               </a:blipFill>
             </p:spPr>
@@ -8670,8 +8735,8 @@
           </a:xfrm>
           <a:prstGeom prst="wedgeRoundRectCallout">
             <a:avLst>
-              <a:gd name="adj1" fmla="val 57438"/>
-              <a:gd name="adj2" fmla="val -75833"/>
+              <a:gd name="adj1" fmla="val 68440"/>
+              <a:gd name="adj2" fmla="val -63698"/>
               <a:gd name="adj3" fmla="val 16667"/>
             </a:avLst>
           </a:prstGeom>
@@ -8718,8 +8783,8 @@
           </a:p>
         </p:txBody>
       </p:sp>
-      <mc:AlternateContent xmlns:mc="http://schemas.openxmlformats.org/markup-compatibility/2006">
-        <mc:Choice xmlns:a14="http://schemas.microsoft.com/office/drawing/2010/main" Requires="a14">
+      <mc:AlternateContent xmlns:mc="http://schemas.openxmlformats.org/markup-compatibility/2006" xmlns:a14="http://schemas.microsoft.com/office/drawing/2010/main">
+        <mc:Choice Requires="a14">
           <p:sp>
             <p:nvSpPr>
               <p:cNvPr id="7" name="TextBox 6">
@@ -8748,6 +8813,7 @@
               </a:bodyPr>
               <a:lstStyle/>
               <a:p>
+                <a:pPr/>
                 <a14:m>
                   <m:oMathPara xmlns:m="http://schemas.openxmlformats.org/officeDocument/2006/math">
                     <m:oMathParaPr>
@@ -8861,7 +8927,7 @@
             </p:txBody>
           </p:sp>
         </mc:Choice>
-        <mc:Fallback>
+        <mc:Fallback xmlns="">
           <p:sp>
             <p:nvSpPr>
               <p:cNvPr id="7" name="TextBox 6">
@@ -8906,8 +8972,8 @@
           </p:sp>
         </mc:Fallback>
       </mc:AlternateContent>
-      <mc:AlternateContent xmlns:mc="http://schemas.openxmlformats.org/markup-compatibility/2006">
-        <mc:Choice xmlns:a14="http://schemas.microsoft.com/office/drawing/2010/main" Requires="a14">
+      <mc:AlternateContent xmlns:mc="http://schemas.openxmlformats.org/markup-compatibility/2006" xmlns:a14="http://schemas.microsoft.com/office/drawing/2010/main">
+        <mc:Choice Requires="a14">
           <p:sp>
             <p:nvSpPr>
               <p:cNvPr id="8" name="TextBox 7">
@@ -8936,6 +9002,7 @@
               </a:bodyPr>
               <a:lstStyle/>
               <a:p>
+                <a:pPr/>
                 <a14:m>
                   <m:oMathPara xmlns:m="http://schemas.openxmlformats.org/officeDocument/2006/math">
                     <m:oMathParaPr>
@@ -9024,7 +9091,7 @@
             </p:txBody>
           </p:sp>
         </mc:Choice>
-        <mc:Fallback>
+        <mc:Fallback xmlns="">
           <p:sp>
             <p:nvSpPr>
               <p:cNvPr id="8" name="TextBox 7">
@@ -9226,6 +9293,121 @@
           </a:p>
         </p:txBody>
       </p:sp>
+      <mc:AlternateContent xmlns:mc="http://schemas.openxmlformats.org/markup-compatibility/2006" xmlns:a14="http://schemas.microsoft.com/office/drawing/2010/main">
+        <mc:Choice Requires="a14">
+          <p:sp>
+            <p:nvSpPr>
+              <p:cNvPr id="16" name="TextBox 15">
+                <a:extLst>
+                  <a:ext uri="{FF2B5EF4-FFF2-40B4-BE49-F238E27FC236}">
+                    <a16:creationId xmlns:a16="http://schemas.microsoft.com/office/drawing/2014/main" id="{39B8F0B4-8A19-684D-9DA7-4DB06767D355}"/>
+                  </a:ext>
+                </a:extLst>
+              </p:cNvPr>
+              <p:cNvSpPr txBox="1"/>
+              <p:nvPr/>
+            </p:nvSpPr>
+            <p:spPr>
+              <a:xfrm>
+                <a:off x="2597577" y="3788893"/>
+                <a:ext cx="705355" cy="391646"/>
+              </a:xfrm>
+              <a:prstGeom prst="rect">
+                <a:avLst/>
+              </a:prstGeom>
+              <a:noFill/>
+            </p:spPr>
+            <p:txBody>
+              <a:bodyPr wrap="square">
+                <a:spAutoFit/>
+              </a:bodyPr>
+              <a:lstStyle/>
+              <a:p>
+                <a:pPr/>
+                <a14:m>
+                  <m:oMathPara xmlns:m="http://schemas.openxmlformats.org/officeDocument/2006/math">
+                    <m:oMathParaPr>
+                      <m:jc m:val="centerGroup"/>
+                    </m:oMathParaPr>
+                    <m:oMath xmlns:m="http://schemas.openxmlformats.org/officeDocument/2006/math">
+                      <m:sSub>
+                        <m:sSubPr>
+                          <m:ctrlPr>
+                            <a:rPr lang="en-US" sz="1800" b="0" i="1" smtClean="0">
+                              <a:latin typeface="Cambria Math" panose="02040503050406030204" pitchFamily="18" charset="0"/>
+                            </a:rPr>
+                          </m:ctrlPr>
+                        </m:sSubPr>
+                        <m:e>
+                          <m:r>
+                            <a:rPr lang="en-US" sz="1800" b="0" i="1" smtClean="0">
+                              <a:latin typeface="Cambria Math" panose="02040503050406030204" pitchFamily="18" charset="0"/>
+                            </a:rPr>
+                            <m:t>𝜃</m:t>
+                          </m:r>
+                        </m:e>
+                        <m:sub>
+                          <m:r>
+                            <a:rPr lang="en-US" sz="1800" b="0" i="1" smtClean="0">
+                              <a:latin typeface="Cambria Math" panose="02040503050406030204" pitchFamily="18" charset="0"/>
+                            </a:rPr>
+                            <m:t>𝑗</m:t>
+                          </m:r>
+                        </m:sub>
+                      </m:sSub>
+                    </m:oMath>
+                  </m:oMathPara>
+                </a14:m>
+                <a:endParaRPr lang="en-US" dirty="0"/>
+              </a:p>
+            </p:txBody>
+          </p:sp>
+        </mc:Choice>
+        <mc:Fallback xmlns="">
+          <p:sp>
+            <p:nvSpPr>
+              <p:cNvPr id="16" name="TextBox 15">
+                <a:extLst>
+                  <a:ext uri="{FF2B5EF4-FFF2-40B4-BE49-F238E27FC236}">
+                    <a16:creationId xmlns:a16="http://schemas.microsoft.com/office/drawing/2014/main" id="{39B8F0B4-8A19-684D-9DA7-4DB06767D355}"/>
+                  </a:ext>
+                </a:extLst>
+              </p:cNvPr>
+              <p:cNvSpPr txBox="1">
+                <a:spLocks noRot="1" noChangeAspect="1" noMove="1" noResize="1" noEditPoints="1" noAdjustHandles="1" noChangeArrowheads="1" noChangeShapeType="1" noTextEdit="1"/>
+              </p:cNvSpPr>
+              <p:nvPr/>
+            </p:nvSpPr>
+            <p:spPr>
+              <a:xfrm>
+                <a:off x="2597577" y="3788893"/>
+                <a:ext cx="705355" cy="391646"/>
+              </a:xfrm>
+              <a:prstGeom prst="rect">
+                <a:avLst/>
+              </a:prstGeom>
+              <a:blipFill>
+                <a:blip r:embed="rId6"/>
+                <a:stretch>
+                  <a:fillRect b="-6250"/>
+                </a:stretch>
+              </a:blipFill>
+            </p:spPr>
+            <p:txBody>
+              <a:bodyPr/>
+              <a:lstStyle/>
+              <a:p>
+                <a:r>
+                  <a:rPr lang="en-US">
+                    <a:noFill/>
+                  </a:rPr>
+                  <a:t> </a:t>
+                </a:r>
+              </a:p>
+            </p:txBody>
+          </p:sp>
+        </mc:Fallback>
+      </mc:AlternateContent>
     </p:spTree>
     <p:extLst>
       <p:ext uri="{BB962C8B-B14F-4D97-AF65-F5344CB8AC3E}">
@@ -9374,7 +9556,7 @@
                                 </p:cTn>
                               </p:par>
                               <p:par>
-                                <p:cTn id="15" presetID="1" presetClass="entr" presetSubtype="0" fill="hold" nodeType="withEffect">
+                                <p:cTn id="15" presetID="1" presetClass="entr" presetSubtype="0" fill="hold" grpId="0" nodeType="withEffect">
                                   <p:stCondLst>
                                     <p:cond delay="0"/>
                                   </p:stCondLst>
@@ -9382,6 +9564,33 @@
                                     <p:set>
                                       <p:cBhvr>
                                         <p:cTn id="16" dur="1" fill="hold">
+                                          <p:stCondLst>
+                                            <p:cond delay="0"/>
+                                          </p:stCondLst>
+                                        </p:cTn>
+                                        <p:tgtEl>
+                                          <p:spTgt spid="16"/>
+                                        </p:tgtEl>
+                                        <p:attrNameLst>
+                                          <p:attrName>style.visibility</p:attrName>
+                                        </p:attrNameLst>
+                                      </p:cBhvr>
+                                      <p:to>
+                                        <p:strVal val="visible"/>
+                                      </p:to>
+                                    </p:set>
+                                  </p:childTnLst>
+                                </p:cTn>
+                              </p:par>
+                              <p:par>
+                                <p:cTn id="17" presetID="1" presetClass="entr" presetSubtype="0" fill="hold" nodeType="withEffect">
+                                  <p:stCondLst>
+                                    <p:cond delay="0"/>
+                                  </p:stCondLst>
+                                  <p:childTnLst>
+                                    <p:set>
+                                      <p:cBhvr>
+                                        <p:cTn id="18" dur="1" fill="hold">
                                           <p:stCondLst>
                                             <p:cond delay="0"/>
                                           </p:stCondLst>
@@ -9401,14 +9610,14 @@
                                 </p:cTn>
                               </p:par>
                               <p:par>
-                                <p:cTn id="17" presetID="1" presetClass="entr" presetSubtype="0" fill="hold" grpId="0" nodeType="withEffect">
+                                <p:cTn id="19" presetID="1" presetClass="entr" presetSubtype="0" fill="hold" grpId="0" nodeType="withEffect">
                                   <p:stCondLst>
                                     <p:cond delay="0"/>
                                   </p:stCondLst>
                                   <p:childTnLst>
                                     <p:set>
                                       <p:cBhvr>
-                                        <p:cTn id="18" dur="1" fill="hold">
+                                        <p:cTn id="20" dur="1" fill="hold">
                                           <p:stCondLst>
                                             <p:cond delay="0"/>
                                           </p:stCondLst>
@@ -9434,26 +9643,26 @@
                     </p:cTn>
                   </p:par>
                   <p:par>
-                    <p:cTn id="19" fill="hold">
+                    <p:cTn id="21" fill="hold">
                       <p:stCondLst>
                         <p:cond delay="indefinite"/>
                       </p:stCondLst>
                       <p:childTnLst>
                         <p:par>
-                          <p:cTn id="20" fill="hold">
+                          <p:cTn id="22" fill="hold">
                             <p:stCondLst>
                               <p:cond delay="0"/>
                             </p:stCondLst>
                             <p:childTnLst>
                               <p:par>
-                                <p:cTn id="21" presetID="1" presetClass="entr" presetSubtype="0" fill="hold" grpId="0" nodeType="clickEffect">
+                                <p:cTn id="23" presetID="1" presetClass="entr" presetSubtype="0" fill="hold" grpId="0" nodeType="clickEffect">
                                   <p:stCondLst>
                                     <p:cond delay="0"/>
                                   </p:stCondLst>
                                   <p:childTnLst>
                                     <p:set>
                                       <p:cBhvr>
-                                        <p:cTn id="22" dur="1" fill="hold">
+                                        <p:cTn id="24" dur="1" fill="hold">
                                           <p:stCondLst>
                                             <p:cond delay="0"/>
                                           </p:stCondLst>
@@ -9504,6 +9713,7 @@
       <p:bldP spid="7" grpId="0"/>
       <p:bldP spid="8" grpId="0"/>
       <p:bldP spid="14" grpId="0" animBg="1"/>
+      <p:bldP spid="16" grpId="0"/>
     </p:bldLst>
   </p:timing>
 </p:sld>
@@ -13814,6 +14024,73 @@
           <a:p>
             <a:pPr algn="ctr"/>
             <a:endParaRPr lang="en-US"/>
+          </a:p>
+        </p:txBody>
+      </p:sp>
+      <p:sp>
+        <p:nvSpPr>
+          <p:cNvPr id="10" name="Rounded Rectangular Callout 9">
+            <a:extLst>
+              <a:ext uri="{FF2B5EF4-FFF2-40B4-BE49-F238E27FC236}">
+                <a16:creationId xmlns:a16="http://schemas.microsoft.com/office/drawing/2014/main" id="{B49E4627-819C-794B-9183-6F757B886E26}"/>
+              </a:ext>
+            </a:extLst>
+          </p:cNvPr>
+          <p:cNvSpPr/>
+          <p:nvPr/>
+        </p:nvSpPr>
+        <p:spPr>
+          <a:xfrm>
+            <a:off x="1655674" y="1347719"/>
+            <a:ext cx="6372709" cy="497105"/>
+          </a:xfrm>
+          <a:prstGeom prst="wedgeRoundRectCallout">
+            <a:avLst>
+              <a:gd name="adj1" fmla="val 239"/>
+              <a:gd name="adj2" fmla="val 124296"/>
+              <a:gd name="adj3" fmla="val 16667"/>
+            </a:avLst>
+          </a:prstGeom>
+          <a:solidFill>
+            <a:schemeClr val="accent6">
+              <a:lumMod val="60000"/>
+              <a:lumOff val="40000"/>
+            </a:schemeClr>
+          </a:solidFill>
+          <a:ln>
+            <a:noFill/>
+          </a:ln>
+        </p:spPr>
+        <p:style>
+          <a:lnRef idx="2">
+            <a:schemeClr val="accent1">
+              <a:shade val="50000"/>
+            </a:schemeClr>
+          </a:lnRef>
+          <a:fillRef idx="1">
+            <a:schemeClr val="accent1"/>
+          </a:fillRef>
+          <a:effectRef idx="0">
+            <a:schemeClr val="accent1"/>
+          </a:effectRef>
+          <a:fontRef idx="minor">
+            <a:schemeClr val="lt1"/>
+          </a:fontRef>
+        </p:style>
+        <p:txBody>
+          <a:bodyPr rtlCol="0" anchor="ctr"/>
+          <a:lstStyle/>
+          <a:p>
+            <a:r>
+              <a:rPr lang="en-US" sz="2000" dirty="0">
+                <a:solidFill>
+                  <a:schemeClr val="bg1"/>
+                </a:solidFill>
+                <a:latin typeface="Calibri Light" panose="020F0302020204030204" pitchFamily="34" charset="0"/>
+                <a:cs typeface="Calibri Light" panose="020F0302020204030204" pitchFamily="34" charset="0"/>
+              </a:rPr>
+              <a:t>The ACF and PACF of the differenced (if any) time series</a:t>
+            </a:r>
           </a:p>
         </p:txBody>
       </p:sp>
